--- a/assets/img/posts/ClassThumbnail2.pptx
+++ b/assets/img/posts/ClassThumbnail2.pptx
@@ -6,6 +6,7 @@
   </p:sldMasterIdLst>
   <p:sldIdLst>
     <p:sldId id="337" r:id="rId2"/>
+    <p:sldId id="338" r:id="rId3"/>
   </p:sldIdLst>
   <p:sldSz cx="12192000" cy="6858000"/>
   <p:notesSz cx="6858000" cy="9144000"/>
@@ -259,7 +260,7 @@
           <a:p>
             <a:fld id="{23D718C7-182E-9E43-B6DC-1727F16BCC9F}" type="datetimeFigureOut">
               <a:rPr kumimoji="1" lang="ko-KR" altLang="en-US" smtClean="0"/>
-              <a:t>2024. 9. 2.</a:t>
+              <a:t>2024. 9. 10.</a:t>
             </a:fld>
             <a:endParaRPr kumimoji="1" lang="ko-KR" altLang="en-US"/>
           </a:p>
@@ -457,7 +458,7 @@
           <a:p>
             <a:fld id="{23D718C7-182E-9E43-B6DC-1727F16BCC9F}" type="datetimeFigureOut">
               <a:rPr kumimoji="1" lang="ko-KR" altLang="en-US" smtClean="0"/>
-              <a:t>2024. 9. 2.</a:t>
+              <a:t>2024. 9. 10.</a:t>
             </a:fld>
             <a:endParaRPr kumimoji="1" lang="ko-KR" altLang="en-US"/>
           </a:p>
@@ -665,7 +666,7 @@
           <a:p>
             <a:fld id="{23D718C7-182E-9E43-B6DC-1727F16BCC9F}" type="datetimeFigureOut">
               <a:rPr kumimoji="1" lang="ko-KR" altLang="en-US" smtClean="0"/>
-              <a:t>2024. 9. 2.</a:t>
+              <a:t>2024. 9. 10.</a:t>
             </a:fld>
             <a:endParaRPr kumimoji="1" lang="ko-KR" altLang="en-US"/>
           </a:p>
@@ -863,7 +864,7 @@
           <a:p>
             <a:fld id="{23D718C7-182E-9E43-B6DC-1727F16BCC9F}" type="datetimeFigureOut">
               <a:rPr kumimoji="1" lang="ko-KR" altLang="en-US" smtClean="0"/>
-              <a:t>2024. 9. 2.</a:t>
+              <a:t>2024. 9. 10.</a:t>
             </a:fld>
             <a:endParaRPr kumimoji="1" lang="ko-KR" altLang="en-US"/>
           </a:p>
@@ -1138,7 +1139,7 @@
           <a:p>
             <a:fld id="{23D718C7-182E-9E43-B6DC-1727F16BCC9F}" type="datetimeFigureOut">
               <a:rPr kumimoji="1" lang="ko-KR" altLang="en-US" smtClean="0"/>
-              <a:t>2024. 9. 2.</a:t>
+              <a:t>2024. 9. 10.</a:t>
             </a:fld>
             <a:endParaRPr kumimoji="1" lang="ko-KR" altLang="en-US"/>
           </a:p>
@@ -1403,7 +1404,7 @@
           <a:p>
             <a:fld id="{23D718C7-182E-9E43-B6DC-1727F16BCC9F}" type="datetimeFigureOut">
               <a:rPr kumimoji="1" lang="ko-KR" altLang="en-US" smtClean="0"/>
-              <a:t>2024. 9. 2.</a:t>
+              <a:t>2024. 9. 10.</a:t>
             </a:fld>
             <a:endParaRPr kumimoji="1" lang="ko-KR" altLang="en-US"/>
           </a:p>
@@ -1815,7 +1816,7 @@
           <a:p>
             <a:fld id="{23D718C7-182E-9E43-B6DC-1727F16BCC9F}" type="datetimeFigureOut">
               <a:rPr kumimoji="1" lang="ko-KR" altLang="en-US" smtClean="0"/>
-              <a:t>2024. 9. 2.</a:t>
+              <a:t>2024. 9. 10.</a:t>
             </a:fld>
             <a:endParaRPr kumimoji="1" lang="ko-KR" altLang="en-US"/>
           </a:p>
@@ -1956,7 +1957,7 @@
           <a:p>
             <a:fld id="{23D718C7-182E-9E43-B6DC-1727F16BCC9F}" type="datetimeFigureOut">
               <a:rPr kumimoji="1" lang="ko-KR" altLang="en-US" smtClean="0"/>
-              <a:t>2024. 9. 2.</a:t>
+              <a:t>2024. 9. 10.</a:t>
             </a:fld>
             <a:endParaRPr kumimoji="1" lang="ko-KR" altLang="en-US"/>
           </a:p>
@@ -2069,7 +2070,7 @@
           <a:p>
             <a:fld id="{23D718C7-182E-9E43-B6DC-1727F16BCC9F}" type="datetimeFigureOut">
               <a:rPr kumimoji="1" lang="ko-KR" altLang="en-US" smtClean="0"/>
-              <a:t>2024. 9. 2.</a:t>
+              <a:t>2024. 9. 10.</a:t>
             </a:fld>
             <a:endParaRPr kumimoji="1" lang="ko-KR" altLang="en-US"/>
           </a:p>
@@ -2380,7 +2381,7 @@
           <a:p>
             <a:fld id="{23D718C7-182E-9E43-B6DC-1727F16BCC9F}" type="datetimeFigureOut">
               <a:rPr kumimoji="1" lang="ko-KR" altLang="en-US" smtClean="0"/>
-              <a:t>2024. 9. 2.</a:t>
+              <a:t>2024. 9. 10.</a:t>
             </a:fld>
             <a:endParaRPr kumimoji="1" lang="ko-KR" altLang="en-US"/>
           </a:p>
@@ -2668,7 +2669,7 @@
           <a:p>
             <a:fld id="{23D718C7-182E-9E43-B6DC-1727F16BCC9F}" type="datetimeFigureOut">
               <a:rPr kumimoji="1" lang="ko-KR" altLang="en-US" smtClean="0"/>
-              <a:t>2024. 9. 2.</a:t>
+              <a:t>2024. 9. 10.</a:t>
             </a:fld>
             <a:endParaRPr kumimoji="1" lang="ko-KR" altLang="en-US"/>
           </a:p>
@@ -2909,7 +2910,7 @@
           <a:p>
             <a:fld id="{23D718C7-182E-9E43-B6DC-1727F16BCC9F}" type="datetimeFigureOut">
               <a:rPr kumimoji="1" lang="ko-KR" altLang="en-US" smtClean="0"/>
-              <a:t>2024. 9. 2.</a:t>
+              <a:t>2024. 9. 10.</a:t>
             </a:fld>
             <a:endParaRPr kumimoji="1" lang="ko-KR" altLang="en-US"/>
           </a:p>
@@ -3527,6 +3528,233 @@
     <p:extLst>
       <p:ext uri="{BB962C8B-B14F-4D97-AF65-F5344CB8AC3E}">
         <p14:creationId xmlns:p14="http://schemas.microsoft.com/office/powerpoint/2010/main" val="1792792987"/>
+      </p:ext>
+    </p:extLst>
+  </p:cSld>
+  <p:clrMapOvr>
+    <a:masterClrMapping/>
+  </p:clrMapOvr>
+</p:sld>
+</file>
+
+<file path=ppt/slides/slide2.xml><?xml version="1.0" encoding="utf-8"?>
+<p:sld xmlns:a="http://schemas.openxmlformats.org/drawingml/2006/main" xmlns:r="http://schemas.openxmlformats.org/officeDocument/2006/relationships" xmlns:p="http://schemas.openxmlformats.org/presentationml/2006/main">
+  <p:cSld>
+    <p:spTree>
+      <p:nvGrpSpPr>
+        <p:cNvPr id="1" name=""/>
+        <p:cNvGrpSpPr/>
+        <p:nvPr/>
+      </p:nvGrpSpPr>
+      <p:grpSpPr>
+        <a:xfrm>
+          <a:off x="0" y="0"/>
+          <a:ext cx="0" cy="0"/>
+          <a:chOff x="0" y="0"/>
+          <a:chExt cx="0" cy="0"/>
+        </a:xfrm>
+      </p:grpSpPr>
+      <p:sp>
+        <p:nvSpPr>
+          <p:cNvPr id="6" name="TextBox 5">
+            <a:extLst>
+              <a:ext uri="{FF2B5EF4-FFF2-40B4-BE49-F238E27FC236}">
+                <a16:creationId xmlns:a16="http://schemas.microsoft.com/office/drawing/2014/main" id="{7BC70131-2A0F-D582-388D-5AB1E95FE6C4}"/>
+              </a:ext>
+            </a:extLst>
+          </p:cNvPr>
+          <p:cNvSpPr txBox="1"/>
+          <p:nvPr/>
+        </p:nvSpPr>
+        <p:spPr>
+          <a:xfrm>
+            <a:off x="1021294" y="3808909"/>
+            <a:ext cx="10149410" cy="1384995"/>
+          </a:xfrm>
+          <a:prstGeom prst="rect">
+            <a:avLst/>
+          </a:prstGeom>
+          <a:noFill/>
+        </p:spPr>
+        <p:txBody>
+          <a:bodyPr wrap="square" rtlCol="0">
+            <a:spAutoFit/>
+          </a:bodyPr>
+          <a:lstStyle/>
+          <a:p>
+            <a:pPr algn="ctr"/>
+            <a:r>
+              <a:rPr kumimoji="1" lang="en-US" altLang="ko-KR" sz="2800" b="1" dirty="0">
+                <a:latin typeface="D2Coding" panose="020B0609020101020101" pitchFamily="49" charset="-127"/>
+                <a:ea typeface="D2Coding" panose="020B0609020101020101" pitchFamily="49" charset="-127"/>
+              </a:rPr>
+              <a:t>Day 56</a:t>
+            </a:r>
+          </a:p>
+          <a:p>
+            <a:pPr algn="ctr"/>
+            <a:r>
+              <a:rPr kumimoji="1" lang="en-US" altLang="ko-KR" sz="2800" b="1" dirty="0">
+                <a:latin typeface="D2Coding" panose="020B0609020101020101" pitchFamily="49" charset="-127"/>
+                <a:ea typeface="D2Coding" panose="020B0609020101020101" pitchFamily="49" charset="-127"/>
+              </a:rPr>
+              <a:t>Java</a:t>
+            </a:r>
+            <a:r>
+              <a:rPr kumimoji="1" lang="ko-KR" altLang="en-US" sz="2800" b="1" dirty="0">
+                <a:latin typeface="D2Coding" panose="020B0609020101020101" pitchFamily="49" charset="-127"/>
+                <a:ea typeface="D2Coding" panose="020B0609020101020101" pitchFamily="49" charset="-127"/>
+              </a:rPr>
+              <a:t>프로그래밍 기초</a:t>
+            </a:r>
+            <a:endParaRPr kumimoji="1" lang="en-US" altLang="ko-KR" sz="2800" b="1" dirty="0">
+              <a:latin typeface="D2Coding" panose="020B0609020101020101" pitchFamily="49" charset="-127"/>
+              <a:ea typeface="D2Coding" panose="020B0609020101020101" pitchFamily="49" charset="-127"/>
+            </a:endParaRPr>
+          </a:p>
+          <a:p>
+            <a:pPr algn="ctr"/>
+            <a:r>
+              <a:rPr kumimoji="1" lang="en-US" altLang="ko-KR" sz="2800" b="1" dirty="0">
+                <a:latin typeface="D2Coding" panose="020B0609020101020101" pitchFamily="49" charset="-127"/>
+                <a:ea typeface="D2Coding" panose="020B0609020101020101" pitchFamily="49" charset="-127"/>
+              </a:rPr>
+              <a:t>JDBC – </a:t>
+            </a:r>
+            <a:r>
+              <a:rPr kumimoji="1" lang="ko-KR" altLang="en-US" sz="2800" b="1" dirty="0">
+                <a:latin typeface="D2Coding" panose="020B0609020101020101" pitchFamily="49" charset="-127"/>
+                <a:ea typeface="D2Coding" panose="020B0609020101020101" pitchFamily="49" charset="-127"/>
+              </a:rPr>
+              <a:t>라이브러리 설치 및 등록</a:t>
+            </a:r>
+          </a:p>
+        </p:txBody>
+      </p:sp>
+      <p:grpSp>
+        <p:nvGrpSpPr>
+          <p:cNvPr id="3" name="그룹 2">
+            <a:extLst>
+              <a:ext uri="{FF2B5EF4-FFF2-40B4-BE49-F238E27FC236}">
+                <a16:creationId xmlns:a16="http://schemas.microsoft.com/office/drawing/2014/main" id="{CCB49D7F-A40B-2950-C3BB-13981C780200}"/>
+              </a:ext>
+            </a:extLst>
+          </p:cNvPr>
+          <p:cNvGrpSpPr/>
+          <p:nvPr/>
+        </p:nvGrpSpPr>
+        <p:grpSpPr>
+          <a:xfrm>
+            <a:off x="0" y="0"/>
+            <a:ext cx="12192000" cy="6858000"/>
+            <a:chOff x="1143000" y="1238490"/>
+            <a:chExt cx="7772400" cy="3777325"/>
+          </a:xfrm>
+        </p:grpSpPr>
+        <p:pic>
+          <p:nvPicPr>
+            <p:cNvPr id="4" name="그림 3" descr="폰트, 로고, 그래픽, 화이트이(가) 표시된 사진&#10;&#10;자동 생성된 설명">
+              <a:extLst>
+                <a:ext uri="{FF2B5EF4-FFF2-40B4-BE49-F238E27FC236}">
+                  <a16:creationId xmlns:a16="http://schemas.microsoft.com/office/drawing/2014/main" id="{B742D47A-36C2-B9F0-BC20-0E30F4A6AEEC}"/>
+                </a:ext>
+              </a:extLst>
+            </p:cNvPr>
+            <p:cNvPicPr>
+              <a:picLocks noChangeAspect="1"/>
+            </p:cNvPicPr>
+            <p:nvPr/>
+          </p:nvPicPr>
+          <p:blipFill>
+            <a:blip r:embed="rId2"/>
+            <a:srcRect t="13650"/>
+            <a:stretch/>
+          </p:blipFill>
+          <p:spPr>
+            <a:xfrm>
+              <a:off x="1143000" y="1238490"/>
+              <a:ext cx="7772400" cy="3777325"/>
+            </a:xfrm>
+            <a:prstGeom prst="rect">
+              <a:avLst/>
+            </a:prstGeom>
+          </p:spPr>
+        </p:pic>
+        <p:sp>
+          <p:nvSpPr>
+            <p:cNvPr id="8" name="TextBox 7">
+              <a:extLst>
+                <a:ext uri="{FF2B5EF4-FFF2-40B4-BE49-F238E27FC236}">
+                  <a16:creationId xmlns:a16="http://schemas.microsoft.com/office/drawing/2014/main" id="{B3D8B992-313F-AA19-ECC1-9BA2DED76D4E}"/>
+                </a:ext>
+              </a:extLst>
+            </p:cNvPr>
+            <p:cNvSpPr txBox="1"/>
+            <p:nvPr/>
+          </p:nvSpPr>
+          <p:spPr>
+            <a:xfrm>
+              <a:off x="1474792" y="3336403"/>
+              <a:ext cx="7108815" cy="796747"/>
+            </a:xfrm>
+            <a:prstGeom prst="rect">
+              <a:avLst/>
+            </a:prstGeom>
+            <a:noFill/>
+          </p:spPr>
+          <p:txBody>
+            <a:bodyPr wrap="square" rtlCol="0">
+              <a:spAutoFit/>
+            </a:bodyPr>
+            <a:lstStyle/>
+            <a:p>
+              <a:pPr algn="ctr"/>
+              <a:r>
+                <a:rPr kumimoji="1" lang="en-US" altLang="ko-KR" sz="4400" b="1" dirty="0">
+                  <a:latin typeface="D2Coding" panose="020B0609020101020101" pitchFamily="49" charset="-127"/>
+                  <a:ea typeface="D2Coding" panose="020B0609020101020101" pitchFamily="49" charset="-127"/>
+                </a:rPr>
+                <a:t>Day 73</a:t>
+              </a:r>
+            </a:p>
+            <a:p>
+              <a:pPr algn="ctr"/>
+              <a:r>
+                <a:rPr kumimoji="1" lang="en-US" altLang="ko-KR" sz="4400" b="1" dirty="0">
+                  <a:latin typeface="D2Coding" panose="020B0609020101020101" pitchFamily="49" charset="-127"/>
+                  <a:ea typeface="D2Coding" panose="020B0609020101020101" pitchFamily="49" charset="-127"/>
+                </a:rPr>
+                <a:t>Java</a:t>
+              </a:r>
+              <a:r>
+                <a:rPr kumimoji="1" lang="ko-KR" altLang="en-US" sz="4400" b="1" dirty="0">
+                  <a:latin typeface="D2Coding" panose="020B0609020101020101" pitchFamily="49" charset="-127"/>
+                  <a:ea typeface="D2Coding" panose="020B0609020101020101" pitchFamily="49" charset="-127"/>
+                </a:rPr>
+                <a:t>프로그래밍 기초</a:t>
+              </a:r>
+              <a:r>
+                <a:rPr kumimoji="1" lang="en-US" altLang="ko-KR" sz="4400" b="1" dirty="0">
+                  <a:latin typeface="D2Coding" panose="020B0609020101020101" pitchFamily="49" charset="-127"/>
+                  <a:ea typeface="D2Coding" panose="020B0609020101020101" pitchFamily="49" charset="-127"/>
+                </a:rPr>
+                <a:t>(</a:t>
+              </a:r>
+              <a:r>
+                <a:rPr kumimoji="1" lang="en" altLang="ko-KR" sz="4400" b="1" dirty="0">
+                  <a:latin typeface="D2Coding" panose="020B0609020101020101" pitchFamily="49" charset="-127"/>
+                  <a:ea typeface="D2Coding" panose="020B0609020101020101" pitchFamily="49" charset="-127"/>
+                </a:rPr>
+                <a:t>JSP/EL)</a:t>
+              </a:r>
+            </a:p>
+          </p:txBody>
+        </p:sp>
+      </p:grpSp>
+    </p:spTree>
+    <p:extLst>
+      <p:ext uri="{BB962C8B-B14F-4D97-AF65-F5344CB8AC3E}">
+        <p14:creationId xmlns:p14="http://schemas.microsoft.com/office/powerpoint/2010/main" val="2957736340"/>
       </p:ext>
     </p:extLst>
   </p:cSld>

--- a/assets/img/posts/ClassThumbnail2.pptx
+++ b/assets/img/posts/ClassThumbnail2.pptx
@@ -6,7 +6,9 @@
   </p:sldMasterIdLst>
   <p:sldIdLst>
     <p:sldId id="337" r:id="rId2"/>
-    <p:sldId id="338" r:id="rId3"/>
+    <p:sldId id="339" r:id="rId3"/>
+    <p:sldId id="338" r:id="rId4"/>
+    <p:sldId id="340" r:id="rId5"/>
   </p:sldIdLst>
   <p:sldSz cx="12192000" cy="6858000"/>
   <p:notesSz cx="6858000" cy="9144000"/>
@@ -260,7 +262,7 @@
           <a:p>
             <a:fld id="{23D718C7-182E-9E43-B6DC-1727F16BCC9F}" type="datetimeFigureOut">
               <a:rPr kumimoji="1" lang="ko-KR" altLang="en-US" smtClean="0"/>
-              <a:t>2024. 9. 10.</a:t>
+              <a:t>2024. 9. 11.</a:t>
             </a:fld>
             <a:endParaRPr kumimoji="1" lang="ko-KR" altLang="en-US"/>
           </a:p>
@@ -458,7 +460,7 @@
           <a:p>
             <a:fld id="{23D718C7-182E-9E43-B6DC-1727F16BCC9F}" type="datetimeFigureOut">
               <a:rPr kumimoji="1" lang="ko-KR" altLang="en-US" smtClean="0"/>
-              <a:t>2024. 9. 10.</a:t>
+              <a:t>2024. 9. 11.</a:t>
             </a:fld>
             <a:endParaRPr kumimoji="1" lang="ko-KR" altLang="en-US"/>
           </a:p>
@@ -666,7 +668,7 @@
           <a:p>
             <a:fld id="{23D718C7-182E-9E43-B6DC-1727F16BCC9F}" type="datetimeFigureOut">
               <a:rPr kumimoji="1" lang="ko-KR" altLang="en-US" smtClean="0"/>
-              <a:t>2024. 9. 10.</a:t>
+              <a:t>2024. 9. 11.</a:t>
             </a:fld>
             <a:endParaRPr kumimoji="1" lang="ko-KR" altLang="en-US"/>
           </a:p>
@@ -864,7 +866,7 @@
           <a:p>
             <a:fld id="{23D718C7-182E-9E43-B6DC-1727F16BCC9F}" type="datetimeFigureOut">
               <a:rPr kumimoji="1" lang="ko-KR" altLang="en-US" smtClean="0"/>
-              <a:t>2024. 9. 10.</a:t>
+              <a:t>2024. 9. 11.</a:t>
             </a:fld>
             <a:endParaRPr kumimoji="1" lang="ko-KR" altLang="en-US"/>
           </a:p>
@@ -1139,7 +1141,7 @@
           <a:p>
             <a:fld id="{23D718C7-182E-9E43-B6DC-1727F16BCC9F}" type="datetimeFigureOut">
               <a:rPr kumimoji="1" lang="ko-KR" altLang="en-US" smtClean="0"/>
-              <a:t>2024. 9. 10.</a:t>
+              <a:t>2024. 9. 11.</a:t>
             </a:fld>
             <a:endParaRPr kumimoji="1" lang="ko-KR" altLang="en-US"/>
           </a:p>
@@ -1404,7 +1406,7 @@
           <a:p>
             <a:fld id="{23D718C7-182E-9E43-B6DC-1727F16BCC9F}" type="datetimeFigureOut">
               <a:rPr kumimoji="1" lang="ko-KR" altLang="en-US" smtClean="0"/>
-              <a:t>2024. 9. 10.</a:t>
+              <a:t>2024. 9. 11.</a:t>
             </a:fld>
             <a:endParaRPr kumimoji="1" lang="ko-KR" altLang="en-US"/>
           </a:p>
@@ -1816,7 +1818,7 @@
           <a:p>
             <a:fld id="{23D718C7-182E-9E43-B6DC-1727F16BCC9F}" type="datetimeFigureOut">
               <a:rPr kumimoji="1" lang="ko-KR" altLang="en-US" smtClean="0"/>
-              <a:t>2024. 9. 10.</a:t>
+              <a:t>2024. 9. 11.</a:t>
             </a:fld>
             <a:endParaRPr kumimoji="1" lang="ko-KR" altLang="en-US"/>
           </a:p>
@@ -1957,7 +1959,7 @@
           <a:p>
             <a:fld id="{23D718C7-182E-9E43-B6DC-1727F16BCC9F}" type="datetimeFigureOut">
               <a:rPr kumimoji="1" lang="ko-KR" altLang="en-US" smtClean="0"/>
-              <a:t>2024. 9. 10.</a:t>
+              <a:t>2024. 9. 11.</a:t>
             </a:fld>
             <a:endParaRPr kumimoji="1" lang="ko-KR" altLang="en-US"/>
           </a:p>
@@ -2070,7 +2072,7 @@
           <a:p>
             <a:fld id="{23D718C7-182E-9E43-B6DC-1727F16BCC9F}" type="datetimeFigureOut">
               <a:rPr kumimoji="1" lang="ko-KR" altLang="en-US" smtClean="0"/>
-              <a:t>2024. 9. 10.</a:t>
+              <a:t>2024. 9. 11.</a:t>
             </a:fld>
             <a:endParaRPr kumimoji="1" lang="ko-KR" altLang="en-US"/>
           </a:p>
@@ -2381,7 +2383,7 @@
           <a:p>
             <a:fld id="{23D718C7-182E-9E43-B6DC-1727F16BCC9F}" type="datetimeFigureOut">
               <a:rPr kumimoji="1" lang="ko-KR" altLang="en-US" smtClean="0"/>
-              <a:t>2024. 9. 10.</a:t>
+              <a:t>2024. 9. 11.</a:t>
             </a:fld>
             <a:endParaRPr kumimoji="1" lang="ko-KR" altLang="en-US"/>
           </a:p>
@@ -2669,7 +2671,7 @@
           <a:p>
             <a:fld id="{23D718C7-182E-9E43-B6DC-1727F16BCC9F}" type="datetimeFigureOut">
               <a:rPr kumimoji="1" lang="ko-KR" altLang="en-US" smtClean="0"/>
-              <a:t>2024. 9. 10.</a:t>
+              <a:t>2024. 9. 11.</a:t>
             </a:fld>
             <a:endParaRPr kumimoji="1" lang="ko-KR" altLang="en-US"/>
           </a:p>
@@ -2910,7 +2912,7 @@
           <a:p>
             <a:fld id="{23D718C7-182E-9E43-B6DC-1727F16BCC9F}" type="datetimeFigureOut">
               <a:rPr kumimoji="1" lang="ko-KR" altLang="en-US" smtClean="0"/>
-              <a:t>2024. 9. 10.</a:t>
+              <a:t>2024. 9. 11.</a:t>
             </a:fld>
             <a:endParaRPr kumimoji="1" lang="ko-KR" altLang="en-US"/>
           </a:p>
@@ -3714,6 +3716,233 @@
                   <a:latin typeface="D2Coding" panose="020B0609020101020101" pitchFamily="49" charset="-127"/>
                   <a:ea typeface="D2Coding" panose="020B0609020101020101" pitchFamily="49" charset="-127"/>
                 </a:rPr>
+                <a:t>Day 69</a:t>
+              </a:r>
+            </a:p>
+            <a:p>
+              <a:pPr algn="ctr"/>
+              <a:r>
+                <a:rPr kumimoji="1" lang="en-US" altLang="ko-KR" sz="4400" b="1" dirty="0">
+                  <a:latin typeface="D2Coding" panose="020B0609020101020101" pitchFamily="49" charset="-127"/>
+                  <a:ea typeface="D2Coding" panose="020B0609020101020101" pitchFamily="49" charset="-127"/>
+                </a:rPr>
+                <a:t>Java</a:t>
+              </a:r>
+              <a:r>
+                <a:rPr kumimoji="1" lang="ko-KR" altLang="en-US" sz="4400" b="1" dirty="0">
+                  <a:latin typeface="D2Coding" panose="020B0609020101020101" pitchFamily="49" charset="-127"/>
+                  <a:ea typeface="D2Coding" panose="020B0609020101020101" pitchFamily="49" charset="-127"/>
+                </a:rPr>
+                <a:t>프로그래밍 기초</a:t>
+              </a:r>
+              <a:r>
+                <a:rPr kumimoji="1" lang="en-US" altLang="ko-KR" sz="4400" b="1" dirty="0">
+                  <a:latin typeface="D2Coding" panose="020B0609020101020101" pitchFamily="49" charset="-127"/>
+                  <a:ea typeface="D2Coding" panose="020B0609020101020101" pitchFamily="49" charset="-127"/>
+                </a:rPr>
+                <a:t>(</a:t>
+              </a:r>
+              <a:r>
+                <a:rPr kumimoji="1" lang="en" altLang="ko-KR" sz="4400" b="1" dirty="0">
+                  <a:latin typeface="D2Coding" panose="020B0609020101020101" pitchFamily="49" charset="-127"/>
+                  <a:ea typeface="D2Coding" panose="020B0609020101020101" pitchFamily="49" charset="-127"/>
+                </a:rPr>
+                <a:t>HTTP)</a:t>
+              </a:r>
+            </a:p>
+          </p:txBody>
+        </p:sp>
+      </p:grpSp>
+    </p:spTree>
+    <p:extLst>
+      <p:ext uri="{BB962C8B-B14F-4D97-AF65-F5344CB8AC3E}">
+        <p14:creationId xmlns:p14="http://schemas.microsoft.com/office/powerpoint/2010/main" val="3858413658"/>
+      </p:ext>
+    </p:extLst>
+  </p:cSld>
+  <p:clrMapOvr>
+    <a:masterClrMapping/>
+  </p:clrMapOvr>
+</p:sld>
+</file>
+
+<file path=ppt/slides/slide3.xml><?xml version="1.0" encoding="utf-8"?>
+<p:sld xmlns:a="http://schemas.openxmlformats.org/drawingml/2006/main" xmlns:r="http://schemas.openxmlformats.org/officeDocument/2006/relationships" xmlns:p="http://schemas.openxmlformats.org/presentationml/2006/main">
+  <p:cSld>
+    <p:spTree>
+      <p:nvGrpSpPr>
+        <p:cNvPr id="1" name=""/>
+        <p:cNvGrpSpPr/>
+        <p:nvPr/>
+      </p:nvGrpSpPr>
+      <p:grpSpPr>
+        <a:xfrm>
+          <a:off x="0" y="0"/>
+          <a:ext cx="0" cy="0"/>
+          <a:chOff x="0" y="0"/>
+          <a:chExt cx="0" cy="0"/>
+        </a:xfrm>
+      </p:grpSpPr>
+      <p:sp>
+        <p:nvSpPr>
+          <p:cNvPr id="6" name="TextBox 5">
+            <a:extLst>
+              <a:ext uri="{FF2B5EF4-FFF2-40B4-BE49-F238E27FC236}">
+                <a16:creationId xmlns:a16="http://schemas.microsoft.com/office/drawing/2014/main" id="{7BC70131-2A0F-D582-388D-5AB1E95FE6C4}"/>
+              </a:ext>
+            </a:extLst>
+          </p:cNvPr>
+          <p:cNvSpPr txBox="1"/>
+          <p:nvPr/>
+        </p:nvSpPr>
+        <p:spPr>
+          <a:xfrm>
+            <a:off x="1021294" y="3808909"/>
+            <a:ext cx="10149410" cy="1384995"/>
+          </a:xfrm>
+          <a:prstGeom prst="rect">
+            <a:avLst/>
+          </a:prstGeom>
+          <a:noFill/>
+        </p:spPr>
+        <p:txBody>
+          <a:bodyPr wrap="square" rtlCol="0">
+            <a:spAutoFit/>
+          </a:bodyPr>
+          <a:lstStyle/>
+          <a:p>
+            <a:pPr algn="ctr"/>
+            <a:r>
+              <a:rPr kumimoji="1" lang="en-US" altLang="ko-KR" sz="2800" b="1" dirty="0">
+                <a:latin typeface="D2Coding" panose="020B0609020101020101" pitchFamily="49" charset="-127"/>
+                <a:ea typeface="D2Coding" panose="020B0609020101020101" pitchFamily="49" charset="-127"/>
+              </a:rPr>
+              <a:t>Day 56</a:t>
+            </a:r>
+          </a:p>
+          <a:p>
+            <a:pPr algn="ctr"/>
+            <a:r>
+              <a:rPr kumimoji="1" lang="en-US" altLang="ko-KR" sz="2800" b="1" dirty="0">
+                <a:latin typeface="D2Coding" panose="020B0609020101020101" pitchFamily="49" charset="-127"/>
+                <a:ea typeface="D2Coding" panose="020B0609020101020101" pitchFamily="49" charset="-127"/>
+              </a:rPr>
+              <a:t>Java</a:t>
+            </a:r>
+            <a:r>
+              <a:rPr kumimoji="1" lang="ko-KR" altLang="en-US" sz="2800" b="1" dirty="0">
+                <a:latin typeface="D2Coding" panose="020B0609020101020101" pitchFamily="49" charset="-127"/>
+                <a:ea typeface="D2Coding" panose="020B0609020101020101" pitchFamily="49" charset="-127"/>
+              </a:rPr>
+              <a:t>프로그래밍 기초</a:t>
+            </a:r>
+            <a:endParaRPr kumimoji="1" lang="en-US" altLang="ko-KR" sz="2800" b="1" dirty="0">
+              <a:latin typeface="D2Coding" panose="020B0609020101020101" pitchFamily="49" charset="-127"/>
+              <a:ea typeface="D2Coding" panose="020B0609020101020101" pitchFamily="49" charset="-127"/>
+            </a:endParaRPr>
+          </a:p>
+          <a:p>
+            <a:pPr algn="ctr"/>
+            <a:r>
+              <a:rPr kumimoji="1" lang="en-US" altLang="ko-KR" sz="2800" b="1" dirty="0">
+                <a:latin typeface="D2Coding" panose="020B0609020101020101" pitchFamily="49" charset="-127"/>
+                <a:ea typeface="D2Coding" panose="020B0609020101020101" pitchFamily="49" charset="-127"/>
+              </a:rPr>
+              <a:t>JDBC – </a:t>
+            </a:r>
+            <a:r>
+              <a:rPr kumimoji="1" lang="ko-KR" altLang="en-US" sz="2800" b="1" dirty="0">
+                <a:latin typeface="D2Coding" panose="020B0609020101020101" pitchFamily="49" charset="-127"/>
+                <a:ea typeface="D2Coding" panose="020B0609020101020101" pitchFamily="49" charset="-127"/>
+              </a:rPr>
+              <a:t>라이브러리 설치 및 등록</a:t>
+            </a:r>
+          </a:p>
+        </p:txBody>
+      </p:sp>
+      <p:grpSp>
+        <p:nvGrpSpPr>
+          <p:cNvPr id="3" name="그룹 2">
+            <a:extLst>
+              <a:ext uri="{FF2B5EF4-FFF2-40B4-BE49-F238E27FC236}">
+                <a16:creationId xmlns:a16="http://schemas.microsoft.com/office/drawing/2014/main" id="{CCB49D7F-A40B-2950-C3BB-13981C780200}"/>
+              </a:ext>
+            </a:extLst>
+          </p:cNvPr>
+          <p:cNvGrpSpPr/>
+          <p:nvPr/>
+        </p:nvGrpSpPr>
+        <p:grpSpPr>
+          <a:xfrm>
+            <a:off x="0" y="0"/>
+            <a:ext cx="12192000" cy="6858000"/>
+            <a:chOff x="1143000" y="1238490"/>
+            <a:chExt cx="7772400" cy="3777325"/>
+          </a:xfrm>
+        </p:grpSpPr>
+        <p:pic>
+          <p:nvPicPr>
+            <p:cNvPr id="4" name="그림 3" descr="폰트, 로고, 그래픽, 화이트이(가) 표시된 사진&#10;&#10;자동 생성된 설명">
+              <a:extLst>
+                <a:ext uri="{FF2B5EF4-FFF2-40B4-BE49-F238E27FC236}">
+                  <a16:creationId xmlns:a16="http://schemas.microsoft.com/office/drawing/2014/main" id="{B742D47A-36C2-B9F0-BC20-0E30F4A6AEEC}"/>
+                </a:ext>
+              </a:extLst>
+            </p:cNvPr>
+            <p:cNvPicPr>
+              <a:picLocks noChangeAspect="1"/>
+            </p:cNvPicPr>
+            <p:nvPr/>
+          </p:nvPicPr>
+          <p:blipFill>
+            <a:blip r:embed="rId2"/>
+            <a:srcRect t="13650"/>
+            <a:stretch/>
+          </p:blipFill>
+          <p:spPr>
+            <a:xfrm>
+              <a:off x="1143000" y="1238490"/>
+              <a:ext cx="7772400" cy="3777325"/>
+            </a:xfrm>
+            <a:prstGeom prst="rect">
+              <a:avLst/>
+            </a:prstGeom>
+          </p:spPr>
+        </p:pic>
+        <p:sp>
+          <p:nvSpPr>
+            <p:cNvPr id="8" name="TextBox 7">
+              <a:extLst>
+                <a:ext uri="{FF2B5EF4-FFF2-40B4-BE49-F238E27FC236}">
+                  <a16:creationId xmlns:a16="http://schemas.microsoft.com/office/drawing/2014/main" id="{B3D8B992-313F-AA19-ECC1-9BA2DED76D4E}"/>
+                </a:ext>
+              </a:extLst>
+            </p:cNvPr>
+            <p:cNvSpPr txBox="1"/>
+            <p:nvPr/>
+          </p:nvSpPr>
+          <p:spPr>
+            <a:xfrm>
+              <a:off x="1474792" y="3336403"/>
+              <a:ext cx="7108815" cy="796747"/>
+            </a:xfrm>
+            <a:prstGeom prst="rect">
+              <a:avLst/>
+            </a:prstGeom>
+            <a:noFill/>
+          </p:spPr>
+          <p:txBody>
+            <a:bodyPr wrap="square" rtlCol="0">
+              <a:spAutoFit/>
+            </a:bodyPr>
+            <a:lstStyle/>
+            <a:p>
+              <a:pPr algn="ctr"/>
+              <a:r>
+                <a:rPr kumimoji="1" lang="en-US" altLang="ko-KR" sz="4400" b="1" dirty="0">
+                  <a:latin typeface="D2Coding" panose="020B0609020101020101" pitchFamily="49" charset="-127"/>
+                  <a:ea typeface="D2Coding" panose="020B0609020101020101" pitchFamily="49" charset="-127"/>
+                </a:rPr>
                 <a:t>Day 73</a:t>
               </a:r>
             </a:p>
@@ -3755,6 +3984,247 @@
     <p:extLst>
       <p:ext uri="{BB962C8B-B14F-4D97-AF65-F5344CB8AC3E}">
         <p14:creationId xmlns:p14="http://schemas.microsoft.com/office/powerpoint/2010/main" val="2957736340"/>
+      </p:ext>
+    </p:extLst>
+  </p:cSld>
+  <p:clrMapOvr>
+    <a:masterClrMapping/>
+  </p:clrMapOvr>
+</p:sld>
+</file>
+
+<file path=ppt/slides/slide4.xml><?xml version="1.0" encoding="utf-8"?>
+<p:sld xmlns:a="http://schemas.openxmlformats.org/drawingml/2006/main" xmlns:r="http://schemas.openxmlformats.org/officeDocument/2006/relationships" xmlns:p="http://schemas.openxmlformats.org/presentationml/2006/main">
+  <p:cSld>
+    <p:spTree>
+      <p:nvGrpSpPr>
+        <p:cNvPr id="1" name=""/>
+        <p:cNvGrpSpPr/>
+        <p:nvPr/>
+      </p:nvGrpSpPr>
+      <p:grpSpPr>
+        <a:xfrm>
+          <a:off x="0" y="0"/>
+          <a:ext cx="0" cy="0"/>
+          <a:chOff x="0" y="0"/>
+          <a:chExt cx="0" cy="0"/>
+        </a:xfrm>
+      </p:grpSpPr>
+      <p:sp>
+        <p:nvSpPr>
+          <p:cNvPr id="6" name="TextBox 5">
+            <a:extLst>
+              <a:ext uri="{FF2B5EF4-FFF2-40B4-BE49-F238E27FC236}">
+                <a16:creationId xmlns:a16="http://schemas.microsoft.com/office/drawing/2014/main" id="{7BC70131-2A0F-D582-388D-5AB1E95FE6C4}"/>
+              </a:ext>
+            </a:extLst>
+          </p:cNvPr>
+          <p:cNvSpPr txBox="1"/>
+          <p:nvPr/>
+        </p:nvSpPr>
+        <p:spPr>
+          <a:xfrm>
+            <a:off x="1021294" y="3808909"/>
+            <a:ext cx="10149410" cy="1384995"/>
+          </a:xfrm>
+          <a:prstGeom prst="rect">
+            <a:avLst/>
+          </a:prstGeom>
+          <a:noFill/>
+        </p:spPr>
+        <p:txBody>
+          <a:bodyPr wrap="square" rtlCol="0">
+            <a:spAutoFit/>
+          </a:bodyPr>
+          <a:lstStyle/>
+          <a:p>
+            <a:pPr algn="ctr"/>
+            <a:r>
+              <a:rPr kumimoji="1" lang="en-US" altLang="ko-KR" sz="2800" b="1" dirty="0">
+                <a:latin typeface="D2Coding" panose="020B0609020101020101" pitchFamily="49" charset="-127"/>
+                <a:ea typeface="D2Coding" panose="020B0609020101020101" pitchFamily="49" charset="-127"/>
+              </a:rPr>
+              <a:t>Day 56</a:t>
+            </a:r>
+          </a:p>
+          <a:p>
+            <a:pPr algn="ctr"/>
+            <a:r>
+              <a:rPr kumimoji="1" lang="en-US" altLang="ko-KR" sz="2800" b="1" dirty="0">
+                <a:latin typeface="D2Coding" panose="020B0609020101020101" pitchFamily="49" charset="-127"/>
+                <a:ea typeface="D2Coding" panose="020B0609020101020101" pitchFamily="49" charset="-127"/>
+              </a:rPr>
+              <a:t>Java</a:t>
+            </a:r>
+            <a:r>
+              <a:rPr kumimoji="1" lang="ko-KR" altLang="en-US" sz="2800" b="1" dirty="0">
+                <a:latin typeface="D2Coding" panose="020B0609020101020101" pitchFamily="49" charset="-127"/>
+                <a:ea typeface="D2Coding" panose="020B0609020101020101" pitchFamily="49" charset="-127"/>
+              </a:rPr>
+              <a:t>프로그래밍 기초</a:t>
+            </a:r>
+            <a:endParaRPr kumimoji="1" lang="en-US" altLang="ko-KR" sz="2800" b="1" dirty="0">
+              <a:latin typeface="D2Coding" panose="020B0609020101020101" pitchFamily="49" charset="-127"/>
+              <a:ea typeface="D2Coding" panose="020B0609020101020101" pitchFamily="49" charset="-127"/>
+            </a:endParaRPr>
+          </a:p>
+          <a:p>
+            <a:pPr algn="ctr"/>
+            <a:r>
+              <a:rPr kumimoji="1" lang="en-US" altLang="ko-KR" sz="2800" b="1" dirty="0">
+                <a:latin typeface="D2Coding" panose="020B0609020101020101" pitchFamily="49" charset="-127"/>
+                <a:ea typeface="D2Coding" panose="020B0609020101020101" pitchFamily="49" charset="-127"/>
+              </a:rPr>
+              <a:t>JDBC – </a:t>
+            </a:r>
+            <a:r>
+              <a:rPr kumimoji="1" lang="ko-KR" altLang="en-US" sz="2800" b="1" dirty="0">
+                <a:latin typeface="D2Coding" panose="020B0609020101020101" pitchFamily="49" charset="-127"/>
+                <a:ea typeface="D2Coding" panose="020B0609020101020101" pitchFamily="49" charset="-127"/>
+              </a:rPr>
+              <a:t>라이브러리 설치 및 등록</a:t>
+            </a:r>
+          </a:p>
+        </p:txBody>
+      </p:sp>
+      <p:grpSp>
+        <p:nvGrpSpPr>
+          <p:cNvPr id="3" name="그룹 2">
+            <a:extLst>
+              <a:ext uri="{FF2B5EF4-FFF2-40B4-BE49-F238E27FC236}">
+                <a16:creationId xmlns:a16="http://schemas.microsoft.com/office/drawing/2014/main" id="{CCB49D7F-A40B-2950-C3BB-13981C780200}"/>
+              </a:ext>
+            </a:extLst>
+          </p:cNvPr>
+          <p:cNvGrpSpPr/>
+          <p:nvPr/>
+        </p:nvGrpSpPr>
+        <p:grpSpPr>
+          <a:xfrm>
+            <a:off x="0" y="0"/>
+            <a:ext cx="12192000" cy="6858000"/>
+            <a:chOff x="1143000" y="1238490"/>
+            <a:chExt cx="7772400" cy="3777325"/>
+          </a:xfrm>
+        </p:grpSpPr>
+        <p:pic>
+          <p:nvPicPr>
+            <p:cNvPr id="4" name="그림 3" descr="폰트, 로고, 그래픽, 화이트이(가) 표시된 사진&#10;&#10;자동 생성된 설명">
+              <a:extLst>
+                <a:ext uri="{FF2B5EF4-FFF2-40B4-BE49-F238E27FC236}">
+                  <a16:creationId xmlns:a16="http://schemas.microsoft.com/office/drawing/2014/main" id="{B742D47A-36C2-B9F0-BC20-0E30F4A6AEEC}"/>
+                </a:ext>
+              </a:extLst>
+            </p:cNvPr>
+            <p:cNvPicPr>
+              <a:picLocks noChangeAspect="1"/>
+            </p:cNvPicPr>
+            <p:nvPr/>
+          </p:nvPicPr>
+          <p:blipFill>
+            <a:blip r:embed="rId2"/>
+            <a:srcRect t="13650"/>
+            <a:stretch/>
+          </p:blipFill>
+          <p:spPr>
+            <a:xfrm>
+              <a:off x="1143000" y="1238490"/>
+              <a:ext cx="7772400" cy="3777325"/>
+            </a:xfrm>
+            <a:prstGeom prst="rect">
+              <a:avLst/>
+            </a:prstGeom>
+          </p:spPr>
+        </p:pic>
+        <p:sp>
+          <p:nvSpPr>
+            <p:cNvPr id="8" name="TextBox 7">
+              <a:extLst>
+                <a:ext uri="{FF2B5EF4-FFF2-40B4-BE49-F238E27FC236}">
+                  <a16:creationId xmlns:a16="http://schemas.microsoft.com/office/drawing/2014/main" id="{B3D8B992-313F-AA19-ECC1-9BA2DED76D4E}"/>
+                </a:ext>
+              </a:extLst>
+            </p:cNvPr>
+            <p:cNvSpPr txBox="1"/>
+            <p:nvPr/>
+          </p:nvSpPr>
+          <p:spPr>
+            <a:xfrm>
+              <a:off x="1474792" y="3336403"/>
+              <a:ext cx="7108815" cy="796747"/>
+            </a:xfrm>
+            <a:prstGeom prst="rect">
+              <a:avLst/>
+            </a:prstGeom>
+            <a:noFill/>
+          </p:spPr>
+          <p:txBody>
+            <a:bodyPr wrap="square" rtlCol="0">
+              <a:spAutoFit/>
+            </a:bodyPr>
+            <a:lstStyle/>
+            <a:p>
+              <a:pPr algn="ctr"/>
+              <a:r>
+                <a:rPr kumimoji="1" lang="en-US" altLang="ko-KR" sz="4400" b="1" dirty="0">
+                  <a:latin typeface="D2Coding" panose="020B0609020101020101" pitchFamily="49" charset="-127"/>
+                  <a:ea typeface="D2Coding" panose="020B0609020101020101" pitchFamily="49" charset="-127"/>
+                </a:rPr>
+                <a:t>Day 74</a:t>
+              </a:r>
+            </a:p>
+            <a:p>
+              <a:pPr algn="ctr"/>
+              <a:r>
+                <a:rPr kumimoji="1" lang="en-US" altLang="ko-KR" sz="4400" b="1" dirty="0">
+                  <a:latin typeface="D2Coding" panose="020B0609020101020101" pitchFamily="49" charset="-127"/>
+                  <a:ea typeface="D2Coding" panose="020B0609020101020101" pitchFamily="49" charset="-127"/>
+                </a:rPr>
+                <a:t>Java</a:t>
+              </a:r>
+              <a:r>
+                <a:rPr kumimoji="1" lang="ko-KR" altLang="en-US" sz="4400" b="1" dirty="0">
+                  <a:latin typeface="D2Coding" panose="020B0609020101020101" pitchFamily="49" charset="-127"/>
+                  <a:ea typeface="D2Coding" panose="020B0609020101020101" pitchFamily="49" charset="-127"/>
+                </a:rPr>
+                <a:t>프로그래밍 기초</a:t>
+              </a:r>
+              <a:r>
+                <a:rPr kumimoji="1" lang="en-US" altLang="ko-KR" sz="4400" b="1" dirty="0">
+                  <a:latin typeface="D2Coding" panose="020B0609020101020101" pitchFamily="49" charset="-127"/>
+                  <a:ea typeface="D2Coding" panose="020B0609020101020101" pitchFamily="49" charset="-127"/>
+                </a:rPr>
+                <a:t>(</a:t>
+              </a:r>
+              <a:r>
+                <a:rPr kumimoji="1" lang="en" altLang="ko-KR" sz="4400" b="1" dirty="0">
+                  <a:latin typeface="D2Coding" panose="020B0609020101020101" pitchFamily="49" charset="-127"/>
+                  <a:ea typeface="D2Coding" panose="020B0609020101020101" pitchFamily="49" charset="-127"/>
+                </a:rPr>
+                <a:t>JS</a:t>
+              </a:r>
+              <a:r>
+                <a:rPr kumimoji="1" lang="en-US" altLang="ko-KR" sz="4400" b="1" dirty="0">
+                  <a:latin typeface="D2Coding" panose="020B0609020101020101" pitchFamily="49" charset="-127"/>
+                  <a:ea typeface="D2Coding" panose="020B0609020101020101" pitchFamily="49" charset="-127"/>
+                </a:rPr>
+                <a:t>TL</a:t>
+              </a:r>
+              <a:r>
+                <a:rPr kumimoji="1" lang="en" altLang="ko-KR" sz="4400" b="1" dirty="0">
+                  <a:latin typeface="D2Coding" panose="020B0609020101020101" pitchFamily="49" charset="-127"/>
+                  <a:ea typeface="D2Coding" panose="020B0609020101020101" pitchFamily="49" charset="-127"/>
+                </a:rPr>
+                <a:t>)</a:t>
+              </a:r>
+            </a:p>
+          </p:txBody>
+        </p:sp>
+      </p:grpSp>
+    </p:spTree>
+    <p:extLst>
+      <p:ext uri="{BB962C8B-B14F-4D97-AF65-F5344CB8AC3E}">
+        <p14:creationId xmlns:p14="http://schemas.microsoft.com/office/powerpoint/2010/main" val="3402348836"/>
       </p:ext>
     </p:extLst>
   </p:cSld>

--- a/assets/img/posts/ClassThumbnail2.pptx
+++ b/assets/img/posts/ClassThumbnail2.pptx
@@ -9,6 +9,7 @@
     <p:sldId id="339" r:id="rId3"/>
     <p:sldId id="338" r:id="rId4"/>
     <p:sldId id="340" r:id="rId5"/>
+    <p:sldId id="341" r:id="rId6"/>
   </p:sldIdLst>
   <p:sldSz cx="12192000" cy="6858000"/>
   <p:notesSz cx="6858000" cy="9144000"/>
@@ -262,7 +263,7 @@
           <a:p>
             <a:fld id="{23D718C7-182E-9E43-B6DC-1727F16BCC9F}" type="datetimeFigureOut">
               <a:rPr kumimoji="1" lang="ko-KR" altLang="en-US" smtClean="0"/>
-              <a:t>2024. 9. 11.</a:t>
+              <a:t>2024. 9. 12.</a:t>
             </a:fld>
             <a:endParaRPr kumimoji="1" lang="ko-KR" altLang="en-US"/>
           </a:p>
@@ -460,7 +461,7 @@
           <a:p>
             <a:fld id="{23D718C7-182E-9E43-B6DC-1727F16BCC9F}" type="datetimeFigureOut">
               <a:rPr kumimoji="1" lang="ko-KR" altLang="en-US" smtClean="0"/>
-              <a:t>2024. 9. 11.</a:t>
+              <a:t>2024. 9. 12.</a:t>
             </a:fld>
             <a:endParaRPr kumimoji="1" lang="ko-KR" altLang="en-US"/>
           </a:p>
@@ -668,7 +669,7 @@
           <a:p>
             <a:fld id="{23D718C7-182E-9E43-B6DC-1727F16BCC9F}" type="datetimeFigureOut">
               <a:rPr kumimoji="1" lang="ko-KR" altLang="en-US" smtClean="0"/>
-              <a:t>2024. 9. 11.</a:t>
+              <a:t>2024. 9. 12.</a:t>
             </a:fld>
             <a:endParaRPr kumimoji="1" lang="ko-KR" altLang="en-US"/>
           </a:p>
@@ -866,7 +867,7 @@
           <a:p>
             <a:fld id="{23D718C7-182E-9E43-B6DC-1727F16BCC9F}" type="datetimeFigureOut">
               <a:rPr kumimoji="1" lang="ko-KR" altLang="en-US" smtClean="0"/>
-              <a:t>2024. 9. 11.</a:t>
+              <a:t>2024. 9. 12.</a:t>
             </a:fld>
             <a:endParaRPr kumimoji="1" lang="ko-KR" altLang="en-US"/>
           </a:p>
@@ -1141,7 +1142,7 @@
           <a:p>
             <a:fld id="{23D718C7-182E-9E43-B6DC-1727F16BCC9F}" type="datetimeFigureOut">
               <a:rPr kumimoji="1" lang="ko-KR" altLang="en-US" smtClean="0"/>
-              <a:t>2024. 9. 11.</a:t>
+              <a:t>2024. 9. 12.</a:t>
             </a:fld>
             <a:endParaRPr kumimoji="1" lang="ko-KR" altLang="en-US"/>
           </a:p>
@@ -1406,7 +1407,7 @@
           <a:p>
             <a:fld id="{23D718C7-182E-9E43-B6DC-1727F16BCC9F}" type="datetimeFigureOut">
               <a:rPr kumimoji="1" lang="ko-KR" altLang="en-US" smtClean="0"/>
-              <a:t>2024. 9. 11.</a:t>
+              <a:t>2024. 9. 12.</a:t>
             </a:fld>
             <a:endParaRPr kumimoji="1" lang="ko-KR" altLang="en-US"/>
           </a:p>
@@ -1818,7 +1819,7 @@
           <a:p>
             <a:fld id="{23D718C7-182E-9E43-B6DC-1727F16BCC9F}" type="datetimeFigureOut">
               <a:rPr kumimoji="1" lang="ko-KR" altLang="en-US" smtClean="0"/>
-              <a:t>2024. 9. 11.</a:t>
+              <a:t>2024. 9. 12.</a:t>
             </a:fld>
             <a:endParaRPr kumimoji="1" lang="ko-KR" altLang="en-US"/>
           </a:p>
@@ -1959,7 +1960,7 @@
           <a:p>
             <a:fld id="{23D718C7-182E-9E43-B6DC-1727F16BCC9F}" type="datetimeFigureOut">
               <a:rPr kumimoji="1" lang="ko-KR" altLang="en-US" smtClean="0"/>
-              <a:t>2024. 9. 11.</a:t>
+              <a:t>2024. 9. 12.</a:t>
             </a:fld>
             <a:endParaRPr kumimoji="1" lang="ko-KR" altLang="en-US"/>
           </a:p>
@@ -2072,7 +2073,7 @@
           <a:p>
             <a:fld id="{23D718C7-182E-9E43-B6DC-1727F16BCC9F}" type="datetimeFigureOut">
               <a:rPr kumimoji="1" lang="ko-KR" altLang="en-US" smtClean="0"/>
-              <a:t>2024. 9. 11.</a:t>
+              <a:t>2024. 9. 12.</a:t>
             </a:fld>
             <a:endParaRPr kumimoji="1" lang="ko-KR" altLang="en-US"/>
           </a:p>
@@ -2383,7 +2384,7 @@
           <a:p>
             <a:fld id="{23D718C7-182E-9E43-B6DC-1727F16BCC9F}" type="datetimeFigureOut">
               <a:rPr kumimoji="1" lang="ko-KR" altLang="en-US" smtClean="0"/>
-              <a:t>2024. 9. 11.</a:t>
+              <a:t>2024. 9. 12.</a:t>
             </a:fld>
             <a:endParaRPr kumimoji="1" lang="ko-KR" altLang="en-US"/>
           </a:p>
@@ -2671,7 +2672,7 @@
           <a:p>
             <a:fld id="{23D718C7-182E-9E43-B6DC-1727F16BCC9F}" type="datetimeFigureOut">
               <a:rPr kumimoji="1" lang="ko-KR" altLang="en-US" smtClean="0"/>
-              <a:t>2024. 9. 11.</a:t>
+              <a:t>2024. 9. 12.</a:t>
             </a:fld>
             <a:endParaRPr kumimoji="1" lang="ko-KR" altLang="en-US"/>
           </a:p>
@@ -2912,7 +2913,7 @@
           <a:p>
             <a:fld id="{23D718C7-182E-9E43-B6DC-1727F16BCC9F}" type="datetimeFigureOut">
               <a:rPr kumimoji="1" lang="ko-KR" altLang="en-US" smtClean="0"/>
-              <a:t>2024. 9. 11.</a:t>
+              <a:t>2024. 9. 12.</a:t>
             </a:fld>
             <a:endParaRPr kumimoji="1" lang="ko-KR" altLang="en-US"/>
           </a:p>
@@ -4225,6 +4226,223 @@
     <p:extLst>
       <p:ext uri="{BB962C8B-B14F-4D97-AF65-F5344CB8AC3E}">
         <p14:creationId xmlns:p14="http://schemas.microsoft.com/office/powerpoint/2010/main" val="3402348836"/>
+      </p:ext>
+    </p:extLst>
+  </p:cSld>
+  <p:clrMapOvr>
+    <a:masterClrMapping/>
+  </p:clrMapOvr>
+</p:sld>
+</file>
+
+<file path=ppt/slides/slide5.xml><?xml version="1.0" encoding="utf-8"?>
+<p:sld xmlns:a="http://schemas.openxmlformats.org/drawingml/2006/main" xmlns:r="http://schemas.openxmlformats.org/officeDocument/2006/relationships" xmlns:p="http://schemas.openxmlformats.org/presentationml/2006/main">
+  <p:cSld>
+    <p:spTree>
+      <p:nvGrpSpPr>
+        <p:cNvPr id="1" name=""/>
+        <p:cNvGrpSpPr/>
+        <p:nvPr/>
+      </p:nvGrpSpPr>
+      <p:grpSpPr>
+        <a:xfrm>
+          <a:off x="0" y="0"/>
+          <a:ext cx="0" cy="0"/>
+          <a:chOff x="0" y="0"/>
+          <a:chExt cx="0" cy="0"/>
+        </a:xfrm>
+      </p:grpSpPr>
+      <p:sp>
+        <p:nvSpPr>
+          <p:cNvPr id="6" name="TextBox 5">
+            <a:extLst>
+              <a:ext uri="{FF2B5EF4-FFF2-40B4-BE49-F238E27FC236}">
+                <a16:creationId xmlns:a16="http://schemas.microsoft.com/office/drawing/2014/main" id="{7BC70131-2A0F-D582-388D-5AB1E95FE6C4}"/>
+              </a:ext>
+            </a:extLst>
+          </p:cNvPr>
+          <p:cNvSpPr txBox="1"/>
+          <p:nvPr/>
+        </p:nvSpPr>
+        <p:spPr>
+          <a:xfrm>
+            <a:off x="1021294" y="3808909"/>
+            <a:ext cx="10149410" cy="1384995"/>
+          </a:xfrm>
+          <a:prstGeom prst="rect">
+            <a:avLst/>
+          </a:prstGeom>
+          <a:noFill/>
+        </p:spPr>
+        <p:txBody>
+          <a:bodyPr wrap="square" rtlCol="0">
+            <a:spAutoFit/>
+          </a:bodyPr>
+          <a:lstStyle/>
+          <a:p>
+            <a:pPr algn="ctr"/>
+            <a:r>
+              <a:rPr kumimoji="1" lang="en-US" altLang="ko-KR" sz="2800" b="1" dirty="0">
+                <a:latin typeface="D2Coding" panose="020B0609020101020101" pitchFamily="49" charset="-127"/>
+                <a:ea typeface="D2Coding" panose="020B0609020101020101" pitchFamily="49" charset="-127"/>
+              </a:rPr>
+              <a:t>Day 56</a:t>
+            </a:r>
+          </a:p>
+          <a:p>
+            <a:pPr algn="ctr"/>
+            <a:r>
+              <a:rPr kumimoji="1" lang="en-US" altLang="ko-KR" sz="2800" b="1" dirty="0">
+                <a:latin typeface="D2Coding" panose="020B0609020101020101" pitchFamily="49" charset="-127"/>
+                <a:ea typeface="D2Coding" panose="020B0609020101020101" pitchFamily="49" charset="-127"/>
+              </a:rPr>
+              <a:t>Java</a:t>
+            </a:r>
+            <a:r>
+              <a:rPr kumimoji="1" lang="ko-KR" altLang="en-US" sz="2800" b="1" dirty="0">
+                <a:latin typeface="D2Coding" panose="020B0609020101020101" pitchFamily="49" charset="-127"/>
+                <a:ea typeface="D2Coding" panose="020B0609020101020101" pitchFamily="49" charset="-127"/>
+              </a:rPr>
+              <a:t>프로그래밍 기초</a:t>
+            </a:r>
+            <a:endParaRPr kumimoji="1" lang="en-US" altLang="ko-KR" sz="2800" b="1" dirty="0">
+              <a:latin typeface="D2Coding" panose="020B0609020101020101" pitchFamily="49" charset="-127"/>
+              <a:ea typeface="D2Coding" panose="020B0609020101020101" pitchFamily="49" charset="-127"/>
+            </a:endParaRPr>
+          </a:p>
+          <a:p>
+            <a:pPr algn="ctr"/>
+            <a:r>
+              <a:rPr kumimoji="1" lang="en-US" altLang="ko-KR" sz="2800" b="1" dirty="0">
+                <a:latin typeface="D2Coding" panose="020B0609020101020101" pitchFamily="49" charset="-127"/>
+                <a:ea typeface="D2Coding" panose="020B0609020101020101" pitchFamily="49" charset="-127"/>
+              </a:rPr>
+              <a:t>JDBC – </a:t>
+            </a:r>
+            <a:r>
+              <a:rPr kumimoji="1" lang="ko-KR" altLang="en-US" sz="2800" b="1" dirty="0">
+                <a:latin typeface="D2Coding" panose="020B0609020101020101" pitchFamily="49" charset="-127"/>
+                <a:ea typeface="D2Coding" panose="020B0609020101020101" pitchFamily="49" charset="-127"/>
+              </a:rPr>
+              <a:t>라이브러리 설치 및 등록</a:t>
+            </a:r>
+          </a:p>
+        </p:txBody>
+      </p:sp>
+      <p:grpSp>
+        <p:nvGrpSpPr>
+          <p:cNvPr id="3" name="그룹 2">
+            <a:extLst>
+              <a:ext uri="{FF2B5EF4-FFF2-40B4-BE49-F238E27FC236}">
+                <a16:creationId xmlns:a16="http://schemas.microsoft.com/office/drawing/2014/main" id="{CCB49D7F-A40B-2950-C3BB-13981C780200}"/>
+              </a:ext>
+            </a:extLst>
+          </p:cNvPr>
+          <p:cNvGrpSpPr/>
+          <p:nvPr/>
+        </p:nvGrpSpPr>
+        <p:grpSpPr>
+          <a:xfrm>
+            <a:off x="0" y="0"/>
+            <a:ext cx="12192000" cy="6858000"/>
+            <a:chOff x="1143000" y="1238490"/>
+            <a:chExt cx="7772400" cy="3777325"/>
+          </a:xfrm>
+        </p:grpSpPr>
+        <p:pic>
+          <p:nvPicPr>
+            <p:cNvPr id="4" name="그림 3" descr="폰트, 로고, 그래픽, 화이트이(가) 표시된 사진&#10;&#10;자동 생성된 설명">
+              <a:extLst>
+                <a:ext uri="{FF2B5EF4-FFF2-40B4-BE49-F238E27FC236}">
+                  <a16:creationId xmlns:a16="http://schemas.microsoft.com/office/drawing/2014/main" id="{B742D47A-36C2-B9F0-BC20-0E30F4A6AEEC}"/>
+                </a:ext>
+              </a:extLst>
+            </p:cNvPr>
+            <p:cNvPicPr>
+              <a:picLocks noChangeAspect="1"/>
+            </p:cNvPicPr>
+            <p:nvPr/>
+          </p:nvPicPr>
+          <p:blipFill>
+            <a:blip r:embed="rId2"/>
+            <a:srcRect t="13650"/>
+            <a:stretch/>
+          </p:blipFill>
+          <p:spPr>
+            <a:xfrm>
+              <a:off x="1143000" y="1238490"/>
+              <a:ext cx="7772400" cy="3777325"/>
+            </a:xfrm>
+            <a:prstGeom prst="rect">
+              <a:avLst/>
+            </a:prstGeom>
+          </p:spPr>
+        </p:pic>
+        <p:sp>
+          <p:nvSpPr>
+            <p:cNvPr id="8" name="TextBox 7">
+              <a:extLst>
+                <a:ext uri="{FF2B5EF4-FFF2-40B4-BE49-F238E27FC236}">
+                  <a16:creationId xmlns:a16="http://schemas.microsoft.com/office/drawing/2014/main" id="{B3D8B992-313F-AA19-ECC1-9BA2DED76D4E}"/>
+                </a:ext>
+              </a:extLst>
+            </p:cNvPr>
+            <p:cNvSpPr txBox="1"/>
+            <p:nvPr/>
+          </p:nvSpPr>
+          <p:spPr>
+            <a:xfrm>
+              <a:off x="1474792" y="3336403"/>
+              <a:ext cx="7108815" cy="796747"/>
+            </a:xfrm>
+            <a:prstGeom prst="rect">
+              <a:avLst/>
+            </a:prstGeom>
+            <a:noFill/>
+          </p:spPr>
+          <p:txBody>
+            <a:bodyPr wrap="square" rtlCol="0">
+              <a:spAutoFit/>
+            </a:bodyPr>
+            <a:lstStyle/>
+            <a:p>
+              <a:pPr algn="ctr"/>
+              <a:r>
+                <a:rPr kumimoji="1" lang="en-US" altLang="ko-KR" sz="4400" b="1" dirty="0">
+                  <a:latin typeface="D2Coding" panose="020B0609020101020101" pitchFamily="49" charset="-127"/>
+                  <a:ea typeface="D2Coding" panose="020B0609020101020101" pitchFamily="49" charset="-127"/>
+                </a:rPr>
+                <a:t>Day 75</a:t>
+              </a:r>
+            </a:p>
+            <a:p>
+              <a:pPr algn="ctr"/>
+              <a:r>
+                <a:rPr kumimoji="1" lang="ko-KR" altLang="en-US" sz="4400" b="1" dirty="0">
+                  <a:latin typeface="D2Coding" panose="020B0609020101020101" pitchFamily="49" charset="-127"/>
+                  <a:ea typeface="D2Coding" panose="020B0609020101020101" pitchFamily="49" charset="-127"/>
+                </a:rPr>
+                <a:t>실습프로젝트</a:t>
+              </a:r>
+              <a:r>
+                <a:rPr kumimoji="1" lang="en-US" altLang="ko-KR" sz="4400" b="1" dirty="0">
+                  <a:latin typeface="D2Coding" panose="020B0609020101020101" pitchFamily="49" charset="-127"/>
+                  <a:ea typeface="D2Coding" panose="020B0609020101020101" pitchFamily="49" charset="-127"/>
+                </a:rPr>
+                <a:t>(service/Front Controller)</a:t>
+              </a:r>
+              <a:endParaRPr kumimoji="1" lang="en" altLang="ko-KR" sz="4400" b="1" dirty="0">
+                <a:latin typeface="D2Coding" panose="020B0609020101020101" pitchFamily="49" charset="-127"/>
+                <a:ea typeface="D2Coding" panose="020B0609020101020101" pitchFamily="49" charset="-127"/>
+              </a:endParaRPr>
+            </a:p>
+          </p:txBody>
+        </p:sp>
+      </p:grpSp>
+    </p:spTree>
+    <p:extLst>
+      <p:ext uri="{BB962C8B-B14F-4D97-AF65-F5344CB8AC3E}">
+        <p14:creationId xmlns:p14="http://schemas.microsoft.com/office/powerpoint/2010/main" val="691667818"/>
       </p:ext>
     </p:extLst>
   </p:cSld>

--- a/assets/img/posts/ClassThumbnail2.pptx
+++ b/assets/img/posts/ClassThumbnail2.pptx
@@ -7,9 +7,11 @@
   <p:sldIdLst>
     <p:sldId id="337" r:id="rId2"/>
     <p:sldId id="339" r:id="rId3"/>
-    <p:sldId id="338" r:id="rId4"/>
-    <p:sldId id="340" r:id="rId5"/>
-    <p:sldId id="341" r:id="rId6"/>
+    <p:sldId id="342" r:id="rId4"/>
+    <p:sldId id="343" r:id="rId5"/>
+    <p:sldId id="338" r:id="rId6"/>
+    <p:sldId id="340" r:id="rId7"/>
+    <p:sldId id="341" r:id="rId8"/>
   </p:sldIdLst>
   <p:sldSz cx="12192000" cy="6858000"/>
   <p:notesSz cx="6858000" cy="9144000"/>
@@ -263,7 +265,7 @@
           <a:p>
             <a:fld id="{23D718C7-182E-9E43-B6DC-1727F16BCC9F}" type="datetimeFigureOut">
               <a:rPr kumimoji="1" lang="ko-KR" altLang="en-US" smtClean="0"/>
-              <a:t>2024. 9. 12.</a:t>
+              <a:t>2024. 9. 22.</a:t>
             </a:fld>
             <a:endParaRPr kumimoji="1" lang="ko-KR" altLang="en-US"/>
           </a:p>
@@ -461,7 +463,7 @@
           <a:p>
             <a:fld id="{23D718C7-182E-9E43-B6DC-1727F16BCC9F}" type="datetimeFigureOut">
               <a:rPr kumimoji="1" lang="ko-KR" altLang="en-US" smtClean="0"/>
-              <a:t>2024. 9. 12.</a:t>
+              <a:t>2024. 9. 22.</a:t>
             </a:fld>
             <a:endParaRPr kumimoji="1" lang="ko-KR" altLang="en-US"/>
           </a:p>
@@ -669,7 +671,7 @@
           <a:p>
             <a:fld id="{23D718C7-182E-9E43-B6DC-1727F16BCC9F}" type="datetimeFigureOut">
               <a:rPr kumimoji="1" lang="ko-KR" altLang="en-US" smtClean="0"/>
-              <a:t>2024. 9. 12.</a:t>
+              <a:t>2024. 9. 22.</a:t>
             </a:fld>
             <a:endParaRPr kumimoji="1" lang="ko-KR" altLang="en-US"/>
           </a:p>
@@ -867,7 +869,7 @@
           <a:p>
             <a:fld id="{23D718C7-182E-9E43-B6DC-1727F16BCC9F}" type="datetimeFigureOut">
               <a:rPr kumimoji="1" lang="ko-KR" altLang="en-US" smtClean="0"/>
-              <a:t>2024. 9. 12.</a:t>
+              <a:t>2024. 9. 22.</a:t>
             </a:fld>
             <a:endParaRPr kumimoji="1" lang="ko-KR" altLang="en-US"/>
           </a:p>
@@ -1142,7 +1144,7 @@
           <a:p>
             <a:fld id="{23D718C7-182E-9E43-B6DC-1727F16BCC9F}" type="datetimeFigureOut">
               <a:rPr kumimoji="1" lang="ko-KR" altLang="en-US" smtClean="0"/>
-              <a:t>2024. 9. 12.</a:t>
+              <a:t>2024. 9. 22.</a:t>
             </a:fld>
             <a:endParaRPr kumimoji="1" lang="ko-KR" altLang="en-US"/>
           </a:p>
@@ -1407,7 +1409,7 @@
           <a:p>
             <a:fld id="{23D718C7-182E-9E43-B6DC-1727F16BCC9F}" type="datetimeFigureOut">
               <a:rPr kumimoji="1" lang="ko-KR" altLang="en-US" smtClean="0"/>
-              <a:t>2024. 9. 12.</a:t>
+              <a:t>2024. 9. 22.</a:t>
             </a:fld>
             <a:endParaRPr kumimoji="1" lang="ko-KR" altLang="en-US"/>
           </a:p>
@@ -1819,7 +1821,7 @@
           <a:p>
             <a:fld id="{23D718C7-182E-9E43-B6DC-1727F16BCC9F}" type="datetimeFigureOut">
               <a:rPr kumimoji="1" lang="ko-KR" altLang="en-US" smtClean="0"/>
-              <a:t>2024. 9. 12.</a:t>
+              <a:t>2024. 9. 22.</a:t>
             </a:fld>
             <a:endParaRPr kumimoji="1" lang="ko-KR" altLang="en-US"/>
           </a:p>
@@ -1960,7 +1962,7 @@
           <a:p>
             <a:fld id="{23D718C7-182E-9E43-B6DC-1727F16BCC9F}" type="datetimeFigureOut">
               <a:rPr kumimoji="1" lang="ko-KR" altLang="en-US" smtClean="0"/>
-              <a:t>2024. 9. 12.</a:t>
+              <a:t>2024. 9. 22.</a:t>
             </a:fld>
             <a:endParaRPr kumimoji="1" lang="ko-KR" altLang="en-US"/>
           </a:p>
@@ -2073,7 +2075,7 @@
           <a:p>
             <a:fld id="{23D718C7-182E-9E43-B6DC-1727F16BCC9F}" type="datetimeFigureOut">
               <a:rPr kumimoji="1" lang="ko-KR" altLang="en-US" smtClean="0"/>
-              <a:t>2024. 9. 12.</a:t>
+              <a:t>2024. 9. 22.</a:t>
             </a:fld>
             <a:endParaRPr kumimoji="1" lang="ko-KR" altLang="en-US"/>
           </a:p>
@@ -2384,7 +2386,7 @@
           <a:p>
             <a:fld id="{23D718C7-182E-9E43-B6DC-1727F16BCC9F}" type="datetimeFigureOut">
               <a:rPr kumimoji="1" lang="ko-KR" altLang="en-US" smtClean="0"/>
-              <a:t>2024. 9. 12.</a:t>
+              <a:t>2024. 9. 22.</a:t>
             </a:fld>
             <a:endParaRPr kumimoji="1" lang="ko-KR" altLang="en-US"/>
           </a:p>
@@ -2672,7 +2674,7 @@
           <a:p>
             <a:fld id="{23D718C7-182E-9E43-B6DC-1727F16BCC9F}" type="datetimeFigureOut">
               <a:rPr kumimoji="1" lang="ko-KR" altLang="en-US" smtClean="0"/>
-              <a:t>2024. 9. 12.</a:t>
+              <a:t>2024. 9. 22.</a:t>
             </a:fld>
             <a:endParaRPr kumimoji="1" lang="ko-KR" altLang="en-US"/>
           </a:p>
@@ -2913,7 +2915,7 @@
           <a:p>
             <a:fld id="{23D718C7-182E-9E43-B6DC-1727F16BCC9F}" type="datetimeFigureOut">
               <a:rPr kumimoji="1" lang="ko-KR" altLang="en-US" smtClean="0"/>
-              <a:t>2024. 9. 12.</a:t>
+              <a:t>2024. 9. 22.</a:t>
             </a:fld>
             <a:endParaRPr kumimoji="1" lang="ko-KR" altLang="en-US"/>
           </a:p>
@@ -3944,6 +3946,460 @@
                   <a:latin typeface="D2Coding" panose="020B0609020101020101" pitchFamily="49" charset="-127"/>
                   <a:ea typeface="D2Coding" panose="020B0609020101020101" pitchFamily="49" charset="-127"/>
                 </a:rPr>
+                <a:t>Day 70</a:t>
+              </a:r>
+            </a:p>
+            <a:p>
+              <a:pPr algn="ctr"/>
+              <a:r>
+                <a:rPr kumimoji="1" lang="en-US" altLang="ko-KR" sz="4400" b="1" dirty="0">
+                  <a:latin typeface="D2Coding" panose="020B0609020101020101" pitchFamily="49" charset="-127"/>
+                  <a:ea typeface="D2Coding" panose="020B0609020101020101" pitchFamily="49" charset="-127"/>
+                </a:rPr>
+                <a:t>Java</a:t>
+              </a:r>
+              <a:r>
+                <a:rPr kumimoji="1" lang="ko-KR" altLang="en-US" sz="4400" b="1" dirty="0">
+                  <a:latin typeface="D2Coding" panose="020B0609020101020101" pitchFamily="49" charset="-127"/>
+                  <a:ea typeface="D2Coding" panose="020B0609020101020101" pitchFamily="49" charset="-127"/>
+                </a:rPr>
+                <a:t>프로그래밍 기초</a:t>
+              </a:r>
+              <a:r>
+                <a:rPr kumimoji="1" lang="en-US" altLang="ko-KR" sz="4400" b="1" dirty="0">
+                  <a:latin typeface="D2Coding" panose="020B0609020101020101" pitchFamily="49" charset="-127"/>
+                  <a:ea typeface="D2Coding" panose="020B0609020101020101" pitchFamily="49" charset="-127"/>
+                </a:rPr>
+                <a:t>(</a:t>
+              </a:r>
+              <a:r>
+                <a:rPr kumimoji="1" lang="en" altLang="ko-KR" sz="4400" b="1" dirty="0">
+                  <a:latin typeface="D2Coding" panose="020B0609020101020101" pitchFamily="49" charset="-127"/>
+                  <a:ea typeface="D2Coding" panose="020B0609020101020101" pitchFamily="49" charset="-127"/>
+                </a:rPr>
+                <a:t>HTTP)</a:t>
+              </a:r>
+            </a:p>
+          </p:txBody>
+        </p:sp>
+      </p:grpSp>
+    </p:spTree>
+    <p:extLst>
+      <p:ext uri="{BB962C8B-B14F-4D97-AF65-F5344CB8AC3E}">
+        <p14:creationId xmlns:p14="http://schemas.microsoft.com/office/powerpoint/2010/main" val="3808270671"/>
+      </p:ext>
+    </p:extLst>
+  </p:cSld>
+  <p:clrMapOvr>
+    <a:masterClrMapping/>
+  </p:clrMapOvr>
+</p:sld>
+</file>
+
+<file path=ppt/slides/slide4.xml><?xml version="1.0" encoding="utf-8"?>
+<p:sld xmlns:a="http://schemas.openxmlformats.org/drawingml/2006/main" xmlns:r="http://schemas.openxmlformats.org/officeDocument/2006/relationships" xmlns:p="http://schemas.openxmlformats.org/presentationml/2006/main">
+  <p:cSld>
+    <p:spTree>
+      <p:nvGrpSpPr>
+        <p:cNvPr id="1" name=""/>
+        <p:cNvGrpSpPr/>
+        <p:nvPr/>
+      </p:nvGrpSpPr>
+      <p:grpSpPr>
+        <a:xfrm>
+          <a:off x="0" y="0"/>
+          <a:ext cx="0" cy="0"/>
+          <a:chOff x="0" y="0"/>
+          <a:chExt cx="0" cy="0"/>
+        </a:xfrm>
+      </p:grpSpPr>
+      <p:sp>
+        <p:nvSpPr>
+          <p:cNvPr id="6" name="TextBox 5">
+            <a:extLst>
+              <a:ext uri="{FF2B5EF4-FFF2-40B4-BE49-F238E27FC236}">
+                <a16:creationId xmlns:a16="http://schemas.microsoft.com/office/drawing/2014/main" id="{7BC70131-2A0F-D582-388D-5AB1E95FE6C4}"/>
+              </a:ext>
+            </a:extLst>
+          </p:cNvPr>
+          <p:cNvSpPr txBox="1"/>
+          <p:nvPr/>
+        </p:nvSpPr>
+        <p:spPr>
+          <a:xfrm>
+            <a:off x="1021294" y="3808909"/>
+            <a:ext cx="10149410" cy="1384995"/>
+          </a:xfrm>
+          <a:prstGeom prst="rect">
+            <a:avLst/>
+          </a:prstGeom>
+          <a:noFill/>
+        </p:spPr>
+        <p:txBody>
+          <a:bodyPr wrap="square" rtlCol="0">
+            <a:spAutoFit/>
+          </a:bodyPr>
+          <a:lstStyle/>
+          <a:p>
+            <a:pPr algn="ctr"/>
+            <a:r>
+              <a:rPr kumimoji="1" lang="en-US" altLang="ko-KR" sz="2800" b="1" dirty="0">
+                <a:latin typeface="D2Coding" panose="020B0609020101020101" pitchFamily="49" charset="-127"/>
+                <a:ea typeface="D2Coding" panose="020B0609020101020101" pitchFamily="49" charset="-127"/>
+              </a:rPr>
+              <a:t>Day 56</a:t>
+            </a:r>
+          </a:p>
+          <a:p>
+            <a:pPr algn="ctr"/>
+            <a:r>
+              <a:rPr kumimoji="1" lang="en-US" altLang="ko-KR" sz="2800" b="1" dirty="0">
+                <a:latin typeface="D2Coding" panose="020B0609020101020101" pitchFamily="49" charset="-127"/>
+                <a:ea typeface="D2Coding" panose="020B0609020101020101" pitchFamily="49" charset="-127"/>
+              </a:rPr>
+              <a:t>Java</a:t>
+            </a:r>
+            <a:r>
+              <a:rPr kumimoji="1" lang="ko-KR" altLang="en-US" sz="2800" b="1" dirty="0">
+                <a:latin typeface="D2Coding" panose="020B0609020101020101" pitchFamily="49" charset="-127"/>
+                <a:ea typeface="D2Coding" panose="020B0609020101020101" pitchFamily="49" charset="-127"/>
+              </a:rPr>
+              <a:t>프로그래밍 기초</a:t>
+            </a:r>
+            <a:endParaRPr kumimoji="1" lang="en-US" altLang="ko-KR" sz="2800" b="1" dirty="0">
+              <a:latin typeface="D2Coding" panose="020B0609020101020101" pitchFamily="49" charset="-127"/>
+              <a:ea typeface="D2Coding" panose="020B0609020101020101" pitchFamily="49" charset="-127"/>
+            </a:endParaRPr>
+          </a:p>
+          <a:p>
+            <a:pPr algn="ctr"/>
+            <a:r>
+              <a:rPr kumimoji="1" lang="en-US" altLang="ko-KR" sz="2800" b="1" dirty="0">
+                <a:latin typeface="D2Coding" panose="020B0609020101020101" pitchFamily="49" charset="-127"/>
+                <a:ea typeface="D2Coding" panose="020B0609020101020101" pitchFamily="49" charset="-127"/>
+              </a:rPr>
+              <a:t>JDBC – </a:t>
+            </a:r>
+            <a:r>
+              <a:rPr kumimoji="1" lang="ko-KR" altLang="en-US" sz="2800" b="1" dirty="0">
+                <a:latin typeface="D2Coding" panose="020B0609020101020101" pitchFamily="49" charset="-127"/>
+                <a:ea typeface="D2Coding" panose="020B0609020101020101" pitchFamily="49" charset="-127"/>
+              </a:rPr>
+              <a:t>라이브러리 설치 및 등록</a:t>
+            </a:r>
+          </a:p>
+        </p:txBody>
+      </p:sp>
+      <p:grpSp>
+        <p:nvGrpSpPr>
+          <p:cNvPr id="3" name="그룹 2">
+            <a:extLst>
+              <a:ext uri="{FF2B5EF4-FFF2-40B4-BE49-F238E27FC236}">
+                <a16:creationId xmlns:a16="http://schemas.microsoft.com/office/drawing/2014/main" id="{CCB49D7F-A40B-2950-C3BB-13981C780200}"/>
+              </a:ext>
+            </a:extLst>
+          </p:cNvPr>
+          <p:cNvGrpSpPr/>
+          <p:nvPr/>
+        </p:nvGrpSpPr>
+        <p:grpSpPr>
+          <a:xfrm>
+            <a:off x="0" y="0"/>
+            <a:ext cx="12192000" cy="6858000"/>
+            <a:chOff x="1143000" y="1238490"/>
+            <a:chExt cx="7772400" cy="3777325"/>
+          </a:xfrm>
+        </p:grpSpPr>
+        <p:pic>
+          <p:nvPicPr>
+            <p:cNvPr id="4" name="그림 3" descr="폰트, 로고, 그래픽, 화이트이(가) 표시된 사진&#10;&#10;자동 생성된 설명">
+              <a:extLst>
+                <a:ext uri="{FF2B5EF4-FFF2-40B4-BE49-F238E27FC236}">
+                  <a16:creationId xmlns:a16="http://schemas.microsoft.com/office/drawing/2014/main" id="{B742D47A-36C2-B9F0-BC20-0E30F4A6AEEC}"/>
+                </a:ext>
+              </a:extLst>
+            </p:cNvPr>
+            <p:cNvPicPr>
+              <a:picLocks noChangeAspect="1"/>
+            </p:cNvPicPr>
+            <p:nvPr/>
+          </p:nvPicPr>
+          <p:blipFill>
+            <a:blip r:embed="rId2"/>
+            <a:srcRect t="13650"/>
+            <a:stretch/>
+          </p:blipFill>
+          <p:spPr>
+            <a:xfrm>
+              <a:off x="1143000" y="1238490"/>
+              <a:ext cx="7772400" cy="3777325"/>
+            </a:xfrm>
+            <a:prstGeom prst="rect">
+              <a:avLst/>
+            </a:prstGeom>
+          </p:spPr>
+        </p:pic>
+        <p:sp>
+          <p:nvSpPr>
+            <p:cNvPr id="8" name="TextBox 7">
+              <a:extLst>
+                <a:ext uri="{FF2B5EF4-FFF2-40B4-BE49-F238E27FC236}">
+                  <a16:creationId xmlns:a16="http://schemas.microsoft.com/office/drawing/2014/main" id="{B3D8B992-313F-AA19-ECC1-9BA2DED76D4E}"/>
+                </a:ext>
+              </a:extLst>
+            </p:cNvPr>
+            <p:cNvSpPr txBox="1"/>
+            <p:nvPr/>
+          </p:nvSpPr>
+          <p:spPr>
+            <a:xfrm>
+              <a:off x="1474792" y="3336403"/>
+              <a:ext cx="7108815" cy="796747"/>
+            </a:xfrm>
+            <a:prstGeom prst="rect">
+              <a:avLst/>
+            </a:prstGeom>
+            <a:noFill/>
+          </p:spPr>
+          <p:txBody>
+            <a:bodyPr wrap="square" rtlCol="0">
+              <a:spAutoFit/>
+            </a:bodyPr>
+            <a:lstStyle/>
+            <a:p>
+              <a:pPr algn="ctr"/>
+              <a:r>
+                <a:rPr kumimoji="1" lang="en-US" altLang="ko-KR" sz="4400" b="1" dirty="0">
+                  <a:latin typeface="D2Coding" panose="020B0609020101020101" pitchFamily="49" charset="-127"/>
+                  <a:ea typeface="D2Coding" panose="020B0609020101020101" pitchFamily="49" charset="-127"/>
+                </a:rPr>
+                <a:t>Day 71</a:t>
+              </a:r>
+            </a:p>
+            <a:p>
+              <a:pPr algn="ctr"/>
+              <a:r>
+                <a:rPr kumimoji="1" lang="en-US" altLang="ko-KR" sz="4400" b="1" dirty="0">
+                  <a:latin typeface="D2Coding" panose="020B0609020101020101" pitchFamily="49" charset="-127"/>
+                  <a:ea typeface="D2Coding" panose="020B0609020101020101" pitchFamily="49" charset="-127"/>
+                </a:rPr>
+                <a:t>Java</a:t>
+              </a:r>
+              <a:r>
+                <a:rPr kumimoji="1" lang="ko-KR" altLang="en-US" sz="4400" b="1" dirty="0">
+                  <a:latin typeface="D2Coding" panose="020B0609020101020101" pitchFamily="49" charset="-127"/>
+                  <a:ea typeface="D2Coding" panose="020B0609020101020101" pitchFamily="49" charset="-127"/>
+                </a:rPr>
+                <a:t>프로그래밍 기초</a:t>
+              </a:r>
+              <a:r>
+                <a:rPr kumimoji="1" lang="en-US" altLang="ko-KR" sz="4400" b="1" dirty="0">
+                  <a:latin typeface="D2Coding" panose="020B0609020101020101" pitchFamily="49" charset="-127"/>
+                  <a:ea typeface="D2Coding" panose="020B0609020101020101" pitchFamily="49" charset="-127"/>
+                </a:rPr>
+                <a:t>(</a:t>
+              </a:r>
+              <a:r>
+                <a:rPr kumimoji="1" lang="en" altLang="ko-KR" sz="4400" b="1" dirty="0">
+                  <a:latin typeface="D2Coding" panose="020B0609020101020101" pitchFamily="49" charset="-127"/>
+                  <a:ea typeface="D2Coding" panose="020B0609020101020101" pitchFamily="49" charset="-127"/>
+                </a:rPr>
+                <a:t>HTTP)</a:t>
+              </a:r>
+            </a:p>
+          </p:txBody>
+        </p:sp>
+      </p:grpSp>
+    </p:spTree>
+    <p:extLst>
+      <p:ext uri="{BB962C8B-B14F-4D97-AF65-F5344CB8AC3E}">
+        <p14:creationId xmlns:p14="http://schemas.microsoft.com/office/powerpoint/2010/main" val="3814299491"/>
+      </p:ext>
+    </p:extLst>
+  </p:cSld>
+  <p:clrMapOvr>
+    <a:masterClrMapping/>
+  </p:clrMapOvr>
+</p:sld>
+</file>
+
+<file path=ppt/slides/slide5.xml><?xml version="1.0" encoding="utf-8"?>
+<p:sld xmlns:a="http://schemas.openxmlformats.org/drawingml/2006/main" xmlns:r="http://schemas.openxmlformats.org/officeDocument/2006/relationships" xmlns:p="http://schemas.openxmlformats.org/presentationml/2006/main">
+  <p:cSld>
+    <p:spTree>
+      <p:nvGrpSpPr>
+        <p:cNvPr id="1" name=""/>
+        <p:cNvGrpSpPr/>
+        <p:nvPr/>
+      </p:nvGrpSpPr>
+      <p:grpSpPr>
+        <a:xfrm>
+          <a:off x="0" y="0"/>
+          <a:ext cx="0" cy="0"/>
+          <a:chOff x="0" y="0"/>
+          <a:chExt cx="0" cy="0"/>
+        </a:xfrm>
+      </p:grpSpPr>
+      <p:sp>
+        <p:nvSpPr>
+          <p:cNvPr id="6" name="TextBox 5">
+            <a:extLst>
+              <a:ext uri="{FF2B5EF4-FFF2-40B4-BE49-F238E27FC236}">
+                <a16:creationId xmlns:a16="http://schemas.microsoft.com/office/drawing/2014/main" id="{7BC70131-2A0F-D582-388D-5AB1E95FE6C4}"/>
+              </a:ext>
+            </a:extLst>
+          </p:cNvPr>
+          <p:cNvSpPr txBox="1"/>
+          <p:nvPr/>
+        </p:nvSpPr>
+        <p:spPr>
+          <a:xfrm>
+            <a:off x="1021294" y="3808909"/>
+            <a:ext cx="10149410" cy="1384995"/>
+          </a:xfrm>
+          <a:prstGeom prst="rect">
+            <a:avLst/>
+          </a:prstGeom>
+          <a:noFill/>
+        </p:spPr>
+        <p:txBody>
+          <a:bodyPr wrap="square" rtlCol="0">
+            <a:spAutoFit/>
+          </a:bodyPr>
+          <a:lstStyle/>
+          <a:p>
+            <a:pPr algn="ctr"/>
+            <a:r>
+              <a:rPr kumimoji="1" lang="en-US" altLang="ko-KR" sz="2800" b="1" dirty="0">
+                <a:latin typeface="D2Coding" panose="020B0609020101020101" pitchFamily="49" charset="-127"/>
+                <a:ea typeface="D2Coding" panose="020B0609020101020101" pitchFamily="49" charset="-127"/>
+              </a:rPr>
+              <a:t>Day 56</a:t>
+            </a:r>
+          </a:p>
+          <a:p>
+            <a:pPr algn="ctr"/>
+            <a:r>
+              <a:rPr kumimoji="1" lang="en-US" altLang="ko-KR" sz="2800" b="1" dirty="0">
+                <a:latin typeface="D2Coding" panose="020B0609020101020101" pitchFamily="49" charset="-127"/>
+                <a:ea typeface="D2Coding" panose="020B0609020101020101" pitchFamily="49" charset="-127"/>
+              </a:rPr>
+              <a:t>Java</a:t>
+            </a:r>
+            <a:r>
+              <a:rPr kumimoji="1" lang="ko-KR" altLang="en-US" sz="2800" b="1" dirty="0">
+                <a:latin typeface="D2Coding" panose="020B0609020101020101" pitchFamily="49" charset="-127"/>
+                <a:ea typeface="D2Coding" panose="020B0609020101020101" pitchFamily="49" charset="-127"/>
+              </a:rPr>
+              <a:t>프로그래밍 기초</a:t>
+            </a:r>
+            <a:endParaRPr kumimoji="1" lang="en-US" altLang="ko-KR" sz="2800" b="1" dirty="0">
+              <a:latin typeface="D2Coding" panose="020B0609020101020101" pitchFamily="49" charset="-127"/>
+              <a:ea typeface="D2Coding" panose="020B0609020101020101" pitchFamily="49" charset="-127"/>
+            </a:endParaRPr>
+          </a:p>
+          <a:p>
+            <a:pPr algn="ctr"/>
+            <a:r>
+              <a:rPr kumimoji="1" lang="en-US" altLang="ko-KR" sz="2800" b="1" dirty="0">
+                <a:latin typeface="D2Coding" panose="020B0609020101020101" pitchFamily="49" charset="-127"/>
+                <a:ea typeface="D2Coding" panose="020B0609020101020101" pitchFamily="49" charset="-127"/>
+              </a:rPr>
+              <a:t>JDBC – </a:t>
+            </a:r>
+            <a:r>
+              <a:rPr kumimoji="1" lang="ko-KR" altLang="en-US" sz="2800" b="1" dirty="0">
+                <a:latin typeface="D2Coding" panose="020B0609020101020101" pitchFamily="49" charset="-127"/>
+                <a:ea typeface="D2Coding" panose="020B0609020101020101" pitchFamily="49" charset="-127"/>
+              </a:rPr>
+              <a:t>라이브러리 설치 및 등록</a:t>
+            </a:r>
+          </a:p>
+        </p:txBody>
+      </p:sp>
+      <p:grpSp>
+        <p:nvGrpSpPr>
+          <p:cNvPr id="3" name="그룹 2">
+            <a:extLst>
+              <a:ext uri="{FF2B5EF4-FFF2-40B4-BE49-F238E27FC236}">
+                <a16:creationId xmlns:a16="http://schemas.microsoft.com/office/drawing/2014/main" id="{CCB49D7F-A40B-2950-C3BB-13981C780200}"/>
+              </a:ext>
+            </a:extLst>
+          </p:cNvPr>
+          <p:cNvGrpSpPr/>
+          <p:nvPr/>
+        </p:nvGrpSpPr>
+        <p:grpSpPr>
+          <a:xfrm>
+            <a:off x="0" y="0"/>
+            <a:ext cx="12192000" cy="6858000"/>
+            <a:chOff x="1143000" y="1238490"/>
+            <a:chExt cx="7772400" cy="3777325"/>
+          </a:xfrm>
+        </p:grpSpPr>
+        <p:pic>
+          <p:nvPicPr>
+            <p:cNvPr id="4" name="그림 3" descr="폰트, 로고, 그래픽, 화이트이(가) 표시된 사진&#10;&#10;자동 생성된 설명">
+              <a:extLst>
+                <a:ext uri="{FF2B5EF4-FFF2-40B4-BE49-F238E27FC236}">
+                  <a16:creationId xmlns:a16="http://schemas.microsoft.com/office/drawing/2014/main" id="{B742D47A-36C2-B9F0-BC20-0E30F4A6AEEC}"/>
+                </a:ext>
+              </a:extLst>
+            </p:cNvPr>
+            <p:cNvPicPr>
+              <a:picLocks noChangeAspect="1"/>
+            </p:cNvPicPr>
+            <p:nvPr/>
+          </p:nvPicPr>
+          <p:blipFill>
+            <a:blip r:embed="rId2"/>
+            <a:srcRect t="13650"/>
+            <a:stretch/>
+          </p:blipFill>
+          <p:spPr>
+            <a:xfrm>
+              <a:off x="1143000" y="1238490"/>
+              <a:ext cx="7772400" cy="3777325"/>
+            </a:xfrm>
+            <a:prstGeom prst="rect">
+              <a:avLst/>
+            </a:prstGeom>
+          </p:spPr>
+        </p:pic>
+        <p:sp>
+          <p:nvSpPr>
+            <p:cNvPr id="8" name="TextBox 7">
+              <a:extLst>
+                <a:ext uri="{FF2B5EF4-FFF2-40B4-BE49-F238E27FC236}">
+                  <a16:creationId xmlns:a16="http://schemas.microsoft.com/office/drawing/2014/main" id="{B3D8B992-313F-AA19-ECC1-9BA2DED76D4E}"/>
+                </a:ext>
+              </a:extLst>
+            </p:cNvPr>
+            <p:cNvSpPr txBox="1"/>
+            <p:nvPr/>
+          </p:nvSpPr>
+          <p:spPr>
+            <a:xfrm>
+              <a:off x="1474792" y="3336403"/>
+              <a:ext cx="7108815" cy="796747"/>
+            </a:xfrm>
+            <a:prstGeom prst="rect">
+              <a:avLst/>
+            </a:prstGeom>
+            <a:noFill/>
+          </p:spPr>
+          <p:txBody>
+            <a:bodyPr wrap="square" rtlCol="0">
+              <a:spAutoFit/>
+            </a:bodyPr>
+            <a:lstStyle/>
+            <a:p>
+              <a:pPr algn="ctr"/>
+              <a:r>
+                <a:rPr kumimoji="1" lang="en-US" altLang="ko-KR" sz="4400" b="1" dirty="0">
+                  <a:latin typeface="D2Coding" panose="020B0609020101020101" pitchFamily="49" charset="-127"/>
+                  <a:ea typeface="D2Coding" panose="020B0609020101020101" pitchFamily="49" charset="-127"/>
+                </a:rPr>
                 <a:t>Day 73</a:t>
               </a:r>
             </a:p>
@@ -3994,7 +4450,7 @@
 </p:sld>
 </file>
 
-<file path=ppt/slides/slide4.xml><?xml version="1.0" encoding="utf-8"?>
+<file path=ppt/slides/slide6.xml><?xml version="1.0" encoding="utf-8"?>
 <p:sld xmlns:a="http://schemas.openxmlformats.org/drawingml/2006/main" xmlns:r="http://schemas.openxmlformats.org/officeDocument/2006/relationships" xmlns:p="http://schemas.openxmlformats.org/presentationml/2006/main">
   <p:cSld>
     <p:spTree>
@@ -4235,7 +4691,7 @@
 </p:sld>
 </file>
 
-<file path=ppt/slides/slide5.xml><?xml version="1.0" encoding="utf-8"?>
+<file path=ppt/slides/slide7.xml><?xml version="1.0" encoding="utf-8"?>
 <p:sld xmlns:a="http://schemas.openxmlformats.org/drawingml/2006/main" xmlns:r="http://schemas.openxmlformats.org/officeDocument/2006/relationships" xmlns:p="http://schemas.openxmlformats.org/presentationml/2006/main">
   <p:cSld>
     <p:spTree>

--- a/assets/img/posts/ClassThumbnail2.pptx
+++ b/assets/img/posts/ClassThumbnail2.pptx
@@ -12,6 +12,8 @@
     <p:sldId id="338" r:id="rId6"/>
     <p:sldId id="340" r:id="rId7"/>
     <p:sldId id="341" r:id="rId8"/>
+    <p:sldId id="344" r:id="rId9"/>
+    <p:sldId id="345" r:id="rId10"/>
   </p:sldIdLst>
   <p:sldSz cx="12192000" cy="6858000"/>
   <p:notesSz cx="6858000" cy="9144000"/>
@@ -265,7 +267,7 @@
           <a:p>
             <a:fld id="{23D718C7-182E-9E43-B6DC-1727F16BCC9F}" type="datetimeFigureOut">
               <a:rPr kumimoji="1" lang="ko-KR" altLang="en-US" smtClean="0"/>
-              <a:t>2024. 9. 22.</a:t>
+              <a:t>2024. 9. 26.</a:t>
             </a:fld>
             <a:endParaRPr kumimoji="1" lang="ko-KR" altLang="en-US"/>
           </a:p>
@@ -463,7 +465,7 @@
           <a:p>
             <a:fld id="{23D718C7-182E-9E43-B6DC-1727F16BCC9F}" type="datetimeFigureOut">
               <a:rPr kumimoji="1" lang="ko-KR" altLang="en-US" smtClean="0"/>
-              <a:t>2024. 9. 22.</a:t>
+              <a:t>2024. 9. 26.</a:t>
             </a:fld>
             <a:endParaRPr kumimoji="1" lang="ko-KR" altLang="en-US"/>
           </a:p>
@@ -671,7 +673,7 @@
           <a:p>
             <a:fld id="{23D718C7-182E-9E43-B6DC-1727F16BCC9F}" type="datetimeFigureOut">
               <a:rPr kumimoji="1" lang="ko-KR" altLang="en-US" smtClean="0"/>
-              <a:t>2024. 9. 22.</a:t>
+              <a:t>2024. 9. 26.</a:t>
             </a:fld>
             <a:endParaRPr kumimoji="1" lang="ko-KR" altLang="en-US"/>
           </a:p>
@@ -869,7 +871,7 @@
           <a:p>
             <a:fld id="{23D718C7-182E-9E43-B6DC-1727F16BCC9F}" type="datetimeFigureOut">
               <a:rPr kumimoji="1" lang="ko-KR" altLang="en-US" smtClean="0"/>
-              <a:t>2024. 9. 22.</a:t>
+              <a:t>2024. 9. 26.</a:t>
             </a:fld>
             <a:endParaRPr kumimoji="1" lang="ko-KR" altLang="en-US"/>
           </a:p>
@@ -1144,7 +1146,7 @@
           <a:p>
             <a:fld id="{23D718C7-182E-9E43-B6DC-1727F16BCC9F}" type="datetimeFigureOut">
               <a:rPr kumimoji="1" lang="ko-KR" altLang="en-US" smtClean="0"/>
-              <a:t>2024. 9. 22.</a:t>
+              <a:t>2024. 9. 26.</a:t>
             </a:fld>
             <a:endParaRPr kumimoji="1" lang="ko-KR" altLang="en-US"/>
           </a:p>
@@ -1409,7 +1411,7 @@
           <a:p>
             <a:fld id="{23D718C7-182E-9E43-B6DC-1727F16BCC9F}" type="datetimeFigureOut">
               <a:rPr kumimoji="1" lang="ko-KR" altLang="en-US" smtClean="0"/>
-              <a:t>2024. 9. 22.</a:t>
+              <a:t>2024. 9. 26.</a:t>
             </a:fld>
             <a:endParaRPr kumimoji="1" lang="ko-KR" altLang="en-US"/>
           </a:p>
@@ -1821,7 +1823,7 @@
           <a:p>
             <a:fld id="{23D718C7-182E-9E43-B6DC-1727F16BCC9F}" type="datetimeFigureOut">
               <a:rPr kumimoji="1" lang="ko-KR" altLang="en-US" smtClean="0"/>
-              <a:t>2024. 9. 22.</a:t>
+              <a:t>2024. 9. 26.</a:t>
             </a:fld>
             <a:endParaRPr kumimoji="1" lang="ko-KR" altLang="en-US"/>
           </a:p>
@@ -1962,7 +1964,7 @@
           <a:p>
             <a:fld id="{23D718C7-182E-9E43-B6DC-1727F16BCC9F}" type="datetimeFigureOut">
               <a:rPr kumimoji="1" lang="ko-KR" altLang="en-US" smtClean="0"/>
-              <a:t>2024. 9. 22.</a:t>
+              <a:t>2024. 9. 26.</a:t>
             </a:fld>
             <a:endParaRPr kumimoji="1" lang="ko-KR" altLang="en-US"/>
           </a:p>
@@ -2075,7 +2077,7 @@
           <a:p>
             <a:fld id="{23D718C7-182E-9E43-B6DC-1727F16BCC9F}" type="datetimeFigureOut">
               <a:rPr kumimoji="1" lang="ko-KR" altLang="en-US" smtClean="0"/>
-              <a:t>2024. 9. 22.</a:t>
+              <a:t>2024. 9. 26.</a:t>
             </a:fld>
             <a:endParaRPr kumimoji="1" lang="ko-KR" altLang="en-US"/>
           </a:p>
@@ -2386,7 +2388,7 @@
           <a:p>
             <a:fld id="{23D718C7-182E-9E43-B6DC-1727F16BCC9F}" type="datetimeFigureOut">
               <a:rPr kumimoji="1" lang="ko-KR" altLang="en-US" smtClean="0"/>
-              <a:t>2024. 9. 22.</a:t>
+              <a:t>2024. 9. 26.</a:t>
             </a:fld>
             <a:endParaRPr kumimoji="1" lang="ko-KR" altLang="en-US"/>
           </a:p>
@@ -2674,7 +2676,7 @@
           <a:p>
             <a:fld id="{23D718C7-182E-9E43-B6DC-1727F16BCC9F}" type="datetimeFigureOut">
               <a:rPr kumimoji="1" lang="ko-KR" altLang="en-US" smtClean="0"/>
-              <a:t>2024. 9. 22.</a:t>
+              <a:t>2024. 9. 26.</a:t>
             </a:fld>
             <a:endParaRPr kumimoji="1" lang="ko-KR" altLang="en-US"/>
           </a:p>
@@ -2915,7 +2917,7 @@
           <a:p>
             <a:fld id="{23D718C7-182E-9E43-B6DC-1727F16BCC9F}" type="datetimeFigureOut">
               <a:rPr kumimoji="1" lang="ko-KR" altLang="en-US" smtClean="0"/>
-              <a:t>2024. 9. 22.</a:t>
+              <a:t>2024. 9. 26.</a:t>
             </a:fld>
             <a:endParaRPr kumimoji="1" lang="ko-KR" altLang="en-US"/>
           </a:p>
@@ -4899,6 +4901,452 @@
     <p:extLst>
       <p:ext uri="{BB962C8B-B14F-4D97-AF65-F5344CB8AC3E}">
         <p14:creationId xmlns:p14="http://schemas.microsoft.com/office/powerpoint/2010/main" val="691667818"/>
+      </p:ext>
+    </p:extLst>
+  </p:cSld>
+  <p:clrMapOvr>
+    <a:masterClrMapping/>
+  </p:clrMapOvr>
+</p:sld>
+</file>
+
+<file path=ppt/slides/slide8.xml><?xml version="1.0" encoding="utf-8"?>
+<p:sld xmlns:a="http://schemas.openxmlformats.org/drawingml/2006/main" xmlns:r="http://schemas.openxmlformats.org/officeDocument/2006/relationships" xmlns:p="http://schemas.openxmlformats.org/presentationml/2006/main">
+  <p:cSld>
+    <p:spTree>
+      <p:nvGrpSpPr>
+        <p:cNvPr id="1" name="">
+          <a:extLst>
+            <a:ext uri="{FF2B5EF4-FFF2-40B4-BE49-F238E27FC236}">
+              <a16:creationId xmlns:a16="http://schemas.microsoft.com/office/drawing/2014/main" id="{9AE8EA44-8AF0-5A32-6487-CA62345497AE}"/>
+            </a:ext>
+          </a:extLst>
+        </p:cNvPr>
+        <p:cNvGrpSpPr/>
+        <p:nvPr/>
+      </p:nvGrpSpPr>
+      <p:grpSpPr>
+        <a:xfrm>
+          <a:off x="0" y="0"/>
+          <a:ext cx="0" cy="0"/>
+          <a:chOff x="0" y="0"/>
+          <a:chExt cx="0" cy="0"/>
+        </a:xfrm>
+      </p:grpSpPr>
+      <p:sp>
+        <p:nvSpPr>
+          <p:cNvPr id="6" name="TextBox 5">
+            <a:extLst>
+              <a:ext uri="{FF2B5EF4-FFF2-40B4-BE49-F238E27FC236}">
+                <a16:creationId xmlns:a16="http://schemas.microsoft.com/office/drawing/2014/main" id="{2BB9A9E2-8869-FF61-CD55-5B32CBC1CB3A}"/>
+              </a:ext>
+            </a:extLst>
+          </p:cNvPr>
+          <p:cNvSpPr txBox="1"/>
+          <p:nvPr/>
+        </p:nvSpPr>
+        <p:spPr>
+          <a:xfrm>
+            <a:off x="1021294" y="3808909"/>
+            <a:ext cx="10149410" cy="1384995"/>
+          </a:xfrm>
+          <a:prstGeom prst="rect">
+            <a:avLst/>
+          </a:prstGeom>
+          <a:noFill/>
+        </p:spPr>
+        <p:txBody>
+          <a:bodyPr wrap="square" rtlCol="0">
+            <a:spAutoFit/>
+          </a:bodyPr>
+          <a:lstStyle/>
+          <a:p>
+            <a:pPr algn="ctr"/>
+            <a:r>
+              <a:rPr kumimoji="1" lang="en-US" altLang="ko-KR" sz="2800" b="1" dirty="0">
+                <a:latin typeface="D2Coding" panose="020B0609020101020101" pitchFamily="49" charset="-127"/>
+                <a:ea typeface="D2Coding" panose="020B0609020101020101" pitchFamily="49" charset="-127"/>
+              </a:rPr>
+              <a:t>Day 56</a:t>
+            </a:r>
+          </a:p>
+          <a:p>
+            <a:pPr algn="ctr"/>
+            <a:r>
+              <a:rPr kumimoji="1" lang="en-US" altLang="ko-KR" sz="2800" b="1" dirty="0">
+                <a:latin typeface="D2Coding" panose="020B0609020101020101" pitchFamily="49" charset="-127"/>
+                <a:ea typeface="D2Coding" panose="020B0609020101020101" pitchFamily="49" charset="-127"/>
+              </a:rPr>
+              <a:t>Java</a:t>
+            </a:r>
+            <a:r>
+              <a:rPr kumimoji="1" lang="ko-KR" altLang="en-US" sz="2800" b="1" dirty="0">
+                <a:latin typeface="D2Coding" panose="020B0609020101020101" pitchFamily="49" charset="-127"/>
+                <a:ea typeface="D2Coding" panose="020B0609020101020101" pitchFamily="49" charset="-127"/>
+              </a:rPr>
+              <a:t>프로그래밍 기초</a:t>
+            </a:r>
+            <a:endParaRPr kumimoji="1" lang="en-US" altLang="ko-KR" sz="2800" b="1" dirty="0">
+              <a:latin typeface="D2Coding" panose="020B0609020101020101" pitchFamily="49" charset="-127"/>
+              <a:ea typeface="D2Coding" panose="020B0609020101020101" pitchFamily="49" charset="-127"/>
+            </a:endParaRPr>
+          </a:p>
+          <a:p>
+            <a:pPr algn="ctr"/>
+            <a:r>
+              <a:rPr kumimoji="1" lang="en-US" altLang="ko-KR" sz="2800" b="1" dirty="0">
+                <a:latin typeface="D2Coding" panose="020B0609020101020101" pitchFamily="49" charset="-127"/>
+                <a:ea typeface="D2Coding" panose="020B0609020101020101" pitchFamily="49" charset="-127"/>
+              </a:rPr>
+              <a:t>JDBC – </a:t>
+            </a:r>
+            <a:r>
+              <a:rPr kumimoji="1" lang="ko-KR" altLang="en-US" sz="2800" b="1" dirty="0">
+                <a:latin typeface="D2Coding" panose="020B0609020101020101" pitchFamily="49" charset="-127"/>
+                <a:ea typeface="D2Coding" panose="020B0609020101020101" pitchFamily="49" charset="-127"/>
+              </a:rPr>
+              <a:t>라이브러리 설치 및 등록</a:t>
+            </a:r>
+          </a:p>
+        </p:txBody>
+      </p:sp>
+      <p:grpSp>
+        <p:nvGrpSpPr>
+          <p:cNvPr id="3" name="그룹 2">
+            <a:extLst>
+              <a:ext uri="{FF2B5EF4-FFF2-40B4-BE49-F238E27FC236}">
+                <a16:creationId xmlns:a16="http://schemas.microsoft.com/office/drawing/2014/main" id="{0757D32F-2851-7579-4375-4FDA9E883DFF}"/>
+              </a:ext>
+            </a:extLst>
+          </p:cNvPr>
+          <p:cNvGrpSpPr/>
+          <p:nvPr/>
+        </p:nvGrpSpPr>
+        <p:grpSpPr>
+          <a:xfrm>
+            <a:off x="0" y="0"/>
+            <a:ext cx="12192000" cy="6858000"/>
+            <a:chOff x="1143000" y="1238490"/>
+            <a:chExt cx="7772400" cy="3777325"/>
+          </a:xfrm>
+        </p:grpSpPr>
+        <p:pic>
+          <p:nvPicPr>
+            <p:cNvPr id="4" name="그림 3" descr="폰트, 로고, 그래픽, 화이트이(가) 표시된 사진&#10;&#10;자동 생성된 설명">
+              <a:extLst>
+                <a:ext uri="{FF2B5EF4-FFF2-40B4-BE49-F238E27FC236}">
+                  <a16:creationId xmlns:a16="http://schemas.microsoft.com/office/drawing/2014/main" id="{4E98FE02-143D-F5FF-30BD-3DB89CDF9986}"/>
+                </a:ext>
+              </a:extLst>
+            </p:cNvPr>
+            <p:cNvPicPr>
+              <a:picLocks noChangeAspect="1"/>
+            </p:cNvPicPr>
+            <p:nvPr/>
+          </p:nvPicPr>
+          <p:blipFill>
+            <a:blip r:embed="rId2"/>
+            <a:srcRect t="13650"/>
+            <a:stretch/>
+          </p:blipFill>
+          <p:spPr>
+            <a:xfrm>
+              <a:off x="1143000" y="1238490"/>
+              <a:ext cx="7772400" cy="3777325"/>
+            </a:xfrm>
+            <a:prstGeom prst="rect">
+              <a:avLst/>
+            </a:prstGeom>
+          </p:spPr>
+        </p:pic>
+        <p:sp>
+          <p:nvSpPr>
+            <p:cNvPr id="8" name="TextBox 7">
+              <a:extLst>
+                <a:ext uri="{FF2B5EF4-FFF2-40B4-BE49-F238E27FC236}">
+                  <a16:creationId xmlns:a16="http://schemas.microsoft.com/office/drawing/2014/main" id="{15877355-5C00-45C8-9184-8FB311182CC5}"/>
+                </a:ext>
+              </a:extLst>
+            </p:cNvPr>
+            <p:cNvSpPr txBox="1"/>
+            <p:nvPr/>
+          </p:nvSpPr>
+          <p:spPr>
+            <a:xfrm>
+              <a:off x="1474792" y="3336403"/>
+              <a:ext cx="7108815" cy="796747"/>
+            </a:xfrm>
+            <a:prstGeom prst="rect">
+              <a:avLst/>
+            </a:prstGeom>
+            <a:noFill/>
+          </p:spPr>
+          <p:txBody>
+            <a:bodyPr wrap="square" rtlCol="0">
+              <a:spAutoFit/>
+            </a:bodyPr>
+            <a:lstStyle/>
+            <a:p>
+              <a:pPr algn="ctr"/>
+              <a:r>
+                <a:rPr kumimoji="1" lang="en-US" altLang="ko-KR" sz="4400" b="1" dirty="0">
+                  <a:latin typeface="D2Coding" panose="020B0609020101020101" pitchFamily="49" charset="-127"/>
+                  <a:ea typeface="D2Coding" panose="020B0609020101020101" pitchFamily="49" charset="-127"/>
+                </a:rPr>
+                <a:t>Day 82</a:t>
+              </a:r>
+            </a:p>
+            <a:p>
+              <a:pPr algn="ctr"/>
+              <a:r>
+                <a:rPr kumimoji="1" lang="ko-KR" altLang="en-US" sz="4400" b="1" dirty="0">
+                  <a:latin typeface="D2Coding" panose="020B0609020101020101" pitchFamily="49" charset="-127"/>
+                  <a:ea typeface="D2Coding" panose="020B0609020101020101" pitchFamily="49" charset="-127"/>
+                </a:rPr>
+                <a:t>실습프로젝트</a:t>
+              </a:r>
+              <a:r>
+                <a:rPr kumimoji="1" lang="en-US" altLang="ko-KR" sz="4400" b="1" dirty="0">
+                  <a:latin typeface="D2Coding" panose="020B0609020101020101" pitchFamily="49" charset="-127"/>
+                  <a:ea typeface="D2Coding" panose="020B0609020101020101" pitchFamily="49" charset="-127"/>
+                </a:rPr>
+                <a:t>(Spring Web MVC)</a:t>
+              </a:r>
+              <a:endParaRPr kumimoji="1" lang="en" altLang="ko-KR" sz="4400" b="1" dirty="0">
+                <a:latin typeface="D2Coding" panose="020B0609020101020101" pitchFamily="49" charset="-127"/>
+                <a:ea typeface="D2Coding" panose="020B0609020101020101" pitchFamily="49" charset="-127"/>
+              </a:endParaRPr>
+            </a:p>
+          </p:txBody>
+        </p:sp>
+      </p:grpSp>
+    </p:spTree>
+    <p:extLst>
+      <p:ext uri="{BB962C8B-B14F-4D97-AF65-F5344CB8AC3E}">
+        <p14:creationId xmlns:p14="http://schemas.microsoft.com/office/powerpoint/2010/main" val="3065860190"/>
+      </p:ext>
+    </p:extLst>
+  </p:cSld>
+  <p:clrMapOvr>
+    <a:masterClrMapping/>
+  </p:clrMapOvr>
+</p:sld>
+</file>
+
+<file path=ppt/slides/slide9.xml><?xml version="1.0" encoding="utf-8"?>
+<p:sld xmlns:a="http://schemas.openxmlformats.org/drawingml/2006/main" xmlns:r="http://schemas.openxmlformats.org/officeDocument/2006/relationships" xmlns:p="http://schemas.openxmlformats.org/presentationml/2006/main">
+  <p:cSld>
+    <p:spTree>
+      <p:nvGrpSpPr>
+        <p:cNvPr id="1" name="">
+          <a:extLst>
+            <a:ext uri="{FF2B5EF4-FFF2-40B4-BE49-F238E27FC236}">
+              <a16:creationId xmlns:a16="http://schemas.microsoft.com/office/drawing/2014/main" id="{4103189F-69E4-7805-D5B0-93FB84D6134A}"/>
+            </a:ext>
+          </a:extLst>
+        </p:cNvPr>
+        <p:cNvGrpSpPr/>
+        <p:nvPr/>
+      </p:nvGrpSpPr>
+      <p:grpSpPr>
+        <a:xfrm>
+          <a:off x="0" y="0"/>
+          <a:ext cx="0" cy="0"/>
+          <a:chOff x="0" y="0"/>
+          <a:chExt cx="0" cy="0"/>
+        </a:xfrm>
+      </p:grpSpPr>
+      <p:sp>
+        <p:nvSpPr>
+          <p:cNvPr id="6" name="TextBox 5">
+            <a:extLst>
+              <a:ext uri="{FF2B5EF4-FFF2-40B4-BE49-F238E27FC236}">
+                <a16:creationId xmlns:a16="http://schemas.microsoft.com/office/drawing/2014/main" id="{0B96E057-C42F-C2D1-2AEF-55B30A36790A}"/>
+              </a:ext>
+            </a:extLst>
+          </p:cNvPr>
+          <p:cNvSpPr txBox="1"/>
+          <p:nvPr/>
+        </p:nvSpPr>
+        <p:spPr>
+          <a:xfrm>
+            <a:off x="1021294" y="3808909"/>
+            <a:ext cx="10149410" cy="1384995"/>
+          </a:xfrm>
+          <a:prstGeom prst="rect">
+            <a:avLst/>
+          </a:prstGeom>
+          <a:noFill/>
+        </p:spPr>
+        <p:txBody>
+          <a:bodyPr wrap="square" rtlCol="0">
+            <a:spAutoFit/>
+          </a:bodyPr>
+          <a:lstStyle/>
+          <a:p>
+            <a:pPr algn="ctr"/>
+            <a:r>
+              <a:rPr kumimoji="1" lang="en-US" altLang="ko-KR" sz="2800" b="1" dirty="0">
+                <a:latin typeface="D2Coding" panose="020B0609020101020101" pitchFamily="49" charset="-127"/>
+                <a:ea typeface="D2Coding" panose="020B0609020101020101" pitchFamily="49" charset="-127"/>
+              </a:rPr>
+              <a:t>Day 56</a:t>
+            </a:r>
+          </a:p>
+          <a:p>
+            <a:pPr algn="ctr"/>
+            <a:r>
+              <a:rPr kumimoji="1" lang="en-US" altLang="ko-KR" sz="2800" b="1" dirty="0">
+                <a:latin typeface="D2Coding" panose="020B0609020101020101" pitchFamily="49" charset="-127"/>
+                <a:ea typeface="D2Coding" panose="020B0609020101020101" pitchFamily="49" charset="-127"/>
+              </a:rPr>
+              <a:t>Java</a:t>
+            </a:r>
+            <a:r>
+              <a:rPr kumimoji="1" lang="ko-KR" altLang="en-US" sz="2800" b="1" dirty="0">
+                <a:latin typeface="D2Coding" panose="020B0609020101020101" pitchFamily="49" charset="-127"/>
+                <a:ea typeface="D2Coding" panose="020B0609020101020101" pitchFamily="49" charset="-127"/>
+              </a:rPr>
+              <a:t>프로그래밍 기초</a:t>
+            </a:r>
+            <a:endParaRPr kumimoji="1" lang="en-US" altLang="ko-KR" sz="2800" b="1" dirty="0">
+              <a:latin typeface="D2Coding" panose="020B0609020101020101" pitchFamily="49" charset="-127"/>
+              <a:ea typeface="D2Coding" panose="020B0609020101020101" pitchFamily="49" charset="-127"/>
+            </a:endParaRPr>
+          </a:p>
+          <a:p>
+            <a:pPr algn="ctr"/>
+            <a:r>
+              <a:rPr kumimoji="1" lang="en-US" altLang="ko-KR" sz="2800" b="1" dirty="0">
+                <a:latin typeface="D2Coding" panose="020B0609020101020101" pitchFamily="49" charset="-127"/>
+                <a:ea typeface="D2Coding" panose="020B0609020101020101" pitchFamily="49" charset="-127"/>
+              </a:rPr>
+              <a:t>JDBC – </a:t>
+            </a:r>
+            <a:r>
+              <a:rPr kumimoji="1" lang="ko-KR" altLang="en-US" sz="2800" b="1" dirty="0">
+                <a:latin typeface="D2Coding" panose="020B0609020101020101" pitchFamily="49" charset="-127"/>
+                <a:ea typeface="D2Coding" panose="020B0609020101020101" pitchFamily="49" charset="-127"/>
+              </a:rPr>
+              <a:t>라이브러리 설치 및 등록</a:t>
+            </a:r>
+          </a:p>
+        </p:txBody>
+      </p:sp>
+      <p:grpSp>
+        <p:nvGrpSpPr>
+          <p:cNvPr id="3" name="그룹 2">
+            <a:extLst>
+              <a:ext uri="{FF2B5EF4-FFF2-40B4-BE49-F238E27FC236}">
+                <a16:creationId xmlns:a16="http://schemas.microsoft.com/office/drawing/2014/main" id="{3DDD8726-30B6-B479-B6DA-AE53B04962E4}"/>
+              </a:ext>
+            </a:extLst>
+          </p:cNvPr>
+          <p:cNvGrpSpPr/>
+          <p:nvPr/>
+        </p:nvGrpSpPr>
+        <p:grpSpPr>
+          <a:xfrm>
+            <a:off x="0" y="0"/>
+            <a:ext cx="12192000" cy="6858000"/>
+            <a:chOff x="1143000" y="1238490"/>
+            <a:chExt cx="7772400" cy="3777325"/>
+          </a:xfrm>
+        </p:grpSpPr>
+        <p:pic>
+          <p:nvPicPr>
+            <p:cNvPr id="4" name="그림 3" descr="폰트, 로고, 그래픽, 화이트이(가) 표시된 사진&#10;&#10;자동 생성된 설명">
+              <a:extLst>
+                <a:ext uri="{FF2B5EF4-FFF2-40B4-BE49-F238E27FC236}">
+                  <a16:creationId xmlns:a16="http://schemas.microsoft.com/office/drawing/2014/main" id="{05E16A1E-8783-AC33-8BC7-C1F38FE512D6}"/>
+                </a:ext>
+              </a:extLst>
+            </p:cNvPr>
+            <p:cNvPicPr>
+              <a:picLocks noChangeAspect="1"/>
+            </p:cNvPicPr>
+            <p:nvPr/>
+          </p:nvPicPr>
+          <p:blipFill>
+            <a:blip r:embed="rId2"/>
+            <a:srcRect t="13650"/>
+            <a:stretch/>
+          </p:blipFill>
+          <p:spPr>
+            <a:xfrm>
+              <a:off x="1143000" y="1238490"/>
+              <a:ext cx="7772400" cy="3777325"/>
+            </a:xfrm>
+            <a:prstGeom prst="rect">
+              <a:avLst/>
+            </a:prstGeom>
+          </p:spPr>
+        </p:pic>
+        <p:sp>
+          <p:nvSpPr>
+            <p:cNvPr id="8" name="TextBox 7">
+              <a:extLst>
+                <a:ext uri="{FF2B5EF4-FFF2-40B4-BE49-F238E27FC236}">
+                  <a16:creationId xmlns:a16="http://schemas.microsoft.com/office/drawing/2014/main" id="{1C5FE550-0048-2080-5464-5DCB95F5BFF1}"/>
+                </a:ext>
+              </a:extLst>
+            </p:cNvPr>
+            <p:cNvSpPr txBox="1"/>
+            <p:nvPr/>
+          </p:nvSpPr>
+          <p:spPr>
+            <a:xfrm>
+              <a:off x="1474792" y="3336403"/>
+              <a:ext cx="7108815" cy="796747"/>
+            </a:xfrm>
+            <a:prstGeom prst="rect">
+              <a:avLst/>
+            </a:prstGeom>
+            <a:noFill/>
+          </p:spPr>
+          <p:txBody>
+            <a:bodyPr wrap="square" rtlCol="0">
+              <a:spAutoFit/>
+            </a:bodyPr>
+            <a:lstStyle/>
+            <a:p>
+              <a:pPr algn="ctr"/>
+              <a:r>
+                <a:rPr kumimoji="1" lang="en-US" altLang="ko-KR" sz="4400" b="1" dirty="0">
+                  <a:latin typeface="D2Coding" panose="020B0609020101020101" pitchFamily="49" charset="-127"/>
+                  <a:ea typeface="D2Coding" panose="020B0609020101020101" pitchFamily="49" charset="-127"/>
+                </a:rPr>
+                <a:t>Day 83</a:t>
+              </a:r>
+            </a:p>
+            <a:p>
+              <a:pPr algn="ctr"/>
+              <a:r>
+                <a:rPr kumimoji="1" lang="ko-KR" altLang="en-US" sz="4400" b="1" dirty="0">
+                  <a:latin typeface="D2Coding" panose="020B0609020101020101" pitchFamily="49" charset="-127"/>
+                  <a:ea typeface="D2Coding" panose="020B0609020101020101" pitchFamily="49" charset="-127"/>
+                </a:rPr>
+                <a:t>실습프로젝트</a:t>
+              </a:r>
+              <a:r>
+                <a:rPr kumimoji="1" lang="en-US" altLang="ko-KR" sz="4400" b="1" dirty="0">
+                  <a:latin typeface="D2Coding" panose="020B0609020101020101" pitchFamily="49" charset="-127"/>
+                  <a:ea typeface="D2Coding" panose="020B0609020101020101" pitchFamily="49" charset="-127"/>
+                </a:rPr>
+                <a:t>(Spring Web MVC)</a:t>
+              </a:r>
+              <a:endParaRPr kumimoji="1" lang="en" altLang="ko-KR" sz="4400" b="1" dirty="0">
+                <a:latin typeface="D2Coding" panose="020B0609020101020101" pitchFamily="49" charset="-127"/>
+                <a:ea typeface="D2Coding" panose="020B0609020101020101" pitchFamily="49" charset="-127"/>
+              </a:endParaRPr>
+            </a:p>
+          </p:txBody>
+        </p:sp>
+      </p:grpSp>
+    </p:spTree>
+    <p:extLst>
+      <p:ext uri="{BB962C8B-B14F-4D97-AF65-F5344CB8AC3E}">
+        <p14:creationId xmlns:p14="http://schemas.microsoft.com/office/powerpoint/2010/main" val="755944123"/>
       </p:ext>
     </p:extLst>
   </p:cSld>

--- a/assets/img/posts/ClassThumbnail2.pptx
+++ b/assets/img/posts/ClassThumbnail2.pptx
@@ -14,6 +14,9 @@
     <p:sldId id="341" r:id="rId8"/>
     <p:sldId id="344" r:id="rId9"/>
     <p:sldId id="345" r:id="rId10"/>
+    <p:sldId id="346" r:id="rId11"/>
+    <p:sldId id="347" r:id="rId12"/>
+    <p:sldId id="348" r:id="rId13"/>
   </p:sldIdLst>
   <p:sldSz cx="12192000" cy="6858000"/>
   <p:notesSz cx="6858000" cy="9144000"/>
@@ -267,7 +270,7 @@
           <a:p>
             <a:fld id="{23D718C7-182E-9E43-B6DC-1727F16BCC9F}" type="datetimeFigureOut">
               <a:rPr kumimoji="1" lang="ko-KR" altLang="en-US" smtClean="0"/>
-              <a:t>2024. 9. 26.</a:t>
+              <a:t>2024. 10. 1.</a:t>
             </a:fld>
             <a:endParaRPr kumimoji="1" lang="ko-KR" altLang="en-US"/>
           </a:p>
@@ -465,7 +468,7 @@
           <a:p>
             <a:fld id="{23D718C7-182E-9E43-B6DC-1727F16BCC9F}" type="datetimeFigureOut">
               <a:rPr kumimoji="1" lang="ko-KR" altLang="en-US" smtClean="0"/>
-              <a:t>2024. 9. 26.</a:t>
+              <a:t>2024. 10. 1.</a:t>
             </a:fld>
             <a:endParaRPr kumimoji="1" lang="ko-KR" altLang="en-US"/>
           </a:p>
@@ -673,7 +676,7 @@
           <a:p>
             <a:fld id="{23D718C7-182E-9E43-B6DC-1727F16BCC9F}" type="datetimeFigureOut">
               <a:rPr kumimoji="1" lang="ko-KR" altLang="en-US" smtClean="0"/>
-              <a:t>2024. 9. 26.</a:t>
+              <a:t>2024. 10. 1.</a:t>
             </a:fld>
             <a:endParaRPr kumimoji="1" lang="ko-KR" altLang="en-US"/>
           </a:p>
@@ -871,7 +874,7 @@
           <a:p>
             <a:fld id="{23D718C7-182E-9E43-B6DC-1727F16BCC9F}" type="datetimeFigureOut">
               <a:rPr kumimoji="1" lang="ko-KR" altLang="en-US" smtClean="0"/>
-              <a:t>2024. 9. 26.</a:t>
+              <a:t>2024. 10. 1.</a:t>
             </a:fld>
             <a:endParaRPr kumimoji="1" lang="ko-KR" altLang="en-US"/>
           </a:p>
@@ -1146,7 +1149,7 @@
           <a:p>
             <a:fld id="{23D718C7-182E-9E43-B6DC-1727F16BCC9F}" type="datetimeFigureOut">
               <a:rPr kumimoji="1" lang="ko-KR" altLang="en-US" smtClean="0"/>
-              <a:t>2024. 9. 26.</a:t>
+              <a:t>2024. 10. 1.</a:t>
             </a:fld>
             <a:endParaRPr kumimoji="1" lang="ko-KR" altLang="en-US"/>
           </a:p>
@@ -1411,7 +1414,7 @@
           <a:p>
             <a:fld id="{23D718C7-182E-9E43-B6DC-1727F16BCC9F}" type="datetimeFigureOut">
               <a:rPr kumimoji="1" lang="ko-KR" altLang="en-US" smtClean="0"/>
-              <a:t>2024. 9. 26.</a:t>
+              <a:t>2024. 10. 1.</a:t>
             </a:fld>
             <a:endParaRPr kumimoji="1" lang="ko-KR" altLang="en-US"/>
           </a:p>
@@ -1823,7 +1826,7 @@
           <a:p>
             <a:fld id="{23D718C7-182E-9E43-B6DC-1727F16BCC9F}" type="datetimeFigureOut">
               <a:rPr kumimoji="1" lang="ko-KR" altLang="en-US" smtClean="0"/>
-              <a:t>2024. 9. 26.</a:t>
+              <a:t>2024. 10. 1.</a:t>
             </a:fld>
             <a:endParaRPr kumimoji="1" lang="ko-KR" altLang="en-US"/>
           </a:p>
@@ -1964,7 +1967,7 @@
           <a:p>
             <a:fld id="{23D718C7-182E-9E43-B6DC-1727F16BCC9F}" type="datetimeFigureOut">
               <a:rPr kumimoji="1" lang="ko-KR" altLang="en-US" smtClean="0"/>
-              <a:t>2024. 9. 26.</a:t>
+              <a:t>2024. 10. 1.</a:t>
             </a:fld>
             <a:endParaRPr kumimoji="1" lang="ko-KR" altLang="en-US"/>
           </a:p>
@@ -2077,7 +2080,7 @@
           <a:p>
             <a:fld id="{23D718C7-182E-9E43-B6DC-1727F16BCC9F}" type="datetimeFigureOut">
               <a:rPr kumimoji="1" lang="ko-KR" altLang="en-US" smtClean="0"/>
-              <a:t>2024. 9. 26.</a:t>
+              <a:t>2024. 10. 1.</a:t>
             </a:fld>
             <a:endParaRPr kumimoji="1" lang="ko-KR" altLang="en-US"/>
           </a:p>
@@ -2388,7 +2391,7 @@
           <a:p>
             <a:fld id="{23D718C7-182E-9E43-B6DC-1727F16BCC9F}" type="datetimeFigureOut">
               <a:rPr kumimoji="1" lang="ko-KR" altLang="en-US" smtClean="0"/>
-              <a:t>2024. 9. 26.</a:t>
+              <a:t>2024. 10. 1.</a:t>
             </a:fld>
             <a:endParaRPr kumimoji="1" lang="ko-KR" altLang="en-US"/>
           </a:p>
@@ -2676,7 +2679,7 @@
           <a:p>
             <a:fld id="{23D718C7-182E-9E43-B6DC-1727F16BCC9F}" type="datetimeFigureOut">
               <a:rPr kumimoji="1" lang="ko-KR" altLang="en-US" smtClean="0"/>
-              <a:t>2024. 9. 26.</a:t>
+              <a:t>2024. 10. 1.</a:t>
             </a:fld>
             <a:endParaRPr kumimoji="1" lang="ko-KR" altLang="en-US"/>
           </a:p>
@@ -2917,7 +2920,7 @@
           <a:p>
             <a:fld id="{23D718C7-182E-9E43-B6DC-1727F16BCC9F}" type="datetimeFigureOut">
               <a:rPr kumimoji="1" lang="ko-KR" altLang="en-US" smtClean="0"/>
-              <a:t>2024. 9. 26.</a:t>
+              <a:t>2024. 10. 1.</a:t>
             </a:fld>
             <a:endParaRPr kumimoji="1" lang="ko-KR" altLang="en-US"/>
           </a:p>
@@ -3535,6 +3538,685 @@
     <p:extLst>
       <p:ext uri="{BB962C8B-B14F-4D97-AF65-F5344CB8AC3E}">
         <p14:creationId xmlns:p14="http://schemas.microsoft.com/office/powerpoint/2010/main" val="1792792987"/>
+      </p:ext>
+    </p:extLst>
+  </p:cSld>
+  <p:clrMapOvr>
+    <a:masterClrMapping/>
+  </p:clrMapOvr>
+</p:sld>
+</file>
+
+<file path=ppt/slides/slide10.xml><?xml version="1.0" encoding="utf-8"?>
+<p:sld xmlns:a="http://schemas.openxmlformats.org/drawingml/2006/main" xmlns:r="http://schemas.openxmlformats.org/officeDocument/2006/relationships" xmlns:p="http://schemas.openxmlformats.org/presentationml/2006/main">
+  <p:cSld>
+    <p:spTree>
+      <p:nvGrpSpPr>
+        <p:cNvPr id="1" name="">
+          <a:extLst>
+            <a:ext uri="{FF2B5EF4-FFF2-40B4-BE49-F238E27FC236}">
+              <a16:creationId xmlns:a16="http://schemas.microsoft.com/office/drawing/2014/main" id="{F9B74A48-D658-E932-7C60-E9876D93B6D6}"/>
+            </a:ext>
+          </a:extLst>
+        </p:cNvPr>
+        <p:cNvGrpSpPr/>
+        <p:nvPr/>
+      </p:nvGrpSpPr>
+      <p:grpSpPr>
+        <a:xfrm>
+          <a:off x="0" y="0"/>
+          <a:ext cx="0" cy="0"/>
+          <a:chOff x="0" y="0"/>
+          <a:chExt cx="0" cy="0"/>
+        </a:xfrm>
+      </p:grpSpPr>
+      <p:sp>
+        <p:nvSpPr>
+          <p:cNvPr id="6" name="TextBox 5">
+            <a:extLst>
+              <a:ext uri="{FF2B5EF4-FFF2-40B4-BE49-F238E27FC236}">
+                <a16:creationId xmlns:a16="http://schemas.microsoft.com/office/drawing/2014/main" id="{03A1DCBA-1B5A-3115-E968-BD532F792A41}"/>
+              </a:ext>
+            </a:extLst>
+          </p:cNvPr>
+          <p:cNvSpPr txBox="1"/>
+          <p:nvPr/>
+        </p:nvSpPr>
+        <p:spPr>
+          <a:xfrm>
+            <a:off x="1021294" y="3808909"/>
+            <a:ext cx="10149410" cy="1384995"/>
+          </a:xfrm>
+          <a:prstGeom prst="rect">
+            <a:avLst/>
+          </a:prstGeom>
+          <a:noFill/>
+        </p:spPr>
+        <p:txBody>
+          <a:bodyPr wrap="square" rtlCol="0">
+            <a:spAutoFit/>
+          </a:bodyPr>
+          <a:lstStyle/>
+          <a:p>
+            <a:pPr algn="ctr"/>
+            <a:r>
+              <a:rPr kumimoji="1" lang="en-US" altLang="ko-KR" sz="2800" b="1" dirty="0">
+                <a:latin typeface="D2Coding" panose="020B0609020101020101" pitchFamily="49" charset="-127"/>
+                <a:ea typeface="D2Coding" panose="020B0609020101020101" pitchFamily="49" charset="-127"/>
+              </a:rPr>
+              <a:t>Day 56</a:t>
+            </a:r>
+          </a:p>
+          <a:p>
+            <a:pPr algn="ctr"/>
+            <a:r>
+              <a:rPr kumimoji="1" lang="en-US" altLang="ko-KR" sz="2800" b="1" dirty="0">
+                <a:latin typeface="D2Coding" panose="020B0609020101020101" pitchFamily="49" charset="-127"/>
+                <a:ea typeface="D2Coding" panose="020B0609020101020101" pitchFamily="49" charset="-127"/>
+              </a:rPr>
+              <a:t>Java</a:t>
+            </a:r>
+            <a:r>
+              <a:rPr kumimoji="1" lang="ko-KR" altLang="en-US" sz="2800" b="1" dirty="0">
+                <a:latin typeface="D2Coding" panose="020B0609020101020101" pitchFamily="49" charset="-127"/>
+                <a:ea typeface="D2Coding" panose="020B0609020101020101" pitchFamily="49" charset="-127"/>
+              </a:rPr>
+              <a:t>프로그래밍 기초</a:t>
+            </a:r>
+            <a:endParaRPr kumimoji="1" lang="en-US" altLang="ko-KR" sz="2800" b="1" dirty="0">
+              <a:latin typeface="D2Coding" panose="020B0609020101020101" pitchFamily="49" charset="-127"/>
+              <a:ea typeface="D2Coding" panose="020B0609020101020101" pitchFamily="49" charset="-127"/>
+            </a:endParaRPr>
+          </a:p>
+          <a:p>
+            <a:pPr algn="ctr"/>
+            <a:r>
+              <a:rPr kumimoji="1" lang="en-US" altLang="ko-KR" sz="2800" b="1" dirty="0">
+                <a:latin typeface="D2Coding" panose="020B0609020101020101" pitchFamily="49" charset="-127"/>
+                <a:ea typeface="D2Coding" panose="020B0609020101020101" pitchFamily="49" charset="-127"/>
+              </a:rPr>
+              <a:t>JDBC – </a:t>
+            </a:r>
+            <a:r>
+              <a:rPr kumimoji="1" lang="ko-KR" altLang="en-US" sz="2800" b="1" dirty="0">
+                <a:latin typeface="D2Coding" panose="020B0609020101020101" pitchFamily="49" charset="-127"/>
+                <a:ea typeface="D2Coding" panose="020B0609020101020101" pitchFamily="49" charset="-127"/>
+              </a:rPr>
+              <a:t>라이브러리 설치 및 등록</a:t>
+            </a:r>
+          </a:p>
+        </p:txBody>
+      </p:sp>
+      <p:grpSp>
+        <p:nvGrpSpPr>
+          <p:cNvPr id="3" name="그룹 2">
+            <a:extLst>
+              <a:ext uri="{FF2B5EF4-FFF2-40B4-BE49-F238E27FC236}">
+                <a16:creationId xmlns:a16="http://schemas.microsoft.com/office/drawing/2014/main" id="{B5CCA7D3-7B58-74AC-96DF-B03AB7BA184F}"/>
+              </a:ext>
+            </a:extLst>
+          </p:cNvPr>
+          <p:cNvGrpSpPr/>
+          <p:nvPr/>
+        </p:nvGrpSpPr>
+        <p:grpSpPr>
+          <a:xfrm>
+            <a:off x="0" y="0"/>
+            <a:ext cx="12192000" cy="6858000"/>
+            <a:chOff x="1143000" y="1238490"/>
+            <a:chExt cx="7772400" cy="3777325"/>
+          </a:xfrm>
+        </p:grpSpPr>
+        <p:pic>
+          <p:nvPicPr>
+            <p:cNvPr id="4" name="그림 3" descr="폰트, 로고, 그래픽, 화이트이(가) 표시된 사진&#10;&#10;자동 생성된 설명">
+              <a:extLst>
+                <a:ext uri="{FF2B5EF4-FFF2-40B4-BE49-F238E27FC236}">
+                  <a16:creationId xmlns:a16="http://schemas.microsoft.com/office/drawing/2014/main" id="{38B6BF86-6351-75BE-7BD2-453FCB356DD4}"/>
+                </a:ext>
+              </a:extLst>
+            </p:cNvPr>
+            <p:cNvPicPr>
+              <a:picLocks noChangeAspect="1"/>
+            </p:cNvPicPr>
+            <p:nvPr/>
+          </p:nvPicPr>
+          <p:blipFill>
+            <a:blip r:embed="rId2"/>
+            <a:srcRect t="13650"/>
+            <a:stretch/>
+          </p:blipFill>
+          <p:spPr>
+            <a:xfrm>
+              <a:off x="1143000" y="1238490"/>
+              <a:ext cx="7772400" cy="3777325"/>
+            </a:xfrm>
+            <a:prstGeom prst="rect">
+              <a:avLst/>
+            </a:prstGeom>
+          </p:spPr>
+        </p:pic>
+        <p:sp>
+          <p:nvSpPr>
+            <p:cNvPr id="8" name="TextBox 7">
+              <a:extLst>
+                <a:ext uri="{FF2B5EF4-FFF2-40B4-BE49-F238E27FC236}">
+                  <a16:creationId xmlns:a16="http://schemas.microsoft.com/office/drawing/2014/main" id="{3D190B67-D95A-1E76-91AE-63427A960D7E}"/>
+                </a:ext>
+              </a:extLst>
+            </p:cNvPr>
+            <p:cNvSpPr txBox="1"/>
+            <p:nvPr/>
+          </p:nvSpPr>
+          <p:spPr>
+            <a:xfrm>
+              <a:off x="1474792" y="3336403"/>
+              <a:ext cx="7108815" cy="796747"/>
+            </a:xfrm>
+            <a:prstGeom prst="rect">
+              <a:avLst/>
+            </a:prstGeom>
+            <a:noFill/>
+          </p:spPr>
+          <p:txBody>
+            <a:bodyPr wrap="square" rtlCol="0">
+              <a:spAutoFit/>
+            </a:bodyPr>
+            <a:lstStyle/>
+            <a:p>
+              <a:pPr algn="ctr"/>
+              <a:r>
+                <a:rPr kumimoji="1" lang="en-US" altLang="ko-KR" sz="4400" b="1" dirty="0">
+                  <a:latin typeface="D2Coding" panose="020B0609020101020101" pitchFamily="49" charset="-127"/>
+                  <a:ea typeface="D2Coding" panose="020B0609020101020101" pitchFamily="49" charset="-127"/>
+                </a:rPr>
+                <a:t>Day 84</a:t>
+              </a:r>
+            </a:p>
+            <a:p>
+              <a:pPr algn="ctr"/>
+              <a:r>
+                <a:rPr kumimoji="1" lang="ko-KR" altLang="en-US" sz="4400" b="1" dirty="0">
+                  <a:latin typeface="D2Coding" panose="020B0609020101020101" pitchFamily="49" charset="-127"/>
+                  <a:ea typeface="D2Coding" panose="020B0609020101020101" pitchFamily="49" charset="-127"/>
+                </a:rPr>
+                <a:t>실습프로젝트</a:t>
+              </a:r>
+              <a:r>
+                <a:rPr kumimoji="1" lang="en-US" altLang="ko-KR" sz="4400" b="1" dirty="0">
+                  <a:latin typeface="D2Coding" panose="020B0609020101020101" pitchFamily="49" charset="-127"/>
+                  <a:ea typeface="D2Coding" panose="020B0609020101020101" pitchFamily="49" charset="-127"/>
+                </a:rPr>
+                <a:t>(NCP)</a:t>
+              </a:r>
+              <a:endParaRPr kumimoji="1" lang="en" altLang="ko-KR" sz="4400" b="1" dirty="0">
+                <a:latin typeface="D2Coding" panose="020B0609020101020101" pitchFamily="49" charset="-127"/>
+                <a:ea typeface="D2Coding" panose="020B0609020101020101" pitchFamily="49" charset="-127"/>
+              </a:endParaRPr>
+            </a:p>
+          </p:txBody>
+        </p:sp>
+      </p:grpSp>
+    </p:spTree>
+    <p:extLst>
+      <p:ext uri="{BB962C8B-B14F-4D97-AF65-F5344CB8AC3E}">
+        <p14:creationId xmlns:p14="http://schemas.microsoft.com/office/powerpoint/2010/main" val="1838366810"/>
+      </p:ext>
+    </p:extLst>
+  </p:cSld>
+  <p:clrMapOvr>
+    <a:masterClrMapping/>
+  </p:clrMapOvr>
+</p:sld>
+</file>
+
+<file path=ppt/slides/slide11.xml><?xml version="1.0" encoding="utf-8"?>
+<p:sld xmlns:a="http://schemas.openxmlformats.org/drawingml/2006/main" xmlns:r="http://schemas.openxmlformats.org/officeDocument/2006/relationships" xmlns:p="http://schemas.openxmlformats.org/presentationml/2006/main">
+  <p:cSld>
+    <p:spTree>
+      <p:nvGrpSpPr>
+        <p:cNvPr id="1" name="">
+          <a:extLst>
+            <a:ext uri="{FF2B5EF4-FFF2-40B4-BE49-F238E27FC236}">
+              <a16:creationId xmlns:a16="http://schemas.microsoft.com/office/drawing/2014/main" id="{C94F384B-BEC3-25AB-C158-AB701AB2A05F}"/>
+            </a:ext>
+          </a:extLst>
+        </p:cNvPr>
+        <p:cNvGrpSpPr/>
+        <p:nvPr/>
+      </p:nvGrpSpPr>
+      <p:grpSpPr>
+        <a:xfrm>
+          <a:off x="0" y="0"/>
+          <a:ext cx="0" cy="0"/>
+          <a:chOff x="0" y="0"/>
+          <a:chExt cx="0" cy="0"/>
+        </a:xfrm>
+      </p:grpSpPr>
+      <p:sp>
+        <p:nvSpPr>
+          <p:cNvPr id="6" name="TextBox 5">
+            <a:extLst>
+              <a:ext uri="{FF2B5EF4-FFF2-40B4-BE49-F238E27FC236}">
+                <a16:creationId xmlns:a16="http://schemas.microsoft.com/office/drawing/2014/main" id="{FE8E7290-1AA7-8AFC-7FED-AC6E1F52F52B}"/>
+              </a:ext>
+            </a:extLst>
+          </p:cNvPr>
+          <p:cNvSpPr txBox="1"/>
+          <p:nvPr/>
+        </p:nvSpPr>
+        <p:spPr>
+          <a:xfrm>
+            <a:off x="1021294" y="3808909"/>
+            <a:ext cx="10149410" cy="1384995"/>
+          </a:xfrm>
+          <a:prstGeom prst="rect">
+            <a:avLst/>
+          </a:prstGeom>
+          <a:noFill/>
+        </p:spPr>
+        <p:txBody>
+          <a:bodyPr wrap="square" rtlCol="0">
+            <a:spAutoFit/>
+          </a:bodyPr>
+          <a:lstStyle/>
+          <a:p>
+            <a:pPr algn="ctr"/>
+            <a:r>
+              <a:rPr kumimoji="1" lang="en-US" altLang="ko-KR" sz="2800" b="1" dirty="0">
+                <a:latin typeface="D2Coding" panose="020B0609020101020101" pitchFamily="49" charset="-127"/>
+                <a:ea typeface="D2Coding" panose="020B0609020101020101" pitchFamily="49" charset="-127"/>
+              </a:rPr>
+              <a:t>Day 56</a:t>
+            </a:r>
+          </a:p>
+          <a:p>
+            <a:pPr algn="ctr"/>
+            <a:r>
+              <a:rPr kumimoji="1" lang="en-US" altLang="ko-KR" sz="2800" b="1" dirty="0">
+                <a:latin typeface="D2Coding" panose="020B0609020101020101" pitchFamily="49" charset="-127"/>
+                <a:ea typeface="D2Coding" panose="020B0609020101020101" pitchFamily="49" charset="-127"/>
+              </a:rPr>
+              <a:t>Java</a:t>
+            </a:r>
+            <a:r>
+              <a:rPr kumimoji="1" lang="ko-KR" altLang="en-US" sz="2800" b="1" dirty="0">
+                <a:latin typeface="D2Coding" panose="020B0609020101020101" pitchFamily="49" charset="-127"/>
+                <a:ea typeface="D2Coding" panose="020B0609020101020101" pitchFamily="49" charset="-127"/>
+              </a:rPr>
+              <a:t>프로그래밍 기초</a:t>
+            </a:r>
+            <a:endParaRPr kumimoji="1" lang="en-US" altLang="ko-KR" sz="2800" b="1" dirty="0">
+              <a:latin typeface="D2Coding" panose="020B0609020101020101" pitchFamily="49" charset="-127"/>
+              <a:ea typeface="D2Coding" panose="020B0609020101020101" pitchFamily="49" charset="-127"/>
+            </a:endParaRPr>
+          </a:p>
+          <a:p>
+            <a:pPr algn="ctr"/>
+            <a:r>
+              <a:rPr kumimoji="1" lang="en-US" altLang="ko-KR" sz="2800" b="1" dirty="0">
+                <a:latin typeface="D2Coding" panose="020B0609020101020101" pitchFamily="49" charset="-127"/>
+                <a:ea typeface="D2Coding" panose="020B0609020101020101" pitchFamily="49" charset="-127"/>
+              </a:rPr>
+              <a:t>JDBC – </a:t>
+            </a:r>
+            <a:r>
+              <a:rPr kumimoji="1" lang="ko-KR" altLang="en-US" sz="2800" b="1" dirty="0">
+                <a:latin typeface="D2Coding" panose="020B0609020101020101" pitchFamily="49" charset="-127"/>
+                <a:ea typeface="D2Coding" panose="020B0609020101020101" pitchFamily="49" charset="-127"/>
+              </a:rPr>
+              <a:t>라이브러리 설치 및 등록</a:t>
+            </a:r>
+          </a:p>
+        </p:txBody>
+      </p:sp>
+      <p:grpSp>
+        <p:nvGrpSpPr>
+          <p:cNvPr id="3" name="그룹 2">
+            <a:extLst>
+              <a:ext uri="{FF2B5EF4-FFF2-40B4-BE49-F238E27FC236}">
+                <a16:creationId xmlns:a16="http://schemas.microsoft.com/office/drawing/2014/main" id="{B607ECB8-F0F5-C803-07EF-A95A215F2699}"/>
+              </a:ext>
+            </a:extLst>
+          </p:cNvPr>
+          <p:cNvGrpSpPr/>
+          <p:nvPr/>
+        </p:nvGrpSpPr>
+        <p:grpSpPr>
+          <a:xfrm>
+            <a:off x="0" y="0"/>
+            <a:ext cx="12192000" cy="6858000"/>
+            <a:chOff x="1143000" y="1238490"/>
+            <a:chExt cx="7772400" cy="3777325"/>
+          </a:xfrm>
+        </p:grpSpPr>
+        <p:pic>
+          <p:nvPicPr>
+            <p:cNvPr id="4" name="그림 3" descr="폰트, 로고, 그래픽, 화이트이(가) 표시된 사진&#10;&#10;자동 생성된 설명">
+              <a:extLst>
+                <a:ext uri="{FF2B5EF4-FFF2-40B4-BE49-F238E27FC236}">
+                  <a16:creationId xmlns:a16="http://schemas.microsoft.com/office/drawing/2014/main" id="{9ACD4CE8-06A9-FAC6-4BBE-B28B603C6AE5}"/>
+                </a:ext>
+              </a:extLst>
+            </p:cNvPr>
+            <p:cNvPicPr>
+              <a:picLocks noChangeAspect="1"/>
+            </p:cNvPicPr>
+            <p:nvPr/>
+          </p:nvPicPr>
+          <p:blipFill>
+            <a:blip r:embed="rId2"/>
+            <a:srcRect t="13650"/>
+            <a:stretch/>
+          </p:blipFill>
+          <p:spPr>
+            <a:xfrm>
+              <a:off x="1143000" y="1238490"/>
+              <a:ext cx="7772400" cy="3777325"/>
+            </a:xfrm>
+            <a:prstGeom prst="rect">
+              <a:avLst/>
+            </a:prstGeom>
+          </p:spPr>
+        </p:pic>
+        <p:sp>
+          <p:nvSpPr>
+            <p:cNvPr id="8" name="TextBox 7">
+              <a:extLst>
+                <a:ext uri="{FF2B5EF4-FFF2-40B4-BE49-F238E27FC236}">
+                  <a16:creationId xmlns:a16="http://schemas.microsoft.com/office/drawing/2014/main" id="{84F6C2FD-3F73-7127-314C-F02C1D4D3BDB}"/>
+                </a:ext>
+              </a:extLst>
+            </p:cNvPr>
+            <p:cNvSpPr txBox="1"/>
+            <p:nvPr/>
+          </p:nvSpPr>
+          <p:spPr>
+            <a:xfrm>
+              <a:off x="1474792" y="3336403"/>
+              <a:ext cx="7108815" cy="796747"/>
+            </a:xfrm>
+            <a:prstGeom prst="rect">
+              <a:avLst/>
+            </a:prstGeom>
+            <a:noFill/>
+          </p:spPr>
+          <p:txBody>
+            <a:bodyPr wrap="square" rtlCol="0">
+              <a:spAutoFit/>
+            </a:bodyPr>
+            <a:lstStyle/>
+            <a:p>
+              <a:pPr algn="ctr"/>
+              <a:r>
+                <a:rPr kumimoji="1" lang="en-US" altLang="ko-KR" sz="4400" b="1" dirty="0">
+                  <a:latin typeface="D2Coding" panose="020B0609020101020101" pitchFamily="49" charset="-127"/>
+                  <a:ea typeface="D2Coding" panose="020B0609020101020101" pitchFamily="49" charset="-127"/>
+                </a:rPr>
+                <a:t>Day 85</a:t>
+              </a:r>
+            </a:p>
+            <a:p>
+              <a:pPr algn="ctr"/>
+              <a:r>
+                <a:rPr kumimoji="1" lang="ko-KR" altLang="en-US" sz="4400" b="1" dirty="0">
+                  <a:latin typeface="D2Coding" panose="020B0609020101020101" pitchFamily="49" charset="-127"/>
+                  <a:ea typeface="D2Coding" panose="020B0609020101020101" pitchFamily="49" charset="-127"/>
+                </a:rPr>
+                <a:t>실습프로젝트</a:t>
+              </a:r>
+              <a:r>
+                <a:rPr kumimoji="1" lang="en-US" altLang="ko-KR" sz="4400" b="1" dirty="0">
+                  <a:latin typeface="D2Coding" panose="020B0609020101020101" pitchFamily="49" charset="-127"/>
+                  <a:ea typeface="D2Coding" panose="020B0609020101020101" pitchFamily="49" charset="-127"/>
+                </a:rPr>
+                <a:t>(NCP)</a:t>
+              </a:r>
+              <a:endParaRPr kumimoji="1" lang="en" altLang="ko-KR" sz="4400" b="1" dirty="0">
+                <a:latin typeface="D2Coding" panose="020B0609020101020101" pitchFamily="49" charset="-127"/>
+                <a:ea typeface="D2Coding" panose="020B0609020101020101" pitchFamily="49" charset="-127"/>
+              </a:endParaRPr>
+            </a:p>
+          </p:txBody>
+        </p:sp>
+      </p:grpSp>
+    </p:spTree>
+    <p:extLst>
+      <p:ext uri="{BB962C8B-B14F-4D97-AF65-F5344CB8AC3E}">
+        <p14:creationId xmlns:p14="http://schemas.microsoft.com/office/powerpoint/2010/main" val="1445720647"/>
+      </p:ext>
+    </p:extLst>
+  </p:cSld>
+  <p:clrMapOvr>
+    <a:masterClrMapping/>
+  </p:clrMapOvr>
+</p:sld>
+</file>
+
+<file path=ppt/slides/slide12.xml><?xml version="1.0" encoding="utf-8"?>
+<p:sld xmlns:a="http://schemas.openxmlformats.org/drawingml/2006/main" xmlns:r="http://schemas.openxmlformats.org/officeDocument/2006/relationships" xmlns:p="http://schemas.openxmlformats.org/presentationml/2006/main">
+  <p:cSld>
+    <p:spTree>
+      <p:nvGrpSpPr>
+        <p:cNvPr id="1" name="">
+          <a:extLst>
+            <a:ext uri="{FF2B5EF4-FFF2-40B4-BE49-F238E27FC236}">
+              <a16:creationId xmlns:a16="http://schemas.microsoft.com/office/drawing/2014/main" id="{10A83EA2-5897-9224-8E15-01A2EE8ABA96}"/>
+            </a:ext>
+          </a:extLst>
+        </p:cNvPr>
+        <p:cNvGrpSpPr/>
+        <p:nvPr/>
+      </p:nvGrpSpPr>
+      <p:grpSpPr>
+        <a:xfrm>
+          <a:off x="0" y="0"/>
+          <a:ext cx="0" cy="0"/>
+          <a:chOff x="0" y="0"/>
+          <a:chExt cx="0" cy="0"/>
+        </a:xfrm>
+      </p:grpSpPr>
+      <p:sp>
+        <p:nvSpPr>
+          <p:cNvPr id="6" name="TextBox 5">
+            <a:extLst>
+              <a:ext uri="{FF2B5EF4-FFF2-40B4-BE49-F238E27FC236}">
+                <a16:creationId xmlns:a16="http://schemas.microsoft.com/office/drawing/2014/main" id="{C4EB2250-F6AA-44C1-A0C7-0839532469E9}"/>
+              </a:ext>
+            </a:extLst>
+          </p:cNvPr>
+          <p:cNvSpPr txBox="1"/>
+          <p:nvPr/>
+        </p:nvSpPr>
+        <p:spPr>
+          <a:xfrm>
+            <a:off x="1021294" y="3808909"/>
+            <a:ext cx="10149410" cy="1384995"/>
+          </a:xfrm>
+          <a:prstGeom prst="rect">
+            <a:avLst/>
+          </a:prstGeom>
+          <a:noFill/>
+        </p:spPr>
+        <p:txBody>
+          <a:bodyPr wrap="square" rtlCol="0">
+            <a:spAutoFit/>
+          </a:bodyPr>
+          <a:lstStyle/>
+          <a:p>
+            <a:pPr algn="ctr"/>
+            <a:r>
+              <a:rPr kumimoji="1" lang="en-US" altLang="ko-KR" sz="2800" b="1" dirty="0">
+                <a:latin typeface="D2Coding" panose="020B0609020101020101" pitchFamily="49" charset="-127"/>
+                <a:ea typeface="D2Coding" panose="020B0609020101020101" pitchFamily="49" charset="-127"/>
+              </a:rPr>
+              <a:t>Day 56</a:t>
+            </a:r>
+          </a:p>
+          <a:p>
+            <a:pPr algn="ctr"/>
+            <a:r>
+              <a:rPr kumimoji="1" lang="en-US" altLang="ko-KR" sz="2800" b="1" dirty="0">
+                <a:latin typeface="D2Coding" panose="020B0609020101020101" pitchFamily="49" charset="-127"/>
+                <a:ea typeface="D2Coding" panose="020B0609020101020101" pitchFamily="49" charset="-127"/>
+              </a:rPr>
+              <a:t>Java</a:t>
+            </a:r>
+            <a:r>
+              <a:rPr kumimoji="1" lang="ko-KR" altLang="en-US" sz="2800" b="1" dirty="0">
+                <a:latin typeface="D2Coding" panose="020B0609020101020101" pitchFamily="49" charset="-127"/>
+                <a:ea typeface="D2Coding" panose="020B0609020101020101" pitchFamily="49" charset="-127"/>
+              </a:rPr>
+              <a:t>프로그래밍 기초</a:t>
+            </a:r>
+            <a:endParaRPr kumimoji="1" lang="en-US" altLang="ko-KR" sz="2800" b="1" dirty="0">
+              <a:latin typeface="D2Coding" panose="020B0609020101020101" pitchFamily="49" charset="-127"/>
+              <a:ea typeface="D2Coding" panose="020B0609020101020101" pitchFamily="49" charset="-127"/>
+            </a:endParaRPr>
+          </a:p>
+          <a:p>
+            <a:pPr algn="ctr"/>
+            <a:r>
+              <a:rPr kumimoji="1" lang="en-US" altLang="ko-KR" sz="2800" b="1" dirty="0">
+                <a:latin typeface="D2Coding" panose="020B0609020101020101" pitchFamily="49" charset="-127"/>
+                <a:ea typeface="D2Coding" panose="020B0609020101020101" pitchFamily="49" charset="-127"/>
+              </a:rPr>
+              <a:t>JDBC – </a:t>
+            </a:r>
+            <a:r>
+              <a:rPr kumimoji="1" lang="ko-KR" altLang="en-US" sz="2800" b="1" dirty="0">
+                <a:latin typeface="D2Coding" panose="020B0609020101020101" pitchFamily="49" charset="-127"/>
+                <a:ea typeface="D2Coding" panose="020B0609020101020101" pitchFamily="49" charset="-127"/>
+              </a:rPr>
+              <a:t>라이브러리 설치 및 등록</a:t>
+            </a:r>
+          </a:p>
+        </p:txBody>
+      </p:sp>
+      <p:grpSp>
+        <p:nvGrpSpPr>
+          <p:cNvPr id="3" name="그룹 2">
+            <a:extLst>
+              <a:ext uri="{FF2B5EF4-FFF2-40B4-BE49-F238E27FC236}">
+                <a16:creationId xmlns:a16="http://schemas.microsoft.com/office/drawing/2014/main" id="{A71353F2-BBF3-F3D3-3E73-659337F42268}"/>
+              </a:ext>
+            </a:extLst>
+          </p:cNvPr>
+          <p:cNvGrpSpPr/>
+          <p:nvPr/>
+        </p:nvGrpSpPr>
+        <p:grpSpPr>
+          <a:xfrm>
+            <a:off x="0" y="0"/>
+            <a:ext cx="12192000" cy="6858000"/>
+            <a:chOff x="1143000" y="1238490"/>
+            <a:chExt cx="7772400" cy="3777325"/>
+          </a:xfrm>
+        </p:grpSpPr>
+        <p:pic>
+          <p:nvPicPr>
+            <p:cNvPr id="4" name="그림 3" descr="폰트, 로고, 그래픽, 화이트이(가) 표시된 사진&#10;&#10;자동 생성된 설명">
+              <a:extLst>
+                <a:ext uri="{FF2B5EF4-FFF2-40B4-BE49-F238E27FC236}">
+                  <a16:creationId xmlns:a16="http://schemas.microsoft.com/office/drawing/2014/main" id="{E8539662-6CC0-57C5-DCEB-58D4820C2E12}"/>
+                </a:ext>
+              </a:extLst>
+            </p:cNvPr>
+            <p:cNvPicPr>
+              <a:picLocks noChangeAspect="1"/>
+            </p:cNvPicPr>
+            <p:nvPr/>
+          </p:nvPicPr>
+          <p:blipFill>
+            <a:blip r:embed="rId2"/>
+            <a:srcRect t="13650"/>
+            <a:stretch/>
+          </p:blipFill>
+          <p:spPr>
+            <a:xfrm>
+              <a:off x="1143000" y="1238490"/>
+              <a:ext cx="7772400" cy="3777325"/>
+            </a:xfrm>
+            <a:prstGeom prst="rect">
+              <a:avLst/>
+            </a:prstGeom>
+          </p:spPr>
+        </p:pic>
+        <p:sp>
+          <p:nvSpPr>
+            <p:cNvPr id="8" name="TextBox 7">
+              <a:extLst>
+                <a:ext uri="{FF2B5EF4-FFF2-40B4-BE49-F238E27FC236}">
+                  <a16:creationId xmlns:a16="http://schemas.microsoft.com/office/drawing/2014/main" id="{E70611A9-31CF-0537-8FF6-ADEA69359788}"/>
+                </a:ext>
+              </a:extLst>
+            </p:cNvPr>
+            <p:cNvSpPr txBox="1"/>
+            <p:nvPr/>
+          </p:nvSpPr>
+          <p:spPr>
+            <a:xfrm>
+              <a:off x="1474792" y="3336403"/>
+              <a:ext cx="7108815" cy="796747"/>
+            </a:xfrm>
+            <a:prstGeom prst="rect">
+              <a:avLst/>
+            </a:prstGeom>
+            <a:noFill/>
+          </p:spPr>
+          <p:txBody>
+            <a:bodyPr wrap="square" rtlCol="0">
+              <a:spAutoFit/>
+            </a:bodyPr>
+            <a:lstStyle/>
+            <a:p>
+              <a:pPr algn="ctr"/>
+              <a:r>
+                <a:rPr kumimoji="1" lang="en-US" altLang="ko-KR" sz="4400" b="1" dirty="0">
+                  <a:latin typeface="D2Coding" panose="020B0609020101020101" pitchFamily="49" charset="-127"/>
+                  <a:ea typeface="D2Coding" panose="020B0609020101020101" pitchFamily="49" charset="-127"/>
+                </a:rPr>
+                <a:t>Day 86</a:t>
+              </a:r>
+            </a:p>
+            <a:p>
+              <a:pPr algn="ctr"/>
+              <a:r>
+                <a:rPr kumimoji="1" lang="en-US" altLang="ko-KR" sz="4400" b="1" dirty="0">
+                  <a:latin typeface="D2Coding" panose="020B0609020101020101" pitchFamily="49" charset="-127"/>
+                  <a:ea typeface="D2Coding" panose="020B0609020101020101" pitchFamily="49" charset="-127"/>
+                </a:rPr>
+                <a:t>Java</a:t>
+              </a:r>
+              <a:r>
+                <a:rPr kumimoji="1" lang="ko-KR" altLang="en-US" sz="4400" b="1" dirty="0">
+                  <a:latin typeface="D2Coding" panose="020B0609020101020101" pitchFamily="49" charset="-127"/>
+                  <a:ea typeface="D2Coding" panose="020B0609020101020101" pitchFamily="49" charset="-127"/>
+                </a:rPr>
+                <a:t>프로그래밍 기초</a:t>
+              </a:r>
+              <a:r>
+                <a:rPr kumimoji="1" lang="en-US" altLang="ko-KR" sz="4400" b="1" dirty="0">
+                  <a:latin typeface="D2Coding" panose="020B0609020101020101" pitchFamily="49" charset="-127"/>
+                  <a:ea typeface="D2Coding" panose="020B0609020101020101" pitchFamily="49" charset="-127"/>
+                </a:rPr>
+                <a:t>(</a:t>
+              </a:r>
+              <a:r>
+                <a:rPr kumimoji="1" lang="en" altLang="ko-KR" sz="4400" b="1" dirty="0">
+                  <a:latin typeface="D2Coding" panose="020B0609020101020101" pitchFamily="49" charset="-127"/>
+                  <a:ea typeface="D2Coding" panose="020B0609020101020101" pitchFamily="49" charset="-127"/>
+                </a:rPr>
+                <a:t>IoC Container)</a:t>
+              </a:r>
+            </a:p>
+          </p:txBody>
+        </p:sp>
+      </p:grpSp>
+    </p:spTree>
+    <p:extLst>
+      <p:ext uri="{BB962C8B-B14F-4D97-AF65-F5344CB8AC3E}">
+        <p14:creationId xmlns:p14="http://schemas.microsoft.com/office/powerpoint/2010/main" val="970413789"/>
       </p:ext>
     </p:extLst>
   </p:cSld>

--- a/assets/img/posts/ClassThumbnail2.pptx
+++ b/assets/img/posts/ClassThumbnail2.pptx
@@ -17,6 +17,8 @@
     <p:sldId id="346" r:id="rId11"/>
     <p:sldId id="347" r:id="rId12"/>
     <p:sldId id="348" r:id="rId13"/>
+    <p:sldId id="349" r:id="rId14"/>
+    <p:sldId id="350" r:id="rId15"/>
   </p:sldIdLst>
   <p:sldSz cx="12192000" cy="6858000"/>
   <p:notesSz cx="6858000" cy="9144000"/>
@@ -270,7 +272,7 @@
           <a:p>
             <a:fld id="{23D718C7-182E-9E43-B6DC-1727F16BCC9F}" type="datetimeFigureOut">
               <a:rPr kumimoji="1" lang="ko-KR" altLang="en-US" smtClean="0"/>
-              <a:t>2024. 10. 1.</a:t>
+              <a:t>2024. 10. 4.</a:t>
             </a:fld>
             <a:endParaRPr kumimoji="1" lang="ko-KR" altLang="en-US"/>
           </a:p>
@@ -468,7 +470,7 @@
           <a:p>
             <a:fld id="{23D718C7-182E-9E43-B6DC-1727F16BCC9F}" type="datetimeFigureOut">
               <a:rPr kumimoji="1" lang="ko-KR" altLang="en-US" smtClean="0"/>
-              <a:t>2024. 10. 1.</a:t>
+              <a:t>2024. 10. 4.</a:t>
             </a:fld>
             <a:endParaRPr kumimoji="1" lang="ko-KR" altLang="en-US"/>
           </a:p>
@@ -676,7 +678,7 @@
           <a:p>
             <a:fld id="{23D718C7-182E-9E43-B6DC-1727F16BCC9F}" type="datetimeFigureOut">
               <a:rPr kumimoji="1" lang="ko-KR" altLang="en-US" smtClean="0"/>
-              <a:t>2024. 10. 1.</a:t>
+              <a:t>2024. 10. 4.</a:t>
             </a:fld>
             <a:endParaRPr kumimoji="1" lang="ko-KR" altLang="en-US"/>
           </a:p>
@@ -874,7 +876,7 @@
           <a:p>
             <a:fld id="{23D718C7-182E-9E43-B6DC-1727F16BCC9F}" type="datetimeFigureOut">
               <a:rPr kumimoji="1" lang="ko-KR" altLang="en-US" smtClean="0"/>
-              <a:t>2024. 10. 1.</a:t>
+              <a:t>2024. 10. 4.</a:t>
             </a:fld>
             <a:endParaRPr kumimoji="1" lang="ko-KR" altLang="en-US"/>
           </a:p>
@@ -1149,7 +1151,7 @@
           <a:p>
             <a:fld id="{23D718C7-182E-9E43-B6DC-1727F16BCC9F}" type="datetimeFigureOut">
               <a:rPr kumimoji="1" lang="ko-KR" altLang="en-US" smtClean="0"/>
-              <a:t>2024. 10. 1.</a:t>
+              <a:t>2024. 10. 4.</a:t>
             </a:fld>
             <a:endParaRPr kumimoji="1" lang="ko-KR" altLang="en-US"/>
           </a:p>
@@ -1414,7 +1416,7 @@
           <a:p>
             <a:fld id="{23D718C7-182E-9E43-B6DC-1727F16BCC9F}" type="datetimeFigureOut">
               <a:rPr kumimoji="1" lang="ko-KR" altLang="en-US" smtClean="0"/>
-              <a:t>2024. 10. 1.</a:t>
+              <a:t>2024. 10. 4.</a:t>
             </a:fld>
             <a:endParaRPr kumimoji="1" lang="ko-KR" altLang="en-US"/>
           </a:p>
@@ -1826,7 +1828,7 @@
           <a:p>
             <a:fld id="{23D718C7-182E-9E43-B6DC-1727F16BCC9F}" type="datetimeFigureOut">
               <a:rPr kumimoji="1" lang="ko-KR" altLang="en-US" smtClean="0"/>
-              <a:t>2024. 10. 1.</a:t>
+              <a:t>2024. 10. 4.</a:t>
             </a:fld>
             <a:endParaRPr kumimoji="1" lang="ko-KR" altLang="en-US"/>
           </a:p>
@@ -1967,7 +1969,7 @@
           <a:p>
             <a:fld id="{23D718C7-182E-9E43-B6DC-1727F16BCC9F}" type="datetimeFigureOut">
               <a:rPr kumimoji="1" lang="ko-KR" altLang="en-US" smtClean="0"/>
-              <a:t>2024. 10. 1.</a:t>
+              <a:t>2024. 10. 4.</a:t>
             </a:fld>
             <a:endParaRPr kumimoji="1" lang="ko-KR" altLang="en-US"/>
           </a:p>
@@ -2080,7 +2082,7 @@
           <a:p>
             <a:fld id="{23D718C7-182E-9E43-B6DC-1727F16BCC9F}" type="datetimeFigureOut">
               <a:rPr kumimoji="1" lang="ko-KR" altLang="en-US" smtClean="0"/>
-              <a:t>2024. 10. 1.</a:t>
+              <a:t>2024. 10. 4.</a:t>
             </a:fld>
             <a:endParaRPr kumimoji="1" lang="ko-KR" altLang="en-US"/>
           </a:p>
@@ -2391,7 +2393,7 @@
           <a:p>
             <a:fld id="{23D718C7-182E-9E43-B6DC-1727F16BCC9F}" type="datetimeFigureOut">
               <a:rPr kumimoji="1" lang="ko-KR" altLang="en-US" smtClean="0"/>
-              <a:t>2024. 10. 1.</a:t>
+              <a:t>2024. 10. 4.</a:t>
             </a:fld>
             <a:endParaRPr kumimoji="1" lang="ko-KR" altLang="en-US"/>
           </a:p>
@@ -2679,7 +2681,7 @@
           <a:p>
             <a:fld id="{23D718C7-182E-9E43-B6DC-1727F16BCC9F}" type="datetimeFigureOut">
               <a:rPr kumimoji="1" lang="ko-KR" altLang="en-US" smtClean="0"/>
-              <a:t>2024. 10. 1.</a:t>
+              <a:t>2024. 10. 4.</a:t>
             </a:fld>
             <a:endParaRPr kumimoji="1" lang="ko-KR" altLang="en-US"/>
           </a:p>
@@ -2920,7 +2922,7 @@
           <a:p>
             <a:fld id="{23D718C7-182E-9E43-B6DC-1727F16BCC9F}" type="datetimeFigureOut">
               <a:rPr kumimoji="1" lang="ko-KR" altLang="en-US" smtClean="0"/>
-              <a:t>2024. 10. 1.</a:t>
+              <a:t>2024. 10. 4.</a:t>
             </a:fld>
             <a:endParaRPr kumimoji="1" lang="ko-KR" altLang="en-US"/>
           </a:p>
@@ -4217,6 +4219,472 @@
     <p:extLst>
       <p:ext uri="{BB962C8B-B14F-4D97-AF65-F5344CB8AC3E}">
         <p14:creationId xmlns:p14="http://schemas.microsoft.com/office/powerpoint/2010/main" val="970413789"/>
+      </p:ext>
+    </p:extLst>
+  </p:cSld>
+  <p:clrMapOvr>
+    <a:masterClrMapping/>
+  </p:clrMapOvr>
+</p:sld>
+</file>
+
+<file path=ppt/slides/slide13.xml><?xml version="1.0" encoding="utf-8"?>
+<p:sld xmlns:a="http://schemas.openxmlformats.org/drawingml/2006/main" xmlns:r="http://schemas.openxmlformats.org/officeDocument/2006/relationships" xmlns:p="http://schemas.openxmlformats.org/presentationml/2006/main">
+  <p:cSld>
+    <p:spTree>
+      <p:nvGrpSpPr>
+        <p:cNvPr id="1" name="">
+          <a:extLst>
+            <a:ext uri="{FF2B5EF4-FFF2-40B4-BE49-F238E27FC236}">
+              <a16:creationId xmlns:a16="http://schemas.microsoft.com/office/drawing/2014/main" id="{87FA3E46-57C6-057B-84C9-DA0FF1836F4B}"/>
+            </a:ext>
+          </a:extLst>
+        </p:cNvPr>
+        <p:cNvGrpSpPr/>
+        <p:nvPr/>
+      </p:nvGrpSpPr>
+      <p:grpSpPr>
+        <a:xfrm>
+          <a:off x="0" y="0"/>
+          <a:ext cx="0" cy="0"/>
+          <a:chOff x="0" y="0"/>
+          <a:chExt cx="0" cy="0"/>
+        </a:xfrm>
+      </p:grpSpPr>
+      <p:sp>
+        <p:nvSpPr>
+          <p:cNvPr id="6" name="TextBox 5">
+            <a:extLst>
+              <a:ext uri="{FF2B5EF4-FFF2-40B4-BE49-F238E27FC236}">
+                <a16:creationId xmlns:a16="http://schemas.microsoft.com/office/drawing/2014/main" id="{0DC90B9F-AE53-48CD-A25C-90F047E8E1E7}"/>
+              </a:ext>
+            </a:extLst>
+          </p:cNvPr>
+          <p:cNvSpPr txBox="1"/>
+          <p:nvPr/>
+        </p:nvSpPr>
+        <p:spPr>
+          <a:xfrm>
+            <a:off x="1021294" y="3808909"/>
+            <a:ext cx="10149410" cy="1384995"/>
+          </a:xfrm>
+          <a:prstGeom prst="rect">
+            <a:avLst/>
+          </a:prstGeom>
+          <a:noFill/>
+        </p:spPr>
+        <p:txBody>
+          <a:bodyPr wrap="square" rtlCol="0">
+            <a:spAutoFit/>
+          </a:bodyPr>
+          <a:lstStyle/>
+          <a:p>
+            <a:pPr algn="ctr"/>
+            <a:r>
+              <a:rPr kumimoji="1" lang="en-US" altLang="ko-KR" sz="2800" b="1" dirty="0">
+                <a:latin typeface="D2Coding" panose="020B0609020101020101" pitchFamily="49" charset="-127"/>
+                <a:ea typeface="D2Coding" panose="020B0609020101020101" pitchFamily="49" charset="-127"/>
+              </a:rPr>
+              <a:t>Day 56</a:t>
+            </a:r>
+          </a:p>
+          <a:p>
+            <a:pPr algn="ctr"/>
+            <a:r>
+              <a:rPr kumimoji="1" lang="en-US" altLang="ko-KR" sz="2800" b="1" dirty="0">
+                <a:latin typeface="D2Coding" panose="020B0609020101020101" pitchFamily="49" charset="-127"/>
+                <a:ea typeface="D2Coding" panose="020B0609020101020101" pitchFamily="49" charset="-127"/>
+              </a:rPr>
+              <a:t>Java</a:t>
+            </a:r>
+            <a:r>
+              <a:rPr kumimoji="1" lang="ko-KR" altLang="en-US" sz="2800" b="1" dirty="0">
+                <a:latin typeface="D2Coding" panose="020B0609020101020101" pitchFamily="49" charset="-127"/>
+                <a:ea typeface="D2Coding" panose="020B0609020101020101" pitchFamily="49" charset="-127"/>
+              </a:rPr>
+              <a:t>프로그래밍 기초</a:t>
+            </a:r>
+            <a:endParaRPr kumimoji="1" lang="en-US" altLang="ko-KR" sz="2800" b="1" dirty="0">
+              <a:latin typeface="D2Coding" panose="020B0609020101020101" pitchFamily="49" charset="-127"/>
+              <a:ea typeface="D2Coding" panose="020B0609020101020101" pitchFamily="49" charset="-127"/>
+            </a:endParaRPr>
+          </a:p>
+          <a:p>
+            <a:pPr algn="ctr"/>
+            <a:r>
+              <a:rPr kumimoji="1" lang="en-US" altLang="ko-KR" sz="2800" b="1" dirty="0">
+                <a:latin typeface="D2Coding" panose="020B0609020101020101" pitchFamily="49" charset="-127"/>
+                <a:ea typeface="D2Coding" panose="020B0609020101020101" pitchFamily="49" charset="-127"/>
+              </a:rPr>
+              <a:t>JDBC – </a:t>
+            </a:r>
+            <a:r>
+              <a:rPr kumimoji="1" lang="ko-KR" altLang="en-US" sz="2800" b="1" dirty="0">
+                <a:latin typeface="D2Coding" panose="020B0609020101020101" pitchFamily="49" charset="-127"/>
+                <a:ea typeface="D2Coding" panose="020B0609020101020101" pitchFamily="49" charset="-127"/>
+              </a:rPr>
+              <a:t>라이브러리 설치 및 등록</a:t>
+            </a:r>
+          </a:p>
+        </p:txBody>
+      </p:sp>
+      <p:grpSp>
+        <p:nvGrpSpPr>
+          <p:cNvPr id="3" name="그룹 2">
+            <a:extLst>
+              <a:ext uri="{FF2B5EF4-FFF2-40B4-BE49-F238E27FC236}">
+                <a16:creationId xmlns:a16="http://schemas.microsoft.com/office/drawing/2014/main" id="{3493B4D5-4C27-6F42-C69A-125F065A8C67}"/>
+              </a:ext>
+            </a:extLst>
+          </p:cNvPr>
+          <p:cNvGrpSpPr/>
+          <p:nvPr/>
+        </p:nvGrpSpPr>
+        <p:grpSpPr>
+          <a:xfrm>
+            <a:off x="0" y="0"/>
+            <a:ext cx="12192000" cy="6858000"/>
+            <a:chOff x="1143000" y="1238490"/>
+            <a:chExt cx="7772400" cy="3777325"/>
+          </a:xfrm>
+        </p:grpSpPr>
+        <p:pic>
+          <p:nvPicPr>
+            <p:cNvPr id="4" name="그림 3" descr="폰트, 로고, 그래픽, 화이트이(가) 표시된 사진&#10;&#10;자동 생성된 설명">
+              <a:extLst>
+                <a:ext uri="{FF2B5EF4-FFF2-40B4-BE49-F238E27FC236}">
+                  <a16:creationId xmlns:a16="http://schemas.microsoft.com/office/drawing/2014/main" id="{2F543B20-2CCB-0039-33E0-2D2C288F8A0F}"/>
+                </a:ext>
+              </a:extLst>
+            </p:cNvPr>
+            <p:cNvPicPr>
+              <a:picLocks noChangeAspect="1"/>
+            </p:cNvPicPr>
+            <p:nvPr/>
+          </p:nvPicPr>
+          <p:blipFill>
+            <a:blip r:embed="rId2"/>
+            <a:srcRect t="13650"/>
+            <a:stretch/>
+          </p:blipFill>
+          <p:spPr>
+            <a:xfrm>
+              <a:off x="1143000" y="1238490"/>
+              <a:ext cx="7772400" cy="3777325"/>
+            </a:xfrm>
+            <a:prstGeom prst="rect">
+              <a:avLst/>
+            </a:prstGeom>
+          </p:spPr>
+        </p:pic>
+        <p:sp>
+          <p:nvSpPr>
+            <p:cNvPr id="8" name="TextBox 7">
+              <a:extLst>
+                <a:ext uri="{FF2B5EF4-FFF2-40B4-BE49-F238E27FC236}">
+                  <a16:creationId xmlns:a16="http://schemas.microsoft.com/office/drawing/2014/main" id="{A18C3B0D-4651-D4FE-2038-3A1662ED3047}"/>
+                </a:ext>
+              </a:extLst>
+            </p:cNvPr>
+            <p:cNvSpPr txBox="1"/>
+            <p:nvPr/>
+          </p:nvSpPr>
+          <p:spPr>
+            <a:xfrm>
+              <a:off x="1474792" y="3336403"/>
+              <a:ext cx="7108815" cy="796747"/>
+            </a:xfrm>
+            <a:prstGeom prst="rect">
+              <a:avLst/>
+            </a:prstGeom>
+            <a:noFill/>
+          </p:spPr>
+          <p:txBody>
+            <a:bodyPr wrap="square" rtlCol="0">
+              <a:spAutoFit/>
+            </a:bodyPr>
+            <a:lstStyle/>
+            <a:p>
+              <a:pPr algn="ctr"/>
+              <a:r>
+                <a:rPr kumimoji="1" lang="en-US" altLang="ko-KR" sz="4400" b="1" dirty="0">
+                  <a:latin typeface="D2Coding" panose="020B0609020101020101" pitchFamily="49" charset="-127"/>
+                  <a:ea typeface="D2Coding" panose="020B0609020101020101" pitchFamily="49" charset="-127"/>
+                </a:rPr>
+                <a:t>Day 87</a:t>
+              </a:r>
+            </a:p>
+            <a:p>
+              <a:pPr algn="ctr"/>
+              <a:r>
+                <a:rPr kumimoji="1" lang="en-US" altLang="ko-KR" sz="4400" b="1" dirty="0">
+                  <a:latin typeface="D2Coding" panose="020B0609020101020101" pitchFamily="49" charset="-127"/>
+                  <a:ea typeface="D2Coding" panose="020B0609020101020101" pitchFamily="49" charset="-127"/>
+                </a:rPr>
+                <a:t>Java</a:t>
+              </a:r>
+              <a:r>
+                <a:rPr kumimoji="1" lang="ko-KR" altLang="en-US" sz="4400" b="1" dirty="0">
+                  <a:latin typeface="D2Coding" panose="020B0609020101020101" pitchFamily="49" charset="-127"/>
+                  <a:ea typeface="D2Coding" panose="020B0609020101020101" pitchFamily="49" charset="-127"/>
+                </a:rPr>
+                <a:t>프로그래밍 기초</a:t>
+              </a:r>
+              <a:r>
+                <a:rPr kumimoji="1" lang="en-US" altLang="ko-KR" sz="4400" b="1" dirty="0">
+                  <a:latin typeface="D2Coding" panose="020B0609020101020101" pitchFamily="49" charset="-127"/>
+                  <a:ea typeface="D2Coding" panose="020B0609020101020101" pitchFamily="49" charset="-127"/>
+                </a:rPr>
+                <a:t>(</a:t>
+              </a:r>
+              <a:r>
+                <a:rPr kumimoji="1" lang="en" altLang="ko-KR" sz="4400" b="1" dirty="0">
+                  <a:latin typeface="D2Coding" panose="020B0609020101020101" pitchFamily="49" charset="-127"/>
+                  <a:ea typeface="D2Coding" panose="020B0609020101020101" pitchFamily="49" charset="-127"/>
+                </a:rPr>
+                <a:t>IoC Container)</a:t>
+              </a:r>
+            </a:p>
+          </p:txBody>
+        </p:sp>
+      </p:grpSp>
+    </p:spTree>
+    <p:extLst>
+      <p:ext uri="{BB962C8B-B14F-4D97-AF65-F5344CB8AC3E}">
+        <p14:creationId xmlns:p14="http://schemas.microsoft.com/office/powerpoint/2010/main" val="4245292851"/>
+      </p:ext>
+    </p:extLst>
+  </p:cSld>
+  <p:clrMapOvr>
+    <a:masterClrMapping/>
+  </p:clrMapOvr>
+</p:sld>
+</file>
+
+<file path=ppt/slides/slide14.xml><?xml version="1.0" encoding="utf-8"?>
+<p:sld xmlns:a="http://schemas.openxmlformats.org/drawingml/2006/main" xmlns:r="http://schemas.openxmlformats.org/officeDocument/2006/relationships" xmlns:p="http://schemas.openxmlformats.org/presentationml/2006/main">
+  <p:cSld>
+    <p:spTree>
+      <p:nvGrpSpPr>
+        <p:cNvPr id="1" name="">
+          <a:extLst>
+            <a:ext uri="{FF2B5EF4-FFF2-40B4-BE49-F238E27FC236}">
+              <a16:creationId xmlns:a16="http://schemas.microsoft.com/office/drawing/2014/main" id="{CAA6E955-609B-5FA8-3FF8-3EEE42CC40E5}"/>
+            </a:ext>
+          </a:extLst>
+        </p:cNvPr>
+        <p:cNvGrpSpPr/>
+        <p:nvPr/>
+      </p:nvGrpSpPr>
+      <p:grpSpPr>
+        <a:xfrm>
+          <a:off x="0" y="0"/>
+          <a:ext cx="0" cy="0"/>
+          <a:chOff x="0" y="0"/>
+          <a:chExt cx="0" cy="0"/>
+        </a:xfrm>
+      </p:grpSpPr>
+      <p:sp>
+        <p:nvSpPr>
+          <p:cNvPr id="6" name="TextBox 5">
+            <a:extLst>
+              <a:ext uri="{FF2B5EF4-FFF2-40B4-BE49-F238E27FC236}">
+                <a16:creationId xmlns:a16="http://schemas.microsoft.com/office/drawing/2014/main" id="{91E357F5-0E88-8735-C21A-16B62A331172}"/>
+              </a:ext>
+            </a:extLst>
+          </p:cNvPr>
+          <p:cNvSpPr txBox="1"/>
+          <p:nvPr/>
+        </p:nvSpPr>
+        <p:spPr>
+          <a:xfrm>
+            <a:off x="1021294" y="3808909"/>
+            <a:ext cx="10149410" cy="1384995"/>
+          </a:xfrm>
+          <a:prstGeom prst="rect">
+            <a:avLst/>
+          </a:prstGeom>
+          <a:noFill/>
+        </p:spPr>
+        <p:txBody>
+          <a:bodyPr wrap="square" rtlCol="0">
+            <a:spAutoFit/>
+          </a:bodyPr>
+          <a:lstStyle/>
+          <a:p>
+            <a:pPr algn="ctr"/>
+            <a:r>
+              <a:rPr kumimoji="1" lang="en-US" altLang="ko-KR" sz="2800" b="1" dirty="0">
+                <a:latin typeface="D2Coding" panose="020B0609020101020101" pitchFamily="49" charset="-127"/>
+                <a:ea typeface="D2Coding" panose="020B0609020101020101" pitchFamily="49" charset="-127"/>
+              </a:rPr>
+              <a:t>Day 56</a:t>
+            </a:r>
+          </a:p>
+          <a:p>
+            <a:pPr algn="ctr"/>
+            <a:r>
+              <a:rPr kumimoji="1" lang="en-US" altLang="ko-KR" sz="2800" b="1" dirty="0">
+                <a:latin typeface="D2Coding" panose="020B0609020101020101" pitchFamily="49" charset="-127"/>
+                <a:ea typeface="D2Coding" panose="020B0609020101020101" pitchFamily="49" charset="-127"/>
+              </a:rPr>
+              <a:t>Java</a:t>
+            </a:r>
+            <a:r>
+              <a:rPr kumimoji="1" lang="ko-KR" altLang="en-US" sz="2800" b="1" dirty="0">
+                <a:latin typeface="D2Coding" panose="020B0609020101020101" pitchFamily="49" charset="-127"/>
+                <a:ea typeface="D2Coding" panose="020B0609020101020101" pitchFamily="49" charset="-127"/>
+              </a:rPr>
+              <a:t>프로그래밍 기초</a:t>
+            </a:r>
+            <a:endParaRPr kumimoji="1" lang="en-US" altLang="ko-KR" sz="2800" b="1" dirty="0">
+              <a:latin typeface="D2Coding" panose="020B0609020101020101" pitchFamily="49" charset="-127"/>
+              <a:ea typeface="D2Coding" panose="020B0609020101020101" pitchFamily="49" charset="-127"/>
+            </a:endParaRPr>
+          </a:p>
+          <a:p>
+            <a:pPr algn="ctr"/>
+            <a:r>
+              <a:rPr kumimoji="1" lang="en-US" altLang="ko-KR" sz="2800" b="1" dirty="0">
+                <a:latin typeface="D2Coding" panose="020B0609020101020101" pitchFamily="49" charset="-127"/>
+                <a:ea typeface="D2Coding" panose="020B0609020101020101" pitchFamily="49" charset="-127"/>
+              </a:rPr>
+              <a:t>JDBC – </a:t>
+            </a:r>
+            <a:r>
+              <a:rPr kumimoji="1" lang="ko-KR" altLang="en-US" sz="2800" b="1" dirty="0">
+                <a:latin typeface="D2Coding" panose="020B0609020101020101" pitchFamily="49" charset="-127"/>
+                <a:ea typeface="D2Coding" panose="020B0609020101020101" pitchFamily="49" charset="-127"/>
+              </a:rPr>
+              <a:t>라이브러리 설치 및 등록</a:t>
+            </a:r>
+          </a:p>
+        </p:txBody>
+      </p:sp>
+      <p:grpSp>
+        <p:nvGrpSpPr>
+          <p:cNvPr id="3" name="그룹 2">
+            <a:extLst>
+              <a:ext uri="{FF2B5EF4-FFF2-40B4-BE49-F238E27FC236}">
+                <a16:creationId xmlns:a16="http://schemas.microsoft.com/office/drawing/2014/main" id="{6D167CF7-52BF-EFE9-A4F7-1295139A07D4}"/>
+              </a:ext>
+            </a:extLst>
+          </p:cNvPr>
+          <p:cNvGrpSpPr/>
+          <p:nvPr/>
+        </p:nvGrpSpPr>
+        <p:grpSpPr>
+          <a:xfrm>
+            <a:off x="0" y="0"/>
+            <a:ext cx="12192000" cy="6858000"/>
+            <a:chOff x="1143000" y="1238490"/>
+            <a:chExt cx="7772400" cy="3777325"/>
+          </a:xfrm>
+        </p:grpSpPr>
+        <p:pic>
+          <p:nvPicPr>
+            <p:cNvPr id="4" name="그림 3" descr="폰트, 로고, 그래픽, 화이트이(가) 표시된 사진&#10;&#10;자동 생성된 설명">
+              <a:extLst>
+                <a:ext uri="{FF2B5EF4-FFF2-40B4-BE49-F238E27FC236}">
+                  <a16:creationId xmlns:a16="http://schemas.microsoft.com/office/drawing/2014/main" id="{1F45A64A-020D-6E6C-47FB-77A07D656DD7}"/>
+                </a:ext>
+              </a:extLst>
+            </p:cNvPr>
+            <p:cNvPicPr>
+              <a:picLocks noChangeAspect="1"/>
+            </p:cNvPicPr>
+            <p:nvPr/>
+          </p:nvPicPr>
+          <p:blipFill>
+            <a:blip r:embed="rId2"/>
+            <a:srcRect t="13650"/>
+            <a:stretch/>
+          </p:blipFill>
+          <p:spPr>
+            <a:xfrm>
+              <a:off x="1143000" y="1238490"/>
+              <a:ext cx="7772400" cy="3777325"/>
+            </a:xfrm>
+            <a:prstGeom prst="rect">
+              <a:avLst/>
+            </a:prstGeom>
+          </p:spPr>
+        </p:pic>
+        <p:sp>
+          <p:nvSpPr>
+            <p:cNvPr id="8" name="TextBox 7">
+              <a:extLst>
+                <a:ext uri="{FF2B5EF4-FFF2-40B4-BE49-F238E27FC236}">
+                  <a16:creationId xmlns:a16="http://schemas.microsoft.com/office/drawing/2014/main" id="{47C8C7BD-BE76-3004-6CDA-07A1145AAC24}"/>
+                </a:ext>
+              </a:extLst>
+            </p:cNvPr>
+            <p:cNvSpPr txBox="1"/>
+            <p:nvPr/>
+          </p:nvSpPr>
+          <p:spPr>
+            <a:xfrm>
+              <a:off x="1474792" y="3336403"/>
+              <a:ext cx="7108815" cy="796747"/>
+            </a:xfrm>
+            <a:prstGeom prst="rect">
+              <a:avLst/>
+            </a:prstGeom>
+            <a:noFill/>
+          </p:spPr>
+          <p:txBody>
+            <a:bodyPr wrap="square" rtlCol="0">
+              <a:spAutoFit/>
+            </a:bodyPr>
+            <a:lstStyle/>
+            <a:p>
+              <a:pPr algn="ctr"/>
+              <a:r>
+                <a:rPr kumimoji="1" lang="en-US" altLang="ko-KR" sz="4400" b="1" dirty="0">
+                  <a:latin typeface="D2Coding" panose="020B0609020101020101" pitchFamily="49" charset="-127"/>
+                  <a:ea typeface="D2Coding" panose="020B0609020101020101" pitchFamily="49" charset="-127"/>
+                </a:rPr>
+                <a:t>Day 88</a:t>
+              </a:r>
+            </a:p>
+            <a:p>
+              <a:pPr algn="ctr"/>
+              <a:r>
+                <a:rPr kumimoji="1" lang="en-US" altLang="ko-KR" sz="4400" b="1" dirty="0">
+                  <a:latin typeface="D2Coding" panose="020B0609020101020101" pitchFamily="49" charset="-127"/>
+                  <a:ea typeface="D2Coding" panose="020B0609020101020101" pitchFamily="49" charset="-127"/>
+                </a:rPr>
+                <a:t>Java</a:t>
+              </a:r>
+              <a:r>
+                <a:rPr kumimoji="1" lang="ko-KR" altLang="en-US" sz="4400" b="1" dirty="0">
+                  <a:latin typeface="D2Coding" panose="020B0609020101020101" pitchFamily="49" charset="-127"/>
+                  <a:ea typeface="D2Coding" panose="020B0609020101020101" pitchFamily="49" charset="-127"/>
+                </a:rPr>
+                <a:t>프로그래밍 기초</a:t>
+              </a:r>
+              <a:r>
+                <a:rPr kumimoji="1" lang="en-US" altLang="ko-KR" sz="4400" b="1" dirty="0">
+                  <a:latin typeface="D2Coding" panose="020B0609020101020101" pitchFamily="49" charset="-127"/>
+                  <a:ea typeface="D2Coding" panose="020B0609020101020101" pitchFamily="49" charset="-127"/>
+                </a:rPr>
+                <a:t>(</a:t>
+              </a:r>
+              <a:r>
+                <a:rPr kumimoji="1" lang="en" altLang="ko-KR" sz="4400" b="1" dirty="0">
+                  <a:latin typeface="D2Coding" panose="020B0609020101020101" pitchFamily="49" charset="-127"/>
+                  <a:ea typeface="D2Coding" panose="020B0609020101020101" pitchFamily="49" charset="-127"/>
+                </a:rPr>
+                <a:t>IoC Container)</a:t>
+              </a:r>
+            </a:p>
+          </p:txBody>
+        </p:sp>
+      </p:grpSp>
+    </p:spTree>
+    <p:extLst>
+      <p:ext uri="{BB962C8B-B14F-4D97-AF65-F5344CB8AC3E}">
+        <p14:creationId xmlns:p14="http://schemas.microsoft.com/office/powerpoint/2010/main" val="3021144397"/>
       </p:ext>
     </p:extLst>
   </p:cSld>

--- a/assets/img/posts/ClassThumbnail2.pptx
+++ b/assets/img/posts/ClassThumbnail2.pptx
@@ -19,6 +19,7 @@
     <p:sldId id="348" r:id="rId13"/>
     <p:sldId id="349" r:id="rId14"/>
     <p:sldId id="350" r:id="rId15"/>
+    <p:sldId id="351" r:id="rId16"/>
   </p:sldIdLst>
   <p:sldSz cx="12192000" cy="6858000"/>
   <p:notesSz cx="6858000" cy="9144000"/>
@@ -272,7 +273,7 @@
           <a:p>
             <a:fld id="{23D718C7-182E-9E43-B6DC-1727F16BCC9F}" type="datetimeFigureOut">
               <a:rPr kumimoji="1" lang="ko-KR" altLang="en-US" smtClean="0"/>
-              <a:t>2024. 10. 4.</a:t>
+              <a:t>2024. 10. 7.</a:t>
             </a:fld>
             <a:endParaRPr kumimoji="1" lang="ko-KR" altLang="en-US"/>
           </a:p>
@@ -470,7 +471,7 @@
           <a:p>
             <a:fld id="{23D718C7-182E-9E43-B6DC-1727F16BCC9F}" type="datetimeFigureOut">
               <a:rPr kumimoji="1" lang="ko-KR" altLang="en-US" smtClean="0"/>
-              <a:t>2024. 10. 4.</a:t>
+              <a:t>2024. 10. 7.</a:t>
             </a:fld>
             <a:endParaRPr kumimoji="1" lang="ko-KR" altLang="en-US"/>
           </a:p>
@@ -678,7 +679,7 @@
           <a:p>
             <a:fld id="{23D718C7-182E-9E43-B6DC-1727F16BCC9F}" type="datetimeFigureOut">
               <a:rPr kumimoji="1" lang="ko-KR" altLang="en-US" smtClean="0"/>
-              <a:t>2024. 10. 4.</a:t>
+              <a:t>2024. 10. 7.</a:t>
             </a:fld>
             <a:endParaRPr kumimoji="1" lang="ko-KR" altLang="en-US"/>
           </a:p>
@@ -876,7 +877,7 @@
           <a:p>
             <a:fld id="{23D718C7-182E-9E43-B6DC-1727F16BCC9F}" type="datetimeFigureOut">
               <a:rPr kumimoji="1" lang="ko-KR" altLang="en-US" smtClean="0"/>
-              <a:t>2024. 10. 4.</a:t>
+              <a:t>2024. 10. 7.</a:t>
             </a:fld>
             <a:endParaRPr kumimoji="1" lang="ko-KR" altLang="en-US"/>
           </a:p>
@@ -1151,7 +1152,7 @@
           <a:p>
             <a:fld id="{23D718C7-182E-9E43-B6DC-1727F16BCC9F}" type="datetimeFigureOut">
               <a:rPr kumimoji="1" lang="ko-KR" altLang="en-US" smtClean="0"/>
-              <a:t>2024. 10. 4.</a:t>
+              <a:t>2024. 10. 7.</a:t>
             </a:fld>
             <a:endParaRPr kumimoji="1" lang="ko-KR" altLang="en-US"/>
           </a:p>
@@ -1416,7 +1417,7 @@
           <a:p>
             <a:fld id="{23D718C7-182E-9E43-B6DC-1727F16BCC9F}" type="datetimeFigureOut">
               <a:rPr kumimoji="1" lang="ko-KR" altLang="en-US" smtClean="0"/>
-              <a:t>2024. 10. 4.</a:t>
+              <a:t>2024. 10. 7.</a:t>
             </a:fld>
             <a:endParaRPr kumimoji="1" lang="ko-KR" altLang="en-US"/>
           </a:p>
@@ -1828,7 +1829,7 @@
           <a:p>
             <a:fld id="{23D718C7-182E-9E43-B6DC-1727F16BCC9F}" type="datetimeFigureOut">
               <a:rPr kumimoji="1" lang="ko-KR" altLang="en-US" smtClean="0"/>
-              <a:t>2024. 10. 4.</a:t>
+              <a:t>2024. 10. 7.</a:t>
             </a:fld>
             <a:endParaRPr kumimoji="1" lang="ko-KR" altLang="en-US"/>
           </a:p>
@@ -1969,7 +1970,7 @@
           <a:p>
             <a:fld id="{23D718C7-182E-9E43-B6DC-1727F16BCC9F}" type="datetimeFigureOut">
               <a:rPr kumimoji="1" lang="ko-KR" altLang="en-US" smtClean="0"/>
-              <a:t>2024. 10. 4.</a:t>
+              <a:t>2024. 10. 7.</a:t>
             </a:fld>
             <a:endParaRPr kumimoji="1" lang="ko-KR" altLang="en-US"/>
           </a:p>
@@ -2082,7 +2083,7 @@
           <a:p>
             <a:fld id="{23D718C7-182E-9E43-B6DC-1727F16BCC9F}" type="datetimeFigureOut">
               <a:rPr kumimoji="1" lang="ko-KR" altLang="en-US" smtClean="0"/>
-              <a:t>2024. 10. 4.</a:t>
+              <a:t>2024. 10. 7.</a:t>
             </a:fld>
             <a:endParaRPr kumimoji="1" lang="ko-KR" altLang="en-US"/>
           </a:p>
@@ -2393,7 +2394,7 @@
           <a:p>
             <a:fld id="{23D718C7-182E-9E43-B6DC-1727F16BCC9F}" type="datetimeFigureOut">
               <a:rPr kumimoji="1" lang="ko-KR" altLang="en-US" smtClean="0"/>
-              <a:t>2024. 10. 4.</a:t>
+              <a:t>2024. 10. 7.</a:t>
             </a:fld>
             <a:endParaRPr kumimoji="1" lang="ko-KR" altLang="en-US"/>
           </a:p>
@@ -2681,7 +2682,7 @@
           <a:p>
             <a:fld id="{23D718C7-182E-9E43-B6DC-1727F16BCC9F}" type="datetimeFigureOut">
               <a:rPr kumimoji="1" lang="ko-KR" altLang="en-US" smtClean="0"/>
-              <a:t>2024. 10. 4.</a:t>
+              <a:t>2024. 10. 7.</a:t>
             </a:fld>
             <a:endParaRPr kumimoji="1" lang="ko-KR" altLang="en-US"/>
           </a:p>
@@ -2922,7 +2923,7 @@
           <a:p>
             <a:fld id="{23D718C7-182E-9E43-B6DC-1727F16BCC9F}" type="datetimeFigureOut">
               <a:rPr kumimoji="1" lang="ko-KR" altLang="en-US" smtClean="0"/>
-              <a:t>2024. 10. 4.</a:t>
+              <a:t>2024. 10. 7.</a:t>
             </a:fld>
             <a:endParaRPr kumimoji="1" lang="ko-KR" altLang="en-US"/>
           </a:p>
@@ -4685,6 +4686,239 @@
     <p:extLst>
       <p:ext uri="{BB962C8B-B14F-4D97-AF65-F5344CB8AC3E}">
         <p14:creationId xmlns:p14="http://schemas.microsoft.com/office/powerpoint/2010/main" val="3021144397"/>
+      </p:ext>
+    </p:extLst>
+  </p:cSld>
+  <p:clrMapOvr>
+    <a:masterClrMapping/>
+  </p:clrMapOvr>
+</p:sld>
+</file>
+
+<file path=ppt/slides/slide15.xml><?xml version="1.0" encoding="utf-8"?>
+<p:sld xmlns:a="http://schemas.openxmlformats.org/drawingml/2006/main" xmlns:r="http://schemas.openxmlformats.org/officeDocument/2006/relationships" xmlns:p="http://schemas.openxmlformats.org/presentationml/2006/main">
+  <p:cSld>
+    <p:spTree>
+      <p:nvGrpSpPr>
+        <p:cNvPr id="1" name="">
+          <a:extLst>
+            <a:ext uri="{FF2B5EF4-FFF2-40B4-BE49-F238E27FC236}">
+              <a16:creationId xmlns:a16="http://schemas.microsoft.com/office/drawing/2014/main" id="{E2767AEC-2591-CA82-BBCF-DB38F3D1B588}"/>
+            </a:ext>
+          </a:extLst>
+        </p:cNvPr>
+        <p:cNvGrpSpPr/>
+        <p:nvPr/>
+      </p:nvGrpSpPr>
+      <p:grpSpPr>
+        <a:xfrm>
+          <a:off x="0" y="0"/>
+          <a:ext cx="0" cy="0"/>
+          <a:chOff x="0" y="0"/>
+          <a:chExt cx="0" cy="0"/>
+        </a:xfrm>
+      </p:grpSpPr>
+      <p:sp>
+        <p:nvSpPr>
+          <p:cNvPr id="6" name="TextBox 5">
+            <a:extLst>
+              <a:ext uri="{FF2B5EF4-FFF2-40B4-BE49-F238E27FC236}">
+                <a16:creationId xmlns:a16="http://schemas.microsoft.com/office/drawing/2014/main" id="{09470A4D-2E23-C098-ECF6-0F4236D3F1A4}"/>
+              </a:ext>
+            </a:extLst>
+          </p:cNvPr>
+          <p:cNvSpPr txBox="1"/>
+          <p:nvPr/>
+        </p:nvSpPr>
+        <p:spPr>
+          <a:xfrm>
+            <a:off x="1021294" y="3808909"/>
+            <a:ext cx="10149410" cy="1384995"/>
+          </a:xfrm>
+          <a:prstGeom prst="rect">
+            <a:avLst/>
+          </a:prstGeom>
+          <a:noFill/>
+        </p:spPr>
+        <p:txBody>
+          <a:bodyPr wrap="square" rtlCol="0">
+            <a:spAutoFit/>
+          </a:bodyPr>
+          <a:lstStyle/>
+          <a:p>
+            <a:pPr algn="ctr"/>
+            <a:r>
+              <a:rPr kumimoji="1" lang="en-US" altLang="ko-KR" sz="2800" b="1" dirty="0">
+                <a:latin typeface="D2Coding" panose="020B0609020101020101" pitchFamily="49" charset="-127"/>
+                <a:ea typeface="D2Coding" panose="020B0609020101020101" pitchFamily="49" charset="-127"/>
+              </a:rPr>
+              <a:t>Day 56</a:t>
+            </a:r>
+          </a:p>
+          <a:p>
+            <a:pPr algn="ctr"/>
+            <a:r>
+              <a:rPr kumimoji="1" lang="en-US" altLang="ko-KR" sz="2800" b="1" dirty="0">
+                <a:latin typeface="D2Coding" panose="020B0609020101020101" pitchFamily="49" charset="-127"/>
+                <a:ea typeface="D2Coding" panose="020B0609020101020101" pitchFamily="49" charset="-127"/>
+              </a:rPr>
+              <a:t>Java</a:t>
+            </a:r>
+            <a:r>
+              <a:rPr kumimoji="1" lang="ko-KR" altLang="en-US" sz="2800" b="1" dirty="0">
+                <a:latin typeface="D2Coding" panose="020B0609020101020101" pitchFamily="49" charset="-127"/>
+                <a:ea typeface="D2Coding" panose="020B0609020101020101" pitchFamily="49" charset="-127"/>
+              </a:rPr>
+              <a:t>프로그래밍 기초</a:t>
+            </a:r>
+            <a:endParaRPr kumimoji="1" lang="en-US" altLang="ko-KR" sz="2800" b="1" dirty="0">
+              <a:latin typeface="D2Coding" panose="020B0609020101020101" pitchFamily="49" charset="-127"/>
+              <a:ea typeface="D2Coding" panose="020B0609020101020101" pitchFamily="49" charset="-127"/>
+            </a:endParaRPr>
+          </a:p>
+          <a:p>
+            <a:pPr algn="ctr"/>
+            <a:r>
+              <a:rPr kumimoji="1" lang="en-US" altLang="ko-KR" sz="2800" b="1" dirty="0">
+                <a:latin typeface="D2Coding" panose="020B0609020101020101" pitchFamily="49" charset="-127"/>
+                <a:ea typeface="D2Coding" panose="020B0609020101020101" pitchFamily="49" charset="-127"/>
+              </a:rPr>
+              <a:t>JDBC – </a:t>
+            </a:r>
+            <a:r>
+              <a:rPr kumimoji="1" lang="ko-KR" altLang="en-US" sz="2800" b="1" dirty="0">
+                <a:latin typeface="D2Coding" panose="020B0609020101020101" pitchFamily="49" charset="-127"/>
+                <a:ea typeface="D2Coding" panose="020B0609020101020101" pitchFamily="49" charset="-127"/>
+              </a:rPr>
+              <a:t>라이브러리 설치 및 등록</a:t>
+            </a:r>
+          </a:p>
+        </p:txBody>
+      </p:sp>
+      <p:grpSp>
+        <p:nvGrpSpPr>
+          <p:cNvPr id="3" name="그룹 2">
+            <a:extLst>
+              <a:ext uri="{FF2B5EF4-FFF2-40B4-BE49-F238E27FC236}">
+                <a16:creationId xmlns:a16="http://schemas.microsoft.com/office/drawing/2014/main" id="{B04B38C3-7B7A-F763-E4B5-DC80149CEE86}"/>
+              </a:ext>
+            </a:extLst>
+          </p:cNvPr>
+          <p:cNvGrpSpPr/>
+          <p:nvPr/>
+        </p:nvGrpSpPr>
+        <p:grpSpPr>
+          <a:xfrm>
+            <a:off x="0" y="0"/>
+            <a:ext cx="12192000" cy="6858000"/>
+            <a:chOff x="1143000" y="1238490"/>
+            <a:chExt cx="7772400" cy="3777325"/>
+          </a:xfrm>
+        </p:grpSpPr>
+        <p:pic>
+          <p:nvPicPr>
+            <p:cNvPr id="4" name="그림 3" descr="폰트, 로고, 그래픽, 화이트이(가) 표시된 사진&#10;&#10;자동 생성된 설명">
+              <a:extLst>
+                <a:ext uri="{FF2B5EF4-FFF2-40B4-BE49-F238E27FC236}">
+                  <a16:creationId xmlns:a16="http://schemas.microsoft.com/office/drawing/2014/main" id="{F0FF62E1-AB72-F6AE-FCF2-8E2F36CBDEFD}"/>
+                </a:ext>
+              </a:extLst>
+            </p:cNvPr>
+            <p:cNvPicPr>
+              <a:picLocks noChangeAspect="1"/>
+            </p:cNvPicPr>
+            <p:nvPr/>
+          </p:nvPicPr>
+          <p:blipFill>
+            <a:blip r:embed="rId2"/>
+            <a:srcRect t="13650"/>
+            <a:stretch/>
+          </p:blipFill>
+          <p:spPr>
+            <a:xfrm>
+              <a:off x="1143000" y="1238490"/>
+              <a:ext cx="7772400" cy="3777325"/>
+            </a:xfrm>
+            <a:prstGeom prst="rect">
+              <a:avLst/>
+            </a:prstGeom>
+          </p:spPr>
+        </p:pic>
+        <p:sp>
+          <p:nvSpPr>
+            <p:cNvPr id="8" name="TextBox 7">
+              <a:extLst>
+                <a:ext uri="{FF2B5EF4-FFF2-40B4-BE49-F238E27FC236}">
+                  <a16:creationId xmlns:a16="http://schemas.microsoft.com/office/drawing/2014/main" id="{B9D520A4-831D-2C81-B53A-037039809E31}"/>
+                </a:ext>
+              </a:extLst>
+            </p:cNvPr>
+            <p:cNvSpPr txBox="1"/>
+            <p:nvPr/>
+          </p:nvSpPr>
+          <p:spPr>
+            <a:xfrm>
+              <a:off x="1474792" y="3336403"/>
+              <a:ext cx="7108815" cy="796747"/>
+            </a:xfrm>
+            <a:prstGeom prst="rect">
+              <a:avLst/>
+            </a:prstGeom>
+            <a:noFill/>
+          </p:spPr>
+          <p:txBody>
+            <a:bodyPr wrap="square" rtlCol="0">
+              <a:spAutoFit/>
+            </a:bodyPr>
+            <a:lstStyle/>
+            <a:p>
+              <a:pPr algn="ctr"/>
+              <a:r>
+                <a:rPr kumimoji="1" lang="en-US" altLang="ko-KR" sz="4400" b="1" dirty="0">
+                  <a:latin typeface="D2Coding" panose="020B0609020101020101" pitchFamily="49" charset="-127"/>
+                  <a:ea typeface="D2Coding" panose="020B0609020101020101" pitchFamily="49" charset="-127"/>
+                </a:rPr>
+                <a:t>Day 89</a:t>
+              </a:r>
+            </a:p>
+            <a:p>
+              <a:pPr algn="ctr"/>
+              <a:r>
+                <a:rPr kumimoji="1" lang="en-US" altLang="ko-KR" sz="4400" b="1" dirty="0">
+                  <a:latin typeface="D2Coding" panose="020B0609020101020101" pitchFamily="49" charset="-127"/>
+                  <a:ea typeface="D2Coding" panose="020B0609020101020101" pitchFamily="49" charset="-127"/>
+                </a:rPr>
+                <a:t>Final Project(</a:t>
+              </a:r>
+              <a:r>
+                <a:rPr kumimoji="1" lang="en" altLang="ko-KR" sz="4400" b="1" dirty="0">
+                  <a:latin typeface="D2Coding" panose="020B0609020101020101" pitchFamily="49" charset="-127"/>
+                  <a:ea typeface="D2Coding" panose="020B0609020101020101" pitchFamily="49" charset="-127"/>
+                </a:rPr>
+                <a:t>DB</a:t>
+              </a:r>
+              <a:r>
+                <a:rPr kumimoji="1" lang="ko-KR" altLang="en-US" sz="4400" b="1" dirty="0">
+                  <a:latin typeface="D2Coding" panose="020B0609020101020101" pitchFamily="49" charset="-127"/>
+                  <a:ea typeface="D2Coding" panose="020B0609020101020101" pitchFamily="49" charset="-127"/>
+                </a:rPr>
+                <a:t>모델링</a:t>
+              </a:r>
+              <a:r>
+                <a:rPr kumimoji="1" lang="en" altLang="ko-KR" sz="4400" b="1" dirty="0">
+                  <a:latin typeface="D2Coding" panose="020B0609020101020101" pitchFamily="49" charset="-127"/>
+                  <a:ea typeface="D2Coding" panose="020B0609020101020101" pitchFamily="49" charset="-127"/>
+                </a:rPr>
+                <a:t>)</a:t>
+              </a:r>
+            </a:p>
+          </p:txBody>
+        </p:sp>
+      </p:grpSp>
+    </p:spTree>
+    <p:extLst>
+      <p:ext uri="{BB962C8B-B14F-4D97-AF65-F5344CB8AC3E}">
+        <p14:creationId xmlns:p14="http://schemas.microsoft.com/office/powerpoint/2010/main" val="1719967070"/>
       </p:ext>
     </p:extLst>
   </p:cSld>
